--- a/eos/01.분석/지도데이터분석.pptx
+++ b/eos/01.분석/지도데이터분석.pptx
@@ -13,6 +13,7 @@
     <p:sldId id="260" r:id="rId7"/>
     <p:sldId id="262" r:id="rId8"/>
     <p:sldId id="263" r:id="rId9"/>
+    <p:sldId id="264" r:id="rId10"/>
   </p:sldIdLst>
   <p:sldSz cx="12192000" cy="6858000"/>
   <p:notesSz cx="6858000" cy="9144000"/>
@@ -161,10 +162,9 @@
           </a:lstStyle>
           <a:p>
             <a:r>
-              <a:rPr lang="ko-KR" altLang="en-US" smtClean="0"/>
+              <a:rPr lang="ko-KR" altLang="en-US"/>
               <a:t>마스터 제목 스타일 편집</a:t>
             </a:r>
-            <a:endParaRPr lang="ko-KR" altLang="en-US"/>
           </a:p>
         </p:txBody>
       </p:sp>
@@ -226,10 +226,9 @@
           </a:lstStyle>
           <a:p>
             <a:r>
-              <a:rPr lang="ko-KR" altLang="en-US" smtClean="0"/>
+              <a:rPr lang="ko-KR" altLang="en-US"/>
               <a:t>클릭하여 마스터 부제목 스타일 편집</a:t>
             </a:r>
-            <a:endParaRPr lang="ko-KR" altLang="en-US"/>
           </a:p>
         </p:txBody>
       </p:sp>
@@ -250,7 +249,7 @@
           <a:p>
             <a:fld id="{B8436654-B38F-40F5-B0F2-A206AD6CFCA5}" type="datetimeFigureOut">
               <a:rPr lang="ko-KR" altLang="en-US" smtClean="0"/>
-              <a:t>2019-07-25</a:t>
+              <a:t>2019-10-21</a:t>
             </a:fld>
             <a:endParaRPr lang="ko-KR" altLang="en-US"/>
           </a:p>
@@ -344,10 +343,9 @@
           <a:lstStyle/>
           <a:p>
             <a:r>
-              <a:rPr lang="ko-KR" altLang="en-US" smtClean="0"/>
+              <a:rPr lang="ko-KR" altLang="en-US"/>
               <a:t>마스터 제목 스타일 편집</a:t>
             </a:r>
-            <a:endParaRPr lang="ko-KR" altLang="en-US"/>
           </a:p>
         </p:txBody>
       </p:sp>
@@ -368,38 +366,37 @@
           <a:p>
             <a:pPr lvl="0"/>
             <a:r>
-              <a:rPr lang="ko-KR" altLang="en-US" smtClean="0"/>
+              <a:rPr lang="ko-KR" altLang="en-US"/>
               <a:t>마스터 텍스트 스타일 편집</a:t>
             </a:r>
           </a:p>
           <a:p>
             <a:pPr lvl="1"/>
             <a:r>
-              <a:rPr lang="ko-KR" altLang="en-US" smtClean="0"/>
+              <a:rPr lang="ko-KR" altLang="en-US"/>
               <a:t>둘째 수준</a:t>
             </a:r>
           </a:p>
           <a:p>
             <a:pPr lvl="2"/>
             <a:r>
-              <a:rPr lang="ko-KR" altLang="en-US" smtClean="0"/>
+              <a:rPr lang="ko-KR" altLang="en-US"/>
               <a:t>셋째 수준</a:t>
             </a:r>
           </a:p>
           <a:p>
             <a:pPr lvl="3"/>
             <a:r>
-              <a:rPr lang="ko-KR" altLang="en-US" smtClean="0"/>
+              <a:rPr lang="ko-KR" altLang="en-US"/>
               <a:t>넷째 수준</a:t>
             </a:r>
           </a:p>
           <a:p>
             <a:pPr lvl="4"/>
             <a:r>
-              <a:rPr lang="ko-KR" altLang="en-US" smtClean="0"/>
+              <a:rPr lang="ko-KR" altLang="en-US"/>
               <a:t>다섯째 수준</a:t>
             </a:r>
-            <a:endParaRPr lang="ko-KR" altLang="en-US"/>
           </a:p>
         </p:txBody>
       </p:sp>
@@ -420,7 +417,7 @@
           <a:p>
             <a:fld id="{B8436654-B38F-40F5-B0F2-A206AD6CFCA5}" type="datetimeFigureOut">
               <a:rPr lang="ko-KR" altLang="en-US" smtClean="0"/>
-              <a:t>2019-07-25</a:t>
+              <a:t>2019-10-21</a:t>
             </a:fld>
             <a:endParaRPr lang="ko-KR" altLang="en-US"/>
           </a:p>
@@ -519,10 +516,9 @@
           <a:lstStyle/>
           <a:p>
             <a:r>
-              <a:rPr lang="ko-KR" altLang="en-US" smtClean="0"/>
+              <a:rPr lang="ko-KR" altLang="en-US"/>
               <a:t>마스터 제목 스타일 편집</a:t>
             </a:r>
-            <a:endParaRPr lang="ko-KR" altLang="en-US"/>
           </a:p>
         </p:txBody>
       </p:sp>
@@ -548,38 +544,37 @@
           <a:p>
             <a:pPr lvl="0"/>
             <a:r>
-              <a:rPr lang="ko-KR" altLang="en-US" smtClean="0"/>
+              <a:rPr lang="ko-KR" altLang="en-US"/>
               <a:t>마스터 텍스트 스타일 편집</a:t>
             </a:r>
           </a:p>
           <a:p>
             <a:pPr lvl="1"/>
             <a:r>
-              <a:rPr lang="ko-KR" altLang="en-US" smtClean="0"/>
+              <a:rPr lang="ko-KR" altLang="en-US"/>
               <a:t>둘째 수준</a:t>
             </a:r>
           </a:p>
           <a:p>
             <a:pPr lvl="2"/>
             <a:r>
-              <a:rPr lang="ko-KR" altLang="en-US" smtClean="0"/>
+              <a:rPr lang="ko-KR" altLang="en-US"/>
               <a:t>셋째 수준</a:t>
             </a:r>
           </a:p>
           <a:p>
             <a:pPr lvl="3"/>
             <a:r>
-              <a:rPr lang="ko-KR" altLang="en-US" smtClean="0"/>
+              <a:rPr lang="ko-KR" altLang="en-US"/>
               <a:t>넷째 수준</a:t>
             </a:r>
           </a:p>
           <a:p>
             <a:pPr lvl="4"/>
             <a:r>
-              <a:rPr lang="ko-KR" altLang="en-US" smtClean="0"/>
+              <a:rPr lang="ko-KR" altLang="en-US"/>
               <a:t>다섯째 수준</a:t>
             </a:r>
-            <a:endParaRPr lang="ko-KR" altLang="en-US"/>
           </a:p>
         </p:txBody>
       </p:sp>
@@ -600,7 +595,7 @@
           <a:p>
             <a:fld id="{B8436654-B38F-40F5-B0F2-A206AD6CFCA5}" type="datetimeFigureOut">
               <a:rPr lang="ko-KR" altLang="en-US" smtClean="0"/>
-              <a:t>2019-07-25</a:t>
+              <a:t>2019-10-21</a:t>
             </a:fld>
             <a:endParaRPr lang="ko-KR" altLang="en-US"/>
           </a:p>
@@ -694,10 +689,9 @@
           <a:lstStyle/>
           <a:p>
             <a:r>
-              <a:rPr lang="ko-KR" altLang="en-US" smtClean="0"/>
+              <a:rPr lang="ko-KR" altLang="en-US"/>
               <a:t>마스터 제목 스타일 편집</a:t>
             </a:r>
-            <a:endParaRPr lang="ko-KR" altLang="en-US"/>
           </a:p>
         </p:txBody>
       </p:sp>
@@ -718,38 +712,37 @@
           <a:p>
             <a:pPr lvl="0"/>
             <a:r>
-              <a:rPr lang="ko-KR" altLang="en-US" smtClean="0"/>
+              <a:rPr lang="ko-KR" altLang="en-US"/>
               <a:t>마스터 텍스트 스타일 편집</a:t>
             </a:r>
           </a:p>
           <a:p>
             <a:pPr lvl="1"/>
             <a:r>
-              <a:rPr lang="ko-KR" altLang="en-US" smtClean="0"/>
+              <a:rPr lang="ko-KR" altLang="en-US"/>
               <a:t>둘째 수준</a:t>
             </a:r>
           </a:p>
           <a:p>
             <a:pPr lvl="2"/>
             <a:r>
-              <a:rPr lang="ko-KR" altLang="en-US" smtClean="0"/>
+              <a:rPr lang="ko-KR" altLang="en-US"/>
               <a:t>셋째 수준</a:t>
             </a:r>
           </a:p>
           <a:p>
             <a:pPr lvl="3"/>
             <a:r>
-              <a:rPr lang="ko-KR" altLang="en-US" smtClean="0"/>
+              <a:rPr lang="ko-KR" altLang="en-US"/>
               <a:t>넷째 수준</a:t>
             </a:r>
           </a:p>
           <a:p>
             <a:pPr lvl="4"/>
             <a:r>
-              <a:rPr lang="ko-KR" altLang="en-US" smtClean="0"/>
+              <a:rPr lang="ko-KR" altLang="en-US"/>
               <a:t>다섯째 수준</a:t>
             </a:r>
-            <a:endParaRPr lang="ko-KR" altLang="en-US"/>
           </a:p>
         </p:txBody>
       </p:sp>
@@ -770,7 +763,7 @@
           <a:p>
             <a:fld id="{B8436654-B38F-40F5-B0F2-A206AD6CFCA5}" type="datetimeFigureOut">
               <a:rPr lang="ko-KR" altLang="en-US" smtClean="0"/>
-              <a:t>2019-07-25</a:t>
+              <a:t>2019-10-21</a:t>
             </a:fld>
             <a:endParaRPr lang="ko-KR" altLang="en-US"/>
           </a:p>
@@ -873,10 +866,9 @@
           </a:lstStyle>
           <a:p>
             <a:r>
-              <a:rPr lang="ko-KR" altLang="en-US" smtClean="0"/>
+              <a:rPr lang="ko-KR" altLang="en-US"/>
               <a:t>마스터 제목 스타일 편집</a:t>
             </a:r>
-            <a:endParaRPr lang="ko-KR" altLang="en-US"/>
           </a:p>
         </p:txBody>
       </p:sp>
@@ -993,7 +985,7 @@
           <a:p>
             <a:pPr lvl="0"/>
             <a:r>
-              <a:rPr lang="ko-KR" altLang="en-US" smtClean="0"/>
+              <a:rPr lang="ko-KR" altLang="en-US"/>
               <a:t>마스터 텍스트 스타일 편집</a:t>
             </a:r>
           </a:p>
@@ -1016,7 +1008,7 @@
           <a:p>
             <a:fld id="{B8436654-B38F-40F5-B0F2-A206AD6CFCA5}" type="datetimeFigureOut">
               <a:rPr lang="ko-KR" altLang="en-US" smtClean="0"/>
-              <a:t>2019-07-25</a:t>
+              <a:t>2019-10-21</a:t>
             </a:fld>
             <a:endParaRPr lang="ko-KR" altLang="en-US"/>
           </a:p>
@@ -1110,10 +1102,9 @@
           <a:lstStyle/>
           <a:p>
             <a:r>
-              <a:rPr lang="ko-KR" altLang="en-US" smtClean="0"/>
+              <a:rPr lang="ko-KR" altLang="en-US"/>
               <a:t>마스터 제목 스타일 편집</a:t>
             </a:r>
-            <a:endParaRPr lang="ko-KR" altLang="en-US"/>
           </a:p>
         </p:txBody>
       </p:sp>
@@ -1139,38 +1130,37 @@
           <a:p>
             <a:pPr lvl="0"/>
             <a:r>
-              <a:rPr lang="ko-KR" altLang="en-US" smtClean="0"/>
+              <a:rPr lang="ko-KR" altLang="en-US"/>
               <a:t>마스터 텍스트 스타일 편집</a:t>
             </a:r>
           </a:p>
           <a:p>
             <a:pPr lvl="1"/>
             <a:r>
-              <a:rPr lang="ko-KR" altLang="en-US" smtClean="0"/>
+              <a:rPr lang="ko-KR" altLang="en-US"/>
               <a:t>둘째 수준</a:t>
             </a:r>
           </a:p>
           <a:p>
             <a:pPr lvl="2"/>
             <a:r>
-              <a:rPr lang="ko-KR" altLang="en-US" smtClean="0"/>
+              <a:rPr lang="ko-KR" altLang="en-US"/>
               <a:t>셋째 수준</a:t>
             </a:r>
           </a:p>
           <a:p>
             <a:pPr lvl="3"/>
             <a:r>
-              <a:rPr lang="ko-KR" altLang="en-US" smtClean="0"/>
+              <a:rPr lang="ko-KR" altLang="en-US"/>
               <a:t>넷째 수준</a:t>
             </a:r>
           </a:p>
           <a:p>
             <a:pPr lvl="4"/>
             <a:r>
-              <a:rPr lang="ko-KR" altLang="en-US" smtClean="0"/>
+              <a:rPr lang="ko-KR" altLang="en-US"/>
               <a:t>다섯째 수준</a:t>
             </a:r>
-            <a:endParaRPr lang="ko-KR" altLang="en-US"/>
           </a:p>
         </p:txBody>
       </p:sp>
@@ -1196,38 +1186,37 @@
           <a:p>
             <a:pPr lvl="0"/>
             <a:r>
-              <a:rPr lang="ko-KR" altLang="en-US" smtClean="0"/>
+              <a:rPr lang="ko-KR" altLang="en-US"/>
               <a:t>마스터 텍스트 스타일 편집</a:t>
             </a:r>
           </a:p>
           <a:p>
             <a:pPr lvl="1"/>
             <a:r>
-              <a:rPr lang="ko-KR" altLang="en-US" smtClean="0"/>
+              <a:rPr lang="ko-KR" altLang="en-US"/>
               <a:t>둘째 수준</a:t>
             </a:r>
           </a:p>
           <a:p>
             <a:pPr lvl="2"/>
             <a:r>
-              <a:rPr lang="ko-KR" altLang="en-US" smtClean="0"/>
+              <a:rPr lang="ko-KR" altLang="en-US"/>
               <a:t>셋째 수준</a:t>
             </a:r>
           </a:p>
           <a:p>
             <a:pPr lvl="3"/>
             <a:r>
-              <a:rPr lang="ko-KR" altLang="en-US" smtClean="0"/>
+              <a:rPr lang="ko-KR" altLang="en-US"/>
               <a:t>넷째 수준</a:t>
             </a:r>
           </a:p>
           <a:p>
             <a:pPr lvl="4"/>
             <a:r>
-              <a:rPr lang="ko-KR" altLang="en-US" smtClean="0"/>
+              <a:rPr lang="ko-KR" altLang="en-US"/>
               <a:t>다섯째 수준</a:t>
             </a:r>
-            <a:endParaRPr lang="ko-KR" altLang="en-US"/>
           </a:p>
         </p:txBody>
       </p:sp>
@@ -1248,7 +1237,7 @@
           <a:p>
             <a:fld id="{B8436654-B38F-40F5-B0F2-A206AD6CFCA5}" type="datetimeFigureOut">
               <a:rPr lang="ko-KR" altLang="en-US" smtClean="0"/>
-              <a:t>2019-07-25</a:t>
+              <a:t>2019-10-21</a:t>
             </a:fld>
             <a:endParaRPr lang="ko-KR" altLang="en-US"/>
           </a:p>
@@ -1347,10 +1336,9 @@
           <a:lstStyle/>
           <a:p>
             <a:r>
-              <a:rPr lang="ko-KR" altLang="en-US" smtClean="0"/>
+              <a:rPr lang="ko-KR" altLang="en-US"/>
               <a:t>마스터 제목 스타일 편집</a:t>
             </a:r>
-            <a:endParaRPr lang="ko-KR" altLang="en-US"/>
           </a:p>
         </p:txBody>
       </p:sp>
@@ -1413,7 +1401,7 @@
           <a:p>
             <a:pPr lvl="0"/>
             <a:r>
-              <a:rPr lang="ko-KR" altLang="en-US" smtClean="0"/>
+              <a:rPr lang="ko-KR" altLang="en-US"/>
               <a:t>마스터 텍스트 스타일 편집</a:t>
             </a:r>
           </a:p>
@@ -1441,38 +1429,37 @@
           <a:p>
             <a:pPr lvl="0"/>
             <a:r>
-              <a:rPr lang="ko-KR" altLang="en-US" smtClean="0"/>
+              <a:rPr lang="ko-KR" altLang="en-US"/>
               <a:t>마스터 텍스트 스타일 편집</a:t>
             </a:r>
           </a:p>
           <a:p>
             <a:pPr lvl="1"/>
             <a:r>
-              <a:rPr lang="ko-KR" altLang="en-US" smtClean="0"/>
+              <a:rPr lang="ko-KR" altLang="en-US"/>
               <a:t>둘째 수준</a:t>
             </a:r>
           </a:p>
           <a:p>
             <a:pPr lvl="2"/>
             <a:r>
-              <a:rPr lang="ko-KR" altLang="en-US" smtClean="0"/>
+              <a:rPr lang="ko-KR" altLang="en-US"/>
               <a:t>셋째 수준</a:t>
             </a:r>
           </a:p>
           <a:p>
             <a:pPr lvl="3"/>
             <a:r>
-              <a:rPr lang="ko-KR" altLang="en-US" smtClean="0"/>
+              <a:rPr lang="ko-KR" altLang="en-US"/>
               <a:t>넷째 수준</a:t>
             </a:r>
           </a:p>
           <a:p>
             <a:pPr lvl="4"/>
             <a:r>
-              <a:rPr lang="ko-KR" altLang="en-US" smtClean="0"/>
+              <a:rPr lang="ko-KR" altLang="en-US"/>
               <a:t>다섯째 수준</a:t>
             </a:r>
-            <a:endParaRPr lang="ko-KR" altLang="en-US"/>
           </a:p>
         </p:txBody>
       </p:sp>
@@ -1535,7 +1522,7 @@
           <a:p>
             <a:pPr lvl="0"/>
             <a:r>
-              <a:rPr lang="ko-KR" altLang="en-US" smtClean="0"/>
+              <a:rPr lang="ko-KR" altLang="en-US"/>
               <a:t>마스터 텍스트 스타일 편집</a:t>
             </a:r>
           </a:p>
@@ -1563,38 +1550,37 @@
           <a:p>
             <a:pPr lvl="0"/>
             <a:r>
-              <a:rPr lang="ko-KR" altLang="en-US" smtClean="0"/>
+              <a:rPr lang="ko-KR" altLang="en-US"/>
               <a:t>마스터 텍스트 스타일 편집</a:t>
             </a:r>
           </a:p>
           <a:p>
             <a:pPr lvl="1"/>
             <a:r>
-              <a:rPr lang="ko-KR" altLang="en-US" smtClean="0"/>
+              <a:rPr lang="ko-KR" altLang="en-US"/>
               <a:t>둘째 수준</a:t>
             </a:r>
           </a:p>
           <a:p>
             <a:pPr lvl="2"/>
             <a:r>
-              <a:rPr lang="ko-KR" altLang="en-US" smtClean="0"/>
+              <a:rPr lang="ko-KR" altLang="en-US"/>
               <a:t>셋째 수준</a:t>
             </a:r>
           </a:p>
           <a:p>
             <a:pPr lvl="3"/>
             <a:r>
-              <a:rPr lang="ko-KR" altLang="en-US" smtClean="0"/>
+              <a:rPr lang="ko-KR" altLang="en-US"/>
               <a:t>넷째 수준</a:t>
             </a:r>
           </a:p>
           <a:p>
             <a:pPr lvl="4"/>
             <a:r>
-              <a:rPr lang="ko-KR" altLang="en-US" smtClean="0"/>
+              <a:rPr lang="ko-KR" altLang="en-US"/>
               <a:t>다섯째 수준</a:t>
             </a:r>
-            <a:endParaRPr lang="ko-KR" altLang="en-US"/>
           </a:p>
         </p:txBody>
       </p:sp>
@@ -1615,7 +1601,7 @@
           <a:p>
             <a:fld id="{B8436654-B38F-40F5-B0F2-A206AD6CFCA5}" type="datetimeFigureOut">
               <a:rPr lang="ko-KR" altLang="en-US" smtClean="0"/>
-              <a:t>2019-07-25</a:t>
+              <a:t>2019-10-21</a:t>
             </a:fld>
             <a:endParaRPr lang="ko-KR" altLang="en-US"/>
           </a:p>
@@ -1709,10 +1695,9 @@
           <a:lstStyle/>
           <a:p>
             <a:r>
-              <a:rPr lang="ko-KR" altLang="en-US" smtClean="0"/>
+              <a:rPr lang="ko-KR" altLang="en-US"/>
               <a:t>마스터 제목 스타일 편집</a:t>
             </a:r>
-            <a:endParaRPr lang="ko-KR" altLang="en-US"/>
           </a:p>
         </p:txBody>
       </p:sp>
@@ -1733,7 +1718,7 @@
           <a:p>
             <a:fld id="{B8436654-B38F-40F5-B0F2-A206AD6CFCA5}" type="datetimeFigureOut">
               <a:rPr lang="ko-KR" altLang="en-US" smtClean="0"/>
-              <a:t>2019-07-25</a:t>
+              <a:t>2019-10-21</a:t>
             </a:fld>
             <a:endParaRPr lang="ko-KR" altLang="en-US"/>
           </a:p>
@@ -1828,7 +1813,7 @@
           <a:p>
             <a:fld id="{B8436654-B38F-40F5-B0F2-A206AD6CFCA5}" type="datetimeFigureOut">
               <a:rPr lang="ko-KR" altLang="en-US" smtClean="0"/>
-              <a:t>2019-07-25</a:t>
+              <a:t>2019-10-21</a:t>
             </a:fld>
             <a:endParaRPr lang="ko-KR" altLang="en-US"/>
           </a:p>
@@ -1931,10 +1916,9 @@
           </a:lstStyle>
           <a:p>
             <a:r>
-              <a:rPr lang="ko-KR" altLang="en-US" smtClean="0"/>
+              <a:rPr lang="ko-KR" altLang="en-US"/>
               <a:t>마스터 제목 스타일 편집</a:t>
             </a:r>
-            <a:endParaRPr lang="ko-KR" altLang="en-US"/>
           </a:p>
         </p:txBody>
       </p:sp>
@@ -1988,38 +1972,37 @@
           <a:p>
             <a:pPr lvl="0"/>
             <a:r>
-              <a:rPr lang="ko-KR" altLang="en-US" smtClean="0"/>
+              <a:rPr lang="ko-KR" altLang="en-US"/>
               <a:t>마스터 텍스트 스타일 편집</a:t>
             </a:r>
           </a:p>
           <a:p>
             <a:pPr lvl="1"/>
             <a:r>
-              <a:rPr lang="ko-KR" altLang="en-US" smtClean="0"/>
+              <a:rPr lang="ko-KR" altLang="en-US"/>
               <a:t>둘째 수준</a:t>
             </a:r>
           </a:p>
           <a:p>
             <a:pPr lvl="2"/>
             <a:r>
-              <a:rPr lang="ko-KR" altLang="en-US" smtClean="0"/>
+              <a:rPr lang="ko-KR" altLang="en-US"/>
               <a:t>셋째 수준</a:t>
             </a:r>
           </a:p>
           <a:p>
             <a:pPr lvl="3"/>
             <a:r>
-              <a:rPr lang="ko-KR" altLang="en-US" smtClean="0"/>
+              <a:rPr lang="ko-KR" altLang="en-US"/>
               <a:t>넷째 수준</a:t>
             </a:r>
           </a:p>
           <a:p>
             <a:pPr lvl="4"/>
             <a:r>
-              <a:rPr lang="ko-KR" altLang="en-US" smtClean="0"/>
+              <a:rPr lang="ko-KR" altLang="en-US"/>
               <a:t>다섯째 수준</a:t>
             </a:r>
-            <a:endParaRPr lang="ko-KR" altLang="en-US"/>
           </a:p>
         </p:txBody>
       </p:sp>
@@ -2082,7 +2065,7 @@
           <a:p>
             <a:pPr lvl="0"/>
             <a:r>
-              <a:rPr lang="ko-KR" altLang="en-US" smtClean="0"/>
+              <a:rPr lang="ko-KR" altLang="en-US"/>
               <a:t>마스터 텍스트 스타일 편집</a:t>
             </a:r>
           </a:p>
@@ -2105,7 +2088,7 @@
           <a:p>
             <a:fld id="{B8436654-B38F-40F5-B0F2-A206AD6CFCA5}" type="datetimeFigureOut">
               <a:rPr lang="ko-KR" altLang="en-US" smtClean="0"/>
-              <a:t>2019-07-25</a:t>
+              <a:t>2019-10-21</a:t>
             </a:fld>
             <a:endParaRPr lang="ko-KR" altLang="en-US"/>
           </a:p>
@@ -2208,10 +2191,9 @@
           </a:lstStyle>
           <a:p>
             <a:r>
-              <a:rPr lang="ko-KR" altLang="en-US" smtClean="0"/>
+              <a:rPr lang="ko-KR" altLang="en-US"/>
               <a:t>마스터 제목 스타일 편집</a:t>
             </a:r>
-            <a:endParaRPr lang="ko-KR" altLang="en-US"/>
           </a:p>
         </p:txBody>
       </p:sp>
@@ -2335,7 +2317,7 @@
           <a:p>
             <a:pPr lvl="0"/>
             <a:r>
-              <a:rPr lang="ko-KR" altLang="en-US" smtClean="0"/>
+              <a:rPr lang="ko-KR" altLang="en-US"/>
               <a:t>마스터 텍스트 스타일 편집</a:t>
             </a:r>
           </a:p>
@@ -2358,7 +2340,7 @@
           <a:p>
             <a:fld id="{B8436654-B38F-40F5-B0F2-A206AD6CFCA5}" type="datetimeFigureOut">
               <a:rPr lang="ko-KR" altLang="en-US" smtClean="0"/>
-              <a:t>2019-07-25</a:t>
+              <a:t>2019-10-21</a:t>
             </a:fld>
             <a:endParaRPr lang="ko-KR" altLang="en-US"/>
           </a:p>
@@ -2467,10 +2449,9 @@
           <a:lstStyle/>
           <a:p>
             <a:r>
-              <a:rPr lang="ko-KR" altLang="en-US" smtClean="0"/>
+              <a:rPr lang="ko-KR" altLang="en-US"/>
               <a:t>마스터 제목 스타일 편집</a:t>
             </a:r>
-            <a:endParaRPr lang="ko-KR" altLang="en-US"/>
           </a:p>
         </p:txBody>
       </p:sp>
@@ -2501,38 +2482,37 @@
           <a:p>
             <a:pPr lvl="0"/>
             <a:r>
-              <a:rPr lang="ko-KR" altLang="en-US" smtClean="0"/>
+              <a:rPr lang="ko-KR" altLang="en-US"/>
               <a:t>마스터 텍스트 스타일 편집</a:t>
             </a:r>
           </a:p>
           <a:p>
             <a:pPr lvl="1"/>
             <a:r>
-              <a:rPr lang="ko-KR" altLang="en-US" smtClean="0"/>
+              <a:rPr lang="ko-KR" altLang="en-US"/>
               <a:t>둘째 수준</a:t>
             </a:r>
           </a:p>
           <a:p>
             <a:pPr lvl="2"/>
             <a:r>
-              <a:rPr lang="ko-KR" altLang="en-US" smtClean="0"/>
+              <a:rPr lang="ko-KR" altLang="en-US"/>
               <a:t>셋째 수준</a:t>
             </a:r>
           </a:p>
           <a:p>
             <a:pPr lvl="3"/>
             <a:r>
-              <a:rPr lang="ko-KR" altLang="en-US" smtClean="0"/>
+              <a:rPr lang="ko-KR" altLang="en-US"/>
               <a:t>넷째 수준</a:t>
             </a:r>
           </a:p>
           <a:p>
             <a:pPr lvl="4"/>
             <a:r>
-              <a:rPr lang="ko-KR" altLang="en-US" smtClean="0"/>
+              <a:rPr lang="ko-KR" altLang="en-US"/>
               <a:t>다섯째 수준</a:t>
             </a:r>
-            <a:endParaRPr lang="ko-KR" altLang="en-US"/>
           </a:p>
         </p:txBody>
       </p:sp>
@@ -2571,7 +2551,7 @@
           <a:p>
             <a:fld id="{B8436654-B38F-40F5-B0F2-A206AD6CFCA5}" type="datetimeFigureOut">
               <a:rPr lang="ko-KR" altLang="en-US" smtClean="0"/>
-              <a:t>2019-07-25</a:t>
+              <a:t>2019-10-21</a:t>
             </a:fld>
             <a:endParaRPr lang="ko-KR" altLang="en-US"/>
           </a:p>
@@ -3000,7 +2980,7 @@
           <a:p>
             <a:pPr algn="ctr"/>
             <a:r>
-              <a:rPr lang="ko-KR" altLang="en-US" sz="4400" smtClean="0"/>
+              <a:rPr lang="ko-KR" altLang="en-US" sz="4400"/>
               <a:t>지도 데이터 분석</a:t>
             </a:r>
             <a:endParaRPr lang="ko-KR" altLang="en-US" sz="4400" dirty="0"/>
@@ -3017,13 +2997,6 @@
   <p:clrMapOvr>
     <a:masterClrMapping/>
   </p:clrMapOvr>
-  <p:timing>
-    <p:tnLst>
-      <p:par>
-        <p:cTn id="1" dur="indefinite" restart="never" nodeType="tmRoot"/>
-      </p:par>
-    </p:tnLst>
-  </p:timing>
 </p:sld>
 </file>
 
@@ -3190,7 +3163,7 @@
           <a:lstStyle/>
           <a:p>
             <a:r>
-              <a:rPr lang="en-US" altLang="ko-KR" smtClean="0">
+              <a:rPr lang="en-US" altLang="ko-KR">
                 <a:solidFill>
                   <a:schemeClr val="accent1">
                     <a:lumMod val="75000"/>
@@ -3200,7 +3173,7 @@
               <a:t>Vector</a:t>
             </a:r>
             <a:r>
-              <a:rPr lang="ko-KR" altLang="en-US" smtClean="0">
+              <a:rPr lang="ko-KR" altLang="en-US">
                 <a:solidFill>
                   <a:schemeClr val="accent1">
                     <a:lumMod val="75000"/>
@@ -3210,7 +3183,7 @@
               <a:t>와 </a:t>
             </a:r>
             <a:r>
-              <a:rPr lang="en-US" altLang="ko-KR" smtClean="0">
+              <a:rPr lang="en-US" altLang="ko-KR">
                 <a:solidFill>
                   <a:schemeClr val="accent1">
                     <a:lumMod val="75000"/>
@@ -3284,7 +3257,7 @@
           <a:p>
             <a:pPr algn="ctr"/>
             <a:r>
-              <a:rPr lang="ko-KR" altLang="en-US" sz="1200" smtClean="0">
+              <a:rPr lang="ko-KR" altLang="en-US" sz="1200">
                 <a:solidFill>
                   <a:schemeClr val="accent1">
                     <a:lumMod val="75000"/>
@@ -3326,7 +3299,7 @@
           <a:lstStyle/>
           <a:p>
             <a:r>
-              <a:rPr lang="en-US" altLang="ko-KR" smtClean="0">
+              <a:rPr lang="en-US" altLang="ko-KR">
                 <a:solidFill>
                   <a:schemeClr val="accent1">
                     <a:lumMod val="75000"/>
@@ -3336,7 +3309,7 @@
               <a:t>Vector</a:t>
             </a:r>
             <a:r>
-              <a:rPr lang="ko-KR" altLang="en-US" smtClean="0">
+              <a:rPr lang="ko-KR" altLang="en-US">
                 <a:solidFill>
                   <a:schemeClr val="accent1">
                     <a:lumMod val="75000"/>
@@ -3346,7 +3319,7 @@
               <a:t>는 위에서 바라본 모습이며 </a:t>
             </a:r>
             <a:r>
-              <a:rPr lang="en-US" altLang="ko-KR" smtClean="0">
+              <a:rPr lang="en-US" altLang="ko-KR">
                 <a:solidFill>
                   <a:schemeClr val="accent1">
                     <a:lumMod val="75000"/>
@@ -3356,7 +3329,7 @@
               <a:t>Raster</a:t>
             </a:r>
             <a:r>
-              <a:rPr lang="ko-KR" altLang="en-US" smtClean="0">
+              <a:rPr lang="ko-KR" altLang="en-US">
                 <a:solidFill>
                   <a:schemeClr val="accent1">
                     <a:lumMod val="75000"/>
@@ -3366,7 +3339,7 @@
               <a:t>는 보다 단순화된 형태이다</a:t>
             </a:r>
             <a:r>
-              <a:rPr lang="en-US" altLang="ko-KR" smtClean="0">
+              <a:rPr lang="en-US" altLang="ko-KR">
                 <a:solidFill>
                   <a:schemeClr val="accent1">
                     <a:lumMod val="75000"/>
@@ -3489,13 +3462,6 @@
       </p:transition>
     </mc:Fallback>
   </mc:AlternateContent>
-  <p:timing>
-    <p:tnLst>
-      <p:par>
-        <p:cTn id="1" dur="indefinite" restart="never" nodeType="tmRoot"/>
-      </p:par>
-    </p:tnLst>
-  </p:timing>
 </p:sld>
 </file>
 
@@ -3570,7 +3536,7 @@
           <a:lstStyle/>
           <a:p>
             <a:r>
-              <a:rPr lang="en-US" altLang="ko-KR" smtClean="0">
+              <a:rPr lang="en-US" altLang="ko-KR">
                 <a:solidFill>
                   <a:schemeClr val="accent1">
                     <a:lumMod val="75000"/>
@@ -3644,7 +3610,7 @@
           <a:p>
             <a:pPr algn="ctr"/>
             <a:r>
-              <a:rPr lang="ko-KR" altLang="en-US" sz="1200" smtClean="0">
+              <a:rPr lang="ko-KR" altLang="en-US" sz="1200">
                 <a:solidFill>
                   <a:schemeClr val="accent1">
                     <a:lumMod val="75000"/>
@@ -3686,7 +3652,7 @@
           <a:lstStyle/>
           <a:p>
             <a:r>
-              <a:rPr lang="en-US" altLang="ko-KR" smtClean="0"/>
+              <a:rPr lang="en-US" altLang="ko-KR"/>
               <a:t>a symbol or marked and bounded area on a map denoting the distribution of some property</a:t>
             </a:r>
             <a:endParaRPr lang="ko-KR" altLang="en-US" dirty="0">
@@ -3808,13 +3774,6 @@
       </p:transition>
     </mc:Fallback>
   </mc:AlternateContent>
-  <p:timing>
-    <p:tnLst>
-      <p:par>
-        <p:cTn id="1" dur="indefinite" restart="never" nodeType="tmRoot"/>
-      </p:par>
-    </p:tnLst>
-  </p:timing>
 </p:sld>
 </file>
 
@@ -3889,7 +3848,7 @@
           <a:lstStyle/>
           <a:p>
             <a:r>
-              <a:rPr lang="ko-KR" altLang="en-US" dirty="0" err="1" smtClean="0">
+              <a:rPr lang="ko-KR" altLang="en-US" dirty="0" err="1">
                 <a:solidFill>
                   <a:schemeClr val="accent1">
                     <a:lumMod val="75000"/>
@@ -3963,7 +3922,7 @@
           <a:p>
             <a:pPr algn="ctr"/>
             <a:r>
-              <a:rPr lang="ko-KR" altLang="en-US" sz="1200" smtClean="0">
+              <a:rPr lang="ko-KR" altLang="en-US" sz="1200">
                 <a:solidFill>
                   <a:schemeClr val="accent1">
                     <a:lumMod val="75000"/>
@@ -4083,7 +4042,7 @@
                     <a:p>
                       <a:pPr algn="ctr" latinLnBrk="1"/>
                       <a:r>
-                        <a:rPr lang="ko-KR" altLang="en-US" sz="1200" dirty="0" smtClean="0">
+                        <a:rPr lang="ko-KR" altLang="en-US" sz="1200" dirty="0">
                           <a:solidFill>
                             <a:schemeClr val="bg1"/>
                           </a:solidFill>
@@ -4092,13 +4051,6 @@
                         </a:rPr>
                         <a:t>번호</a:t>
                       </a:r>
-                      <a:endParaRPr lang="ko-KR" altLang="en-US" sz="1200" dirty="0">
-                        <a:solidFill>
-                          <a:schemeClr val="bg1"/>
-                        </a:solidFill>
-                        <a:latin typeface="+mn-ea"/>
-                        <a:ea typeface="+mn-ea"/>
-                      </a:endParaRPr>
                     </a:p>
                   </a:txBody>
                   <a:tcPr anchor="ctr">
@@ -4126,7 +4078,7 @@
                     <a:p>
                       <a:pPr algn="ctr" latinLnBrk="1"/>
                       <a:r>
-                        <a:rPr lang="ko-KR" altLang="en-US" sz="1200" dirty="0" err="1" smtClean="0">
+                        <a:rPr lang="ko-KR" altLang="en-US" sz="1200" dirty="0" err="1">
                           <a:solidFill>
                             <a:schemeClr val="bg1"/>
                           </a:solidFill>
@@ -4178,7 +4130,7 @@
                     <a:p>
                       <a:pPr algn="ctr" latinLnBrk="1"/>
                       <a:r>
-                        <a:rPr lang="ko-KR" altLang="en-US" sz="1200" dirty="0" smtClean="0">
+                        <a:rPr lang="ko-KR" altLang="en-US" sz="1200" dirty="0">
                           <a:solidFill>
                             <a:schemeClr val="bg1"/>
                           </a:solidFill>
@@ -4187,13 +4139,6 @@
                         </a:rPr>
                         <a:t>용어</a:t>
                       </a:r>
-                      <a:endParaRPr lang="ko-KR" altLang="en-US" sz="1200" dirty="0">
-                        <a:solidFill>
-                          <a:schemeClr val="bg1"/>
-                        </a:solidFill>
-                        <a:latin typeface="+mn-ea"/>
-                        <a:ea typeface="+mn-ea"/>
-                      </a:endParaRPr>
                     </a:p>
                   </a:txBody>
                   <a:tcPr anchor="ctr">
@@ -4221,7 +4166,7 @@
                     <a:p>
                       <a:pPr algn="ctr" latinLnBrk="1"/>
                       <a:r>
-                        <a:rPr lang="ko-KR" altLang="en-US" sz="1200" dirty="0" smtClean="0">
+                        <a:rPr lang="ko-KR" altLang="en-US" sz="1200" dirty="0">
                           <a:solidFill>
                             <a:schemeClr val="bg1"/>
                           </a:solidFill>
@@ -4230,13 +4175,6 @@
                         </a:rPr>
                         <a:t>설명</a:t>
                       </a:r>
-                      <a:endParaRPr lang="ko-KR" altLang="en-US" sz="1200" dirty="0">
-                        <a:solidFill>
-                          <a:schemeClr val="bg1"/>
-                        </a:solidFill>
-                        <a:latin typeface="+mn-ea"/>
-                        <a:ea typeface="+mn-ea"/>
-                      </a:endParaRPr>
                     </a:p>
                   </a:txBody>
                   <a:tcPr anchor="ctr">
@@ -4262,7 +4200,7 @@
                     <a:p>
                       <a:pPr algn="ctr" latinLnBrk="1"/>
                       <a:r>
-                        <a:rPr lang="en-US" altLang="ko-KR" sz="1200" smtClean="0">
+                        <a:rPr lang="en-US" altLang="ko-KR" sz="1200">
                           <a:latin typeface="+mn-ea"/>
                           <a:ea typeface="+mn-ea"/>
                         </a:rPr>
@@ -4317,7 +4255,7 @@
                     <a:p>
                       <a:pPr latinLnBrk="1"/>
                       <a:r>
-                        <a:rPr lang="en-US" altLang="ko-KR" sz="1200" dirty="0" smtClean="0">
+                        <a:rPr lang="en-US" altLang="ko-KR" sz="1200" dirty="0">
                           <a:latin typeface="+mn-ea"/>
                           <a:ea typeface="+mn-ea"/>
                         </a:rPr>
@@ -4460,7 +4398,7 @@
                     <a:p>
                       <a:pPr algn="ctr" latinLnBrk="1"/>
                       <a:r>
-                        <a:rPr lang="en-US" altLang="ko-KR" sz="1200" dirty="0" smtClean="0">
+                        <a:rPr lang="en-US" altLang="ko-KR" sz="1200" dirty="0">
                           <a:latin typeface="+mn-ea"/>
                           <a:ea typeface="+mn-ea"/>
                         </a:rPr>
@@ -4523,7 +4461,7 @@
                     <a:p>
                       <a:pPr latinLnBrk="1"/>
                       <a:r>
-                        <a:rPr lang="en-US" altLang="ko-KR" sz="1200" dirty="0" smtClean="0">
+                        <a:rPr lang="en-US" altLang="ko-KR" sz="1200" dirty="0">
                           <a:latin typeface="+mn-ea"/>
                           <a:ea typeface="+mn-ea"/>
                         </a:rPr>
@@ -4581,14 +4519,14 @@
                     <a:p>
                       <a:pPr latinLnBrk="1"/>
                       <a:r>
-                        <a:rPr lang="en-US" altLang="ko-KR" sz="1200" dirty="0" smtClean="0">
+                        <a:rPr lang="en-US" altLang="ko-KR" sz="1200" dirty="0">
                           <a:latin typeface="+mn-ea"/>
                           <a:ea typeface="+mn-ea"/>
                         </a:rPr>
                         <a:t>World</a:t>
                       </a:r>
                       <a:r>
-                        <a:rPr lang="en-US" altLang="ko-KR" sz="1200" baseline="0" dirty="0" smtClean="0">
+                        <a:rPr lang="en-US" altLang="ko-KR" sz="1200" baseline="0" dirty="0">
                           <a:latin typeface="+mn-ea"/>
                           <a:ea typeface="+mn-ea"/>
                         </a:rPr>
@@ -4708,7 +4646,7 @@
                     <a:p>
                       <a:pPr algn="ctr" latinLnBrk="1"/>
                       <a:r>
-                        <a:rPr lang="en-US" altLang="ko-KR" sz="1200" dirty="0" smtClean="0">
+                        <a:rPr lang="en-US" altLang="ko-KR" sz="1200" dirty="0">
                           <a:latin typeface="+mn-ea"/>
                           <a:ea typeface="+mn-ea"/>
                         </a:rPr>
@@ -4975,7 +4913,7 @@
                     <a:p>
                       <a:pPr algn="ctr" latinLnBrk="1"/>
                       <a:r>
-                        <a:rPr lang="en-US" altLang="ko-KR" sz="1200" dirty="0" smtClean="0">
+                        <a:rPr lang="en-US" altLang="ko-KR" sz="1200" dirty="0">
                           <a:latin typeface="+mn-ea"/>
                           <a:ea typeface="+mn-ea"/>
                         </a:rPr>
@@ -5220,13 +5158,6 @@
       </p:transition>
     </mc:Fallback>
   </mc:AlternateContent>
-  <p:timing>
-    <p:tnLst>
-      <p:par>
-        <p:cTn id="1" dur="indefinite" restart="never" nodeType="tmRoot"/>
-      </p:par>
-    </p:tnLst>
-  </p:timing>
 </p:sld>
 </file>
 
@@ -5301,7 +5232,7 @@
           <a:lstStyle/>
           <a:p>
             <a:r>
-              <a:rPr lang="en-US" altLang="ko-KR" dirty="0" smtClean="0">
+              <a:rPr lang="en-US" altLang="ko-KR" dirty="0">
                 <a:solidFill>
                   <a:schemeClr val="accent1">
                     <a:lumMod val="75000"/>
@@ -5311,7 +5242,7 @@
               <a:t>Geo </a:t>
             </a:r>
             <a:r>
-              <a:rPr lang="ko-KR" altLang="en-US" dirty="0" smtClean="0">
+              <a:rPr lang="ko-KR" altLang="en-US" dirty="0">
                 <a:solidFill>
                   <a:schemeClr val="accent1">
                     <a:lumMod val="75000"/>
@@ -5320,13 +5251,6 @@
               </a:rPr>
               <a:t>파일 형태</a:t>
             </a:r>
-            <a:endParaRPr lang="ko-KR" altLang="en-US" dirty="0">
-              <a:solidFill>
-                <a:schemeClr val="accent1">
-                  <a:lumMod val="75000"/>
-                </a:schemeClr>
-              </a:solidFill>
-            </a:endParaRPr>
           </a:p>
         </p:txBody>
       </p:sp>
@@ -5385,7 +5309,7 @@
           <a:p>
             <a:pPr algn="ctr"/>
             <a:r>
-              <a:rPr lang="ko-KR" altLang="en-US" sz="1200" smtClean="0">
+              <a:rPr lang="ko-KR" altLang="en-US" sz="1200">
                 <a:solidFill>
                   <a:schemeClr val="accent1">
                     <a:lumMod val="75000"/>
@@ -5501,7 +5425,7 @@
                     <a:p>
                       <a:pPr algn="ctr" latinLnBrk="1"/>
                       <a:r>
-                        <a:rPr lang="ko-KR" altLang="en-US" sz="1200" dirty="0" smtClean="0">
+                        <a:rPr lang="ko-KR" altLang="en-US" sz="1200" dirty="0">
                           <a:solidFill>
                             <a:schemeClr val="bg1"/>
                           </a:solidFill>
@@ -5510,13 +5434,6 @@
                         </a:rPr>
                         <a:t>번호</a:t>
                       </a:r>
-                      <a:endParaRPr lang="ko-KR" altLang="en-US" sz="1200" dirty="0">
-                        <a:solidFill>
-                          <a:schemeClr val="bg1"/>
-                        </a:solidFill>
-                        <a:latin typeface="+mn-ea"/>
-                        <a:ea typeface="+mn-ea"/>
-                      </a:endParaRPr>
                     </a:p>
                   </a:txBody>
                   <a:tcPr anchor="ctr">
@@ -5544,7 +5461,7 @@
                     <a:p>
                       <a:pPr algn="ctr" latinLnBrk="1"/>
                       <a:r>
-                        <a:rPr lang="ko-KR" altLang="en-US" sz="1200" dirty="0" smtClean="0">
+                        <a:rPr lang="ko-KR" altLang="en-US" sz="1200" dirty="0">
                           <a:solidFill>
                             <a:schemeClr val="bg1"/>
                           </a:solidFill>
@@ -5553,13 +5470,6 @@
                         </a:rPr>
                         <a:t>포맷</a:t>
                       </a:r>
-                      <a:endParaRPr lang="ko-KR" altLang="en-US" sz="1200" dirty="0">
-                        <a:solidFill>
-                          <a:schemeClr val="bg1"/>
-                        </a:solidFill>
-                        <a:latin typeface="+mn-ea"/>
-                        <a:ea typeface="+mn-ea"/>
-                      </a:endParaRPr>
                     </a:p>
                   </a:txBody>
                   <a:tcPr anchor="ctr">
@@ -5596,7 +5506,7 @@
                     <a:p>
                       <a:pPr algn="ctr" latinLnBrk="1"/>
                       <a:r>
-                        <a:rPr lang="ko-KR" altLang="en-US" sz="1200" dirty="0" smtClean="0">
+                        <a:rPr lang="ko-KR" altLang="en-US" sz="1200" dirty="0">
                           <a:solidFill>
                             <a:schemeClr val="bg1"/>
                           </a:solidFill>
@@ -5605,13 +5515,6 @@
                         </a:rPr>
                         <a:t>의미</a:t>
                       </a:r>
-                      <a:endParaRPr lang="ko-KR" altLang="en-US" sz="1200" dirty="0">
-                        <a:solidFill>
-                          <a:schemeClr val="bg1"/>
-                        </a:solidFill>
-                        <a:latin typeface="+mn-ea"/>
-                        <a:ea typeface="+mn-ea"/>
-                      </a:endParaRPr>
                     </a:p>
                   </a:txBody>
                   <a:tcPr anchor="ctr">
@@ -5639,7 +5542,7 @@
                     <a:p>
                       <a:pPr algn="ctr" latinLnBrk="1"/>
                       <a:r>
-                        <a:rPr lang="ko-KR" altLang="en-US" sz="1200" dirty="0" smtClean="0">
+                        <a:rPr lang="ko-KR" altLang="en-US" sz="1200" dirty="0">
                           <a:solidFill>
                             <a:schemeClr val="bg1"/>
                           </a:solidFill>
@@ -5648,13 +5551,6 @@
                         </a:rPr>
                         <a:t>형태</a:t>
                       </a:r>
-                      <a:endParaRPr lang="ko-KR" altLang="en-US" sz="1200" dirty="0">
-                        <a:solidFill>
-                          <a:schemeClr val="bg1"/>
-                        </a:solidFill>
-                        <a:latin typeface="+mn-ea"/>
-                        <a:ea typeface="+mn-ea"/>
-                      </a:endParaRPr>
                     </a:p>
                   </a:txBody>
                   <a:tcPr anchor="ctr">
@@ -5680,7 +5576,7 @@
                     <a:p>
                       <a:pPr algn="ctr" latinLnBrk="1"/>
                       <a:r>
-                        <a:rPr lang="en-US" altLang="ko-KR" sz="1200" smtClean="0">
+                        <a:rPr lang="en-US" altLang="ko-KR" sz="1200">
                           <a:latin typeface="+mn-ea"/>
                           <a:ea typeface="+mn-ea"/>
                         </a:rPr>
@@ -5735,7 +5631,7 @@
                     <a:p>
                       <a:pPr latinLnBrk="1"/>
                       <a:r>
-                        <a:rPr lang="en-US" altLang="ko-KR" sz="1200" dirty="0" smtClean="0">
+                        <a:rPr lang="en-US" altLang="ko-KR" sz="1200" dirty="0">
                           <a:latin typeface="+mn-ea"/>
                           <a:ea typeface="+mn-ea"/>
                         </a:rPr>
@@ -5785,7 +5681,7 @@
                     <a:p>
                       <a:pPr latinLnBrk="1"/>
                       <a:r>
-                        <a:rPr lang="en-US" altLang="ko-KR" sz="1200" dirty="0" smtClean="0">
+                        <a:rPr lang="en-US" altLang="ko-KR" sz="1200" dirty="0">
                           <a:latin typeface="+mn-ea"/>
                           <a:ea typeface="+mn-ea"/>
                         </a:rPr>
@@ -5835,14 +5731,14 @@
                     <a:p>
                       <a:pPr latinLnBrk="1"/>
                       <a:r>
-                        <a:rPr lang="en-US" altLang="ko-KR" sz="1200" dirty="0" smtClean="0"/>
+                        <a:rPr lang="en-US" altLang="ko-KR" sz="1200" dirty="0"/>
                         <a:t>POINT (-88.331492,32.324142) hotel </a:t>
                       </a:r>
                     </a:p>
                     <a:p>
                       <a:pPr latinLnBrk="1"/>
                       <a:r>
-                        <a:rPr lang="en-US" altLang="ko-KR" sz="1200" dirty="0" smtClean="0"/>
+                        <a:rPr lang="en-US" altLang="ko-KR" sz="1200" dirty="0"/>
                         <a:t>POINT (-88.175933,32.360763) gas</a:t>
                       </a:r>
                       <a:endParaRPr lang="ko-KR" altLang="en-US" sz="1200" dirty="0">
@@ -5896,7 +5792,7 @@
                     <a:p>
                       <a:pPr algn="ctr" latinLnBrk="1"/>
                       <a:r>
-                        <a:rPr lang="en-US" altLang="ko-KR" sz="1200" dirty="0" smtClean="0">
+                        <a:rPr lang="en-US" altLang="ko-KR" sz="1200" dirty="0">
                           <a:latin typeface="+mn-ea"/>
                           <a:ea typeface="+mn-ea"/>
                         </a:rPr>
@@ -5959,7 +5855,7 @@
                     <a:p>
                       <a:pPr latinLnBrk="1"/>
                       <a:r>
-                        <a:rPr lang="en-US" altLang="ko-KR" sz="1200" dirty="0" smtClean="0">
+                        <a:rPr lang="en-US" altLang="ko-KR" sz="1200" dirty="0">
                           <a:latin typeface="+mn-ea"/>
                           <a:ea typeface="+mn-ea"/>
                         </a:rPr>
@@ -6017,7 +5913,7 @@
                     <a:p>
                       <a:pPr latinLnBrk="1"/>
                       <a:r>
-                        <a:rPr lang="en-US" altLang="ko-KR" sz="1200" dirty="0" smtClean="0">
+                        <a:rPr lang="en-US" altLang="ko-KR" sz="1200" dirty="0">
                           <a:latin typeface="+mn-ea"/>
                           <a:ea typeface="+mn-ea"/>
                         </a:rPr>
@@ -6075,7 +5971,7 @@
                     <a:p>
                       <a:pPr latinLnBrk="1"/>
                       <a:r>
-                        <a:rPr lang="en-US" altLang="ko-KR" sz="1200" kern="1200" dirty="0" smtClean="0">
+                        <a:rPr lang="en-US" altLang="ko-KR" sz="1200" kern="1200" dirty="0">
                           <a:solidFill>
                             <a:schemeClr val="tx1"/>
                           </a:solidFill>
@@ -6088,7 +5984,7 @@
                     </a:p>
                     <a:p>
                       <a:pPr latinLnBrk="1"/>
-                      <a:endParaRPr lang="en-US" altLang="ko-KR" sz="1200" kern="1200" dirty="0" smtClean="0">
+                      <a:endParaRPr lang="en-US" altLang="ko-KR" sz="1200" kern="1200" dirty="0">
                         <a:solidFill>
                           <a:schemeClr val="tx1"/>
                         </a:solidFill>
@@ -6100,7 +5996,7 @@
                     <a:p>
                       <a:pPr latinLnBrk="0"/>
                       <a:r>
-                        <a:rPr lang="en-US" altLang="ko-KR" sz="1200" kern="1200" dirty="0" smtClean="0">
+                        <a:rPr lang="en-US" altLang="ko-KR" sz="1200" kern="1200" dirty="0">
                           <a:solidFill>
                             <a:schemeClr val="tx1"/>
                           </a:solidFill>
@@ -6114,7 +6010,7 @@
                     <a:p>
                       <a:pPr latinLnBrk="0"/>
                       <a:r>
-                        <a:rPr lang="en-US" altLang="ko-KR" sz="1200" kern="1200" dirty="0" smtClean="0">
+                        <a:rPr lang="en-US" altLang="ko-KR" sz="1200" kern="1200" dirty="0">
                           <a:solidFill>
                             <a:schemeClr val="tx1"/>
                           </a:solidFill>
@@ -6128,7 +6024,7 @@
                     <a:p>
                       <a:pPr latinLnBrk="0"/>
                       <a:r>
-                        <a:rPr lang="en-US" altLang="ko-KR" sz="1200" kern="1200" dirty="0" smtClean="0">
+                        <a:rPr lang="en-US" altLang="ko-KR" sz="1200" kern="1200" dirty="0">
                           <a:solidFill>
                             <a:schemeClr val="tx1"/>
                           </a:solidFill>
@@ -6142,7 +6038,7 @@
                     <a:p>
                       <a:pPr latinLnBrk="0"/>
                       <a:r>
-                        <a:rPr lang="en-US" altLang="ko-KR" sz="1200" kern="1200" dirty="0" smtClean="0">
+                        <a:rPr lang="en-US" altLang="ko-KR" sz="1200" kern="1200" dirty="0">
                           <a:solidFill>
                             <a:schemeClr val="tx1"/>
                           </a:solidFill>
@@ -6215,7 +6111,7 @@
                     <a:p>
                       <a:pPr algn="ctr" latinLnBrk="1"/>
                       <a:r>
-                        <a:rPr lang="en-US" altLang="ko-KR" sz="1200" dirty="0" smtClean="0">
+                        <a:rPr lang="en-US" altLang="ko-KR" sz="1200" dirty="0">
                           <a:latin typeface="+mn-ea"/>
                           <a:ea typeface="+mn-ea"/>
                         </a:rPr>
@@ -6294,7 +6190,7 @@
                         <a:defRPr/>
                       </a:pPr>
                       <a:r>
-                        <a:rPr lang="en-US" altLang="ko-KR" sz="1200" kern="1200" dirty="0" smtClean="0">
+                        <a:rPr lang="en-US" altLang="ko-KR" sz="1200" kern="1200" dirty="0">
                           <a:solidFill>
                             <a:schemeClr val="tx1"/>
                           </a:solidFill>
@@ -6376,7 +6272,7 @@
                         <a:defRPr/>
                       </a:pPr>
                       <a:r>
-                        <a:rPr lang="en-US" altLang="ko-KR" sz="1200" kern="1200" dirty="0" smtClean="0">
+                        <a:rPr lang="en-US" altLang="ko-KR" sz="1200" kern="1200" dirty="0">
                           <a:solidFill>
                             <a:schemeClr val="tx1"/>
                           </a:solidFill>
@@ -6504,7 +6400,7 @@
                     <a:p>
                       <a:pPr algn="ctr" latinLnBrk="1"/>
                       <a:r>
-                        <a:rPr lang="en-US" altLang="ko-KR" sz="1200" dirty="0" smtClean="0">
+                        <a:rPr lang="en-US" altLang="ko-KR" sz="1200" dirty="0">
                           <a:latin typeface="+mn-ea"/>
                           <a:ea typeface="+mn-ea"/>
                         </a:rPr>
@@ -6559,7 +6455,7 @@
                     <a:p>
                       <a:pPr latinLnBrk="1"/>
                       <a:r>
-                        <a:rPr lang="en-US" altLang="ko-KR" sz="1200" dirty="0" smtClean="0">
+                        <a:rPr lang="en-US" altLang="ko-KR" sz="1200" dirty="0">
                           <a:latin typeface="+mn-ea"/>
                           <a:ea typeface="+mn-ea"/>
                         </a:rPr>
@@ -6625,7 +6521,7 @@
                         <a:defRPr/>
                       </a:pPr>
                       <a:r>
-                        <a:rPr lang="en-US" altLang="ko-KR" sz="1200" kern="1200" dirty="0" smtClean="0">
+                        <a:rPr lang="en-US" altLang="ko-KR" sz="1200" kern="1200" dirty="0">
                           <a:solidFill>
                             <a:schemeClr val="tx1"/>
                           </a:solidFill>
@@ -6767,13 +6663,6 @@
       </p:transition>
     </mc:Fallback>
   </mc:AlternateContent>
-  <p:timing>
-    <p:tnLst>
-      <p:par>
-        <p:cTn id="1" dur="indefinite" restart="never" nodeType="tmRoot"/>
-      </p:par>
-    </p:tnLst>
-  </p:timing>
 </p:sld>
 </file>
 
@@ -6848,7 +6737,7 @@
           <a:lstStyle/>
           <a:p>
             <a:r>
-              <a:rPr lang="en-US" altLang="ko-KR" dirty="0" smtClean="0">
+              <a:rPr lang="en-US" altLang="ko-KR" dirty="0">
                 <a:solidFill>
                   <a:schemeClr val="accent1">
                     <a:lumMod val="75000"/>
@@ -6858,7 +6747,7 @@
               <a:t>Geo </a:t>
             </a:r>
             <a:r>
-              <a:rPr lang="ko-KR" altLang="en-US" dirty="0" smtClean="0">
+              <a:rPr lang="ko-KR" altLang="en-US" dirty="0">
                 <a:solidFill>
                   <a:schemeClr val="accent1">
                     <a:lumMod val="75000"/>
@@ -6868,7 +6757,7 @@
               <a:t>파일 형태 </a:t>
             </a:r>
             <a:r>
-              <a:rPr lang="en-US" altLang="ko-KR" dirty="0" smtClean="0">
+              <a:rPr lang="en-US" altLang="ko-KR" dirty="0">
                 <a:solidFill>
                   <a:schemeClr val="accent1">
                     <a:lumMod val="75000"/>
@@ -6878,7 +6767,7 @@
               <a:t>- </a:t>
             </a:r>
             <a:r>
-              <a:rPr lang="en-US" altLang="ko-KR" dirty="0" err="1" smtClean="0">
+              <a:rPr lang="en-US" altLang="ko-KR" dirty="0" err="1">
                 <a:solidFill>
                   <a:schemeClr val="accent1">
                     <a:lumMod val="75000"/>
@@ -6952,7 +6841,7 @@
           <a:p>
             <a:pPr algn="ctr"/>
             <a:r>
-              <a:rPr lang="ko-KR" altLang="en-US" sz="1200" smtClean="0">
+              <a:rPr lang="ko-KR" altLang="en-US" sz="1200">
                 <a:solidFill>
                   <a:schemeClr val="accent1">
                     <a:lumMod val="75000"/>
@@ -7065,7 +6954,7 @@
                     <a:p>
                       <a:pPr algn="ctr" latinLnBrk="1"/>
                       <a:r>
-                        <a:rPr lang="ko-KR" altLang="en-US" sz="1200" dirty="0" smtClean="0">
+                        <a:rPr lang="ko-KR" altLang="en-US" sz="1200" dirty="0">
                           <a:solidFill>
                             <a:schemeClr val="bg1"/>
                           </a:solidFill>
@@ -7074,13 +6963,6 @@
                         </a:rPr>
                         <a:t>번호</a:t>
                       </a:r>
-                      <a:endParaRPr lang="ko-KR" altLang="en-US" sz="1200" dirty="0">
-                        <a:solidFill>
-                          <a:schemeClr val="bg1"/>
-                        </a:solidFill>
-                        <a:latin typeface="+mn-ea"/>
-                        <a:ea typeface="+mn-ea"/>
-                      </a:endParaRPr>
                     </a:p>
                   </a:txBody>
                   <a:tcPr anchor="ctr">
@@ -7108,7 +6990,7 @@
                     <a:p>
                       <a:pPr algn="ctr" latinLnBrk="1"/>
                       <a:r>
-                        <a:rPr lang="ko-KR" altLang="en-US" sz="1200" dirty="0" smtClean="0">
+                        <a:rPr lang="ko-KR" altLang="en-US" sz="1200" dirty="0">
                           <a:solidFill>
                             <a:schemeClr val="bg1"/>
                           </a:solidFill>
@@ -7117,13 +6999,6 @@
                         </a:rPr>
                         <a:t>포맷</a:t>
                       </a:r>
-                      <a:endParaRPr lang="ko-KR" altLang="en-US" sz="1200" dirty="0">
-                        <a:solidFill>
-                          <a:schemeClr val="bg1"/>
-                        </a:solidFill>
-                        <a:latin typeface="+mn-ea"/>
-                        <a:ea typeface="+mn-ea"/>
-                      </a:endParaRPr>
                     </a:p>
                   </a:txBody>
                   <a:tcPr anchor="ctr">
@@ -7160,7 +7035,7 @@
                     <a:p>
                       <a:pPr algn="ctr" latinLnBrk="1"/>
                       <a:r>
-                        <a:rPr lang="ko-KR" altLang="en-US" sz="1200" dirty="0" smtClean="0">
+                        <a:rPr lang="ko-KR" altLang="en-US" sz="1200" dirty="0">
                           <a:solidFill>
                             <a:schemeClr val="bg1"/>
                           </a:solidFill>
@@ -7169,13 +7044,6 @@
                         </a:rPr>
                         <a:t>형태</a:t>
                       </a:r>
-                      <a:endParaRPr lang="ko-KR" altLang="en-US" sz="1200" dirty="0">
-                        <a:solidFill>
-                          <a:schemeClr val="bg1"/>
-                        </a:solidFill>
-                        <a:latin typeface="+mn-ea"/>
-                        <a:ea typeface="+mn-ea"/>
-                      </a:endParaRPr>
                     </a:p>
                   </a:txBody>
                   <a:tcPr anchor="ctr">
@@ -7210,7 +7078,7 @@
                     <a:p>
                       <a:pPr algn="ctr" latinLnBrk="1"/>
                       <a:r>
-                        <a:rPr lang="en-US" altLang="ko-KR" sz="1200" dirty="0" smtClean="0">
+                        <a:rPr lang="en-US" altLang="ko-KR" sz="1200" dirty="0">
                           <a:latin typeface="+mn-ea"/>
                           <a:ea typeface="+mn-ea"/>
                         </a:rPr>
@@ -7285,7 +7153,7 @@
                         <a:defRPr/>
                       </a:pPr>
                       <a:r>
-                        <a:rPr lang="en-US" altLang="ko-KR" sz="1200" kern="1200" dirty="0" err="1" smtClean="0">
+                        <a:rPr lang="en-US" altLang="ko-KR" sz="1200" kern="1200" dirty="0" err="1">
                           <a:solidFill>
                             <a:schemeClr val="tx1"/>
                           </a:solidFill>
@@ -7347,7 +7215,7 @@
                     <a:p>
                       <a:pPr latinLnBrk="1"/>
                       <a:r>
-                        <a:rPr lang="en-US" altLang="ko-KR" sz="1200" dirty="0" smtClean="0"/>
+                        <a:rPr lang="en-US" altLang="ko-KR" sz="1200" dirty="0"/>
                         <a:t>{ "type": "Feature", "properties": { "STATEFP": "01", "COUNTYFP": "077", "TRACTCE": "011501", "BLKGRPCE": "5", "AFFGEOID": "1500000US010770115015", "GEOID": "010770115015", "NAME": "5", "LSAD": "BG", "ALAND": 6844991, "AWATER": 32636 }, "geometry": { "type": "Polygon", "coordinates": [ [ [ -87.621765, 34.873444 ], [ -87.617535, 34.873369 ], [ -87.6123, 34.873337 ], [ -87.604049, 34.873303 ], [ -87.604033, 34.872316 ], [ -87.60415, 34.867502 ], [ -87.604218, 34.865687 ], [ -87.604409, 34.858537 ], [ -87.604018, 34.851336 ], [ -87.603716, 34.844829 ], [ -87.603696, 34.844307 ], [ -87.603673, 34.841884 ], [ -87.60372, 34.841003 ], [ -87.603879, 34.838423 ], [ -87.603888, 34.837682 ], [ -87.603889, 34.83763 ], [ -87.613127, 34.833938 ], [ -87.616451, 34.832699 ], [ -87.621041, 34.831431 ], [ -87.621056, 34.831526 ], [ -87.62112, 34.831925 ], [ -87.621603, 34.8352 ], [ -87.62158, 34.836087 ], [ -87.621383, 34.84329 ], [ -87.621359, 34.844438 ], [ -87.62129, 34.846387 ], [ -87.62119, 34.85053 ], [ -87.62144, 34.865379 ], [ -87.621765, 34.873444 ] ] ] } },</a:t>
                       </a:r>
                       <a:endParaRPr lang="ko-KR" altLang="en-US" sz="1200" kern="1200" dirty="0">
@@ -7427,13 +7295,6 @@
       </p:transition>
     </mc:Fallback>
   </mc:AlternateContent>
-  <p:timing>
-    <p:tnLst>
-      <p:par>
-        <p:cTn id="1" dur="indefinite" restart="never" nodeType="tmRoot"/>
-      </p:par>
-    </p:tnLst>
-  </p:timing>
 </p:sld>
 </file>
 
@@ -7508,7 +7369,7 @@
           <a:lstStyle/>
           <a:p>
             <a:r>
-              <a:rPr lang="ko-KR" altLang="en-US" dirty="0" smtClean="0">
+              <a:rPr lang="ko-KR" altLang="en-US" dirty="0">
                 <a:solidFill>
                   <a:schemeClr val="accent1">
                     <a:lumMod val="75000"/>
@@ -7517,13 +7378,6 @@
               </a:rPr>
               <a:t>용어 정리</a:t>
             </a:r>
-            <a:endParaRPr lang="ko-KR" altLang="en-US" dirty="0">
-              <a:solidFill>
-                <a:schemeClr val="accent1">
-                  <a:lumMod val="75000"/>
-                </a:schemeClr>
-              </a:solidFill>
-            </a:endParaRPr>
           </a:p>
         </p:txBody>
       </p:sp>
@@ -7582,7 +7436,7 @@
           <a:p>
             <a:pPr algn="ctr"/>
             <a:r>
-              <a:rPr lang="ko-KR" altLang="en-US" sz="1200" smtClean="0">
+              <a:rPr lang="ko-KR" altLang="en-US" sz="1200">
                 <a:solidFill>
                   <a:schemeClr val="accent1">
                     <a:lumMod val="75000"/>
@@ -7649,14 +7503,14 @@
           <p:nvPr>
             <p:extLst>
               <p:ext uri="{D42A27DB-BD31-4B8C-83A1-F6EECF244321}">
-                <p14:modId xmlns:p14="http://schemas.microsoft.com/office/powerpoint/2010/main" val="647943492"/>
+                <p14:modId xmlns:p14="http://schemas.microsoft.com/office/powerpoint/2010/main" val="16459141"/>
               </p:ext>
             </p:extLst>
           </p:nvPr>
         </p:nvGraphicFramePr>
         <p:xfrm>
           <a:off x="475811" y="1135189"/>
-          <a:ext cx="8730712" cy="4882496"/>
+          <a:ext cx="10057042" cy="4644852"/>
         </p:xfrm>
         <a:graphic>
           <a:graphicData uri="http://schemas.openxmlformats.org/drawingml/2006/table">
@@ -7665,28 +7519,28 @@
                 <a:tableStyleId>{2D5ABB26-0587-4C30-8999-92F81FD0307C}</a:tableStyleId>
               </a:tblPr>
               <a:tblGrid>
-                <a:gridCol w="1028670">
+                <a:gridCol w="1184941">
                   <a:extLst>
                     <a:ext uri="{9D8B030D-6E8A-4147-A177-3AD203B41FA5}">
                       <a16:colId xmlns:a16="http://schemas.microsoft.com/office/drawing/2014/main" val="672991812"/>
                     </a:ext>
                   </a:extLst>
                 </a:gridCol>
-                <a:gridCol w="1099099">
+                <a:gridCol w="1266069">
                   <a:extLst>
                     <a:ext uri="{9D8B030D-6E8A-4147-A177-3AD203B41FA5}">
                       <a16:colId xmlns:a16="http://schemas.microsoft.com/office/drawing/2014/main" val="3070361579"/>
                     </a:ext>
                   </a:extLst>
                 </a:gridCol>
-                <a:gridCol w="3062511">
+                <a:gridCol w="3527754">
                   <a:extLst>
                     <a:ext uri="{9D8B030D-6E8A-4147-A177-3AD203B41FA5}">
                       <a16:colId xmlns:a16="http://schemas.microsoft.com/office/drawing/2014/main" val="206135344"/>
                     </a:ext>
                   </a:extLst>
                 </a:gridCol>
-                <a:gridCol w="3540432">
+                <a:gridCol w="4078278">
                   <a:extLst>
                     <a:ext uri="{9D8B030D-6E8A-4147-A177-3AD203B41FA5}">
                       <a16:colId xmlns:a16="http://schemas.microsoft.com/office/drawing/2014/main" val="3793859907"/>
@@ -7702,7 +7556,7 @@
                     <a:p>
                       <a:pPr algn="ctr" latinLnBrk="1"/>
                       <a:r>
-                        <a:rPr lang="ko-KR" altLang="en-US" sz="1200" dirty="0" smtClean="0">
+                        <a:rPr lang="ko-KR" altLang="en-US" sz="1200" dirty="0">
                           <a:solidFill>
                             <a:schemeClr val="bg1"/>
                           </a:solidFill>
@@ -7711,13 +7565,6 @@
                         </a:rPr>
                         <a:t>번호</a:t>
                       </a:r>
-                      <a:endParaRPr lang="ko-KR" altLang="en-US" sz="1200" dirty="0">
-                        <a:solidFill>
-                          <a:schemeClr val="bg1"/>
-                        </a:solidFill>
-                        <a:latin typeface="+mn-ea"/>
-                        <a:ea typeface="+mn-ea"/>
-                      </a:endParaRPr>
                     </a:p>
                   </a:txBody>
                   <a:tcPr anchor="ctr">
@@ -7745,7 +7592,7 @@
                     <a:p>
                       <a:pPr algn="ctr" latinLnBrk="1"/>
                       <a:r>
-                        <a:rPr lang="ko-KR" altLang="en-US" sz="1200" dirty="0" smtClean="0">
+                        <a:rPr lang="ko-KR" altLang="en-US" sz="1200" dirty="0">
                           <a:solidFill>
                             <a:schemeClr val="bg1"/>
                           </a:solidFill>
@@ -7754,13 +7601,6 @@
                         </a:rPr>
                         <a:t>약어</a:t>
                       </a:r>
-                      <a:endParaRPr lang="ko-KR" altLang="en-US" sz="1200" dirty="0">
-                        <a:solidFill>
-                          <a:schemeClr val="bg1"/>
-                        </a:solidFill>
-                        <a:latin typeface="+mn-ea"/>
-                        <a:ea typeface="+mn-ea"/>
-                      </a:endParaRPr>
                     </a:p>
                   </a:txBody>
                   <a:tcPr anchor="ctr">
@@ -7797,7 +7637,7 @@
                     <a:p>
                       <a:pPr algn="ctr" latinLnBrk="1"/>
                       <a:r>
-                        <a:rPr lang="ko-KR" altLang="en-US" sz="1200" dirty="0" err="1" smtClean="0">
+                        <a:rPr lang="ko-KR" altLang="en-US" sz="1200" dirty="0" err="1">
                           <a:solidFill>
                             <a:schemeClr val="bg1"/>
                           </a:solidFill>
@@ -7840,7 +7680,7 @@
                     <a:p>
                       <a:pPr algn="ctr" latinLnBrk="1"/>
                       <a:r>
-                        <a:rPr lang="ko-KR" altLang="en-US" sz="1200" dirty="0" smtClean="0">
+                        <a:rPr lang="ko-KR" altLang="en-US" sz="1200" dirty="0">
                           <a:solidFill>
                             <a:schemeClr val="bg1"/>
                           </a:solidFill>
@@ -7849,13 +7689,6 @@
                         </a:rPr>
                         <a:t>비고</a:t>
                       </a:r>
-                      <a:endParaRPr lang="ko-KR" altLang="en-US" sz="1200" dirty="0">
-                        <a:solidFill>
-                          <a:schemeClr val="bg1"/>
-                        </a:solidFill>
-                        <a:latin typeface="+mn-ea"/>
-                        <a:ea typeface="+mn-ea"/>
-                      </a:endParaRPr>
                     </a:p>
                   </a:txBody>
                   <a:tcPr anchor="ctr">
@@ -7881,7 +7714,7 @@
                     <a:p>
                       <a:pPr algn="ctr" latinLnBrk="1"/>
                       <a:r>
-                        <a:rPr lang="en-US" altLang="ko-KR" sz="1200" dirty="0" smtClean="0">
+                        <a:rPr lang="en-US" altLang="ko-KR" sz="1200" dirty="0">
                           <a:latin typeface="+mn-ea"/>
                           <a:ea typeface="+mn-ea"/>
                         </a:rPr>
@@ -7902,467 +7735,6 @@
                     </a:lnR>
                     <a:lnT>
                       <a:noFill/>
-                    </a:lnT>
-                    <a:lnB w="6350" cap="flat" cmpd="sng" algn="ctr">
-                      <a:solidFill>
-                        <a:schemeClr val="bg1">
-                          <a:lumMod val="85000"/>
-                        </a:schemeClr>
-                      </a:solidFill>
-                      <a:prstDash val="solid"/>
-                      <a:round/>
-                      <a:headEnd type="none" w="med" len="med"/>
-                      <a:tailEnd type="none" w="med" len="med"/>
-                    </a:lnB>
-                    <a:lnTlToBr w="12700" cmpd="sng">
-                      <a:noFill/>
-                      <a:prstDash val="solid"/>
-                    </a:lnTlToBr>
-                    <a:lnBlToTr w="12700" cmpd="sng">
-                      <a:noFill/>
-                      <a:prstDash val="solid"/>
-                    </a:lnBlToTr>
-                    <a:solidFill>
-                      <a:schemeClr val="bg1">
-                        <a:lumMod val="95000"/>
-                      </a:schemeClr>
-                    </a:solidFill>
-                  </a:tcPr>
-                </a:tc>
-                <a:tc>
-                  <a:txBody>
-                    <a:bodyPr/>
-                    <a:lstStyle/>
-                    <a:p>
-                      <a:pPr latinLnBrk="1"/>
-                      <a:r>
-                        <a:rPr lang="en-US" altLang="ko-KR" sz="1200" dirty="0" smtClean="0">
-                          <a:latin typeface="+mn-ea"/>
-                          <a:ea typeface="+mn-ea"/>
-                        </a:rPr>
-                        <a:t>OSS</a:t>
-                      </a:r>
-                      <a:endParaRPr lang="ko-KR" altLang="en-US" sz="1200" dirty="0">
-                        <a:latin typeface="+mn-ea"/>
-                        <a:ea typeface="+mn-ea"/>
-                      </a:endParaRPr>
-                    </a:p>
-                  </a:txBody>
-                  <a:tcPr anchor="ctr">
-                    <a:lnL>
-                      <a:noFill/>
-                    </a:lnL>
-                    <a:lnR>
-                      <a:noFill/>
-                    </a:lnR>
-                    <a:lnT>
-                      <a:noFill/>
-                    </a:lnT>
-                    <a:lnB w="6350" cap="flat" cmpd="sng" algn="ctr">
-                      <a:solidFill>
-                        <a:schemeClr val="bg1">
-                          <a:lumMod val="85000"/>
-                        </a:schemeClr>
-                      </a:solidFill>
-                      <a:prstDash val="solid"/>
-                      <a:round/>
-                      <a:headEnd type="none" w="med" len="med"/>
-                      <a:tailEnd type="none" w="med" len="med"/>
-                    </a:lnB>
-                    <a:lnTlToBr w="12700" cmpd="sng">
-                      <a:noFill/>
-                      <a:prstDash val="solid"/>
-                    </a:lnTlToBr>
-                    <a:lnBlToTr w="12700" cmpd="sng">
-                      <a:noFill/>
-                      <a:prstDash val="solid"/>
-                    </a:lnBlToTr>
-                  </a:tcPr>
-                </a:tc>
-                <a:tc>
-                  <a:txBody>
-                    <a:bodyPr/>
-                    <a:lstStyle/>
-                    <a:p>
-                      <a:pPr latinLnBrk="1"/>
-                      <a:r>
-                        <a:rPr lang="en-US" altLang="ko-KR" sz="1200" dirty="0" smtClean="0">
-                          <a:latin typeface="+mn-ea"/>
-                          <a:ea typeface="+mn-ea"/>
-                        </a:rPr>
-                        <a:t>Open Source Software</a:t>
-                      </a:r>
-                      <a:endParaRPr lang="ko-KR" altLang="en-US" sz="1200" dirty="0">
-                        <a:latin typeface="+mn-ea"/>
-                        <a:ea typeface="+mn-ea"/>
-                      </a:endParaRPr>
-                    </a:p>
-                  </a:txBody>
-                  <a:tcPr anchor="ctr">
-                    <a:lnL>
-                      <a:noFill/>
-                    </a:lnL>
-                    <a:lnR>
-                      <a:noFill/>
-                    </a:lnR>
-                    <a:lnT>
-                      <a:noFill/>
-                    </a:lnT>
-                    <a:lnB w="6350" cap="flat" cmpd="sng" algn="ctr">
-                      <a:solidFill>
-                        <a:schemeClr val="bg1">
-                          <a:lumMod val="85000"/>
-                        </a:schemeClr>
-                      </a:solidFill>
-                      <a:prstDash val="solid"/>
-                      <a:round/>
-                      <a:headEnd type="none" w="med" len="med"/>
-                      <a:tailEnd type="none" w="med" len="med"/>
-                    </a:lnB>
-                    <a:lnTlToBr w="12700" cmpd="sng">
-                      <a:noFill/>
-                      <a:prstDash val="solid"/>
-                    </a:lnTlToBr>
-                    <a:lnBlToTr w="12700" cmpd="sng">
-                      <a:noFill/>
-                      <a:prstDash val="solid"/>
-                    </a:lnBlToTr>
-                  </a:tcPr>
-                </a:tc>
-                <a:tc>
-                  <a:txBody>
-                    <a:bodyPr/>
-                    <a:lstStyle/>
-                    <a:p>
-                      <a:pPr latinLnBrk="1"/>
-                      <a:endParaRPr lang="ko-KR" altLang="en-US" sz="1200" dirty="0">
-                        <a:latin typeface="+mn-ea"/>
-                        <a:ea typeface="+mn-ea"/>
-                      </a:endParaRPr>
-                    </a:p>
-                  </a:txBody>
-                  <a:tcPr anchor="ctr">
-                    <a:lnL>
-                      <a:noFill/>
-                    </a:lnL>
-                    <a:lnR>
-                      <a:noFill/>
-                    </a:lnR>
-                    <a:lnT>
-                      <a:noFill/>
-                    </a:lnT>
-                    <a:lnB w="6350" cap="flat" cmpd="sng" algn="ctr">
-                      <a:solidFill>
-                        <a:schemeClr val="bg1">
-                          <a:lumMod val="85000"/>
-                        </a:schemeClr>
-                      </a:solidFill>
-                      <a:prstDash val="solid"/>
-                      <a:round/>
-                      <a:headEnd type="none" w="med" len="med"/>
-                      <a:tailEnd type="none" w="med" len="med"/>
-                    </a:lnB>
-                    <a:lnTlToBr w="12700" cmpd="sng">
-                      <a:noFill/>
-                      <a:prstDash val="solid"/>
-                    </a:lnTlToBr>
-                    <a:lnBlToTr w="12700" cmpd="sng">
-                      <a:noFill/>
-                      <a:prstDash val="solid"/>
-                    </a:lnBlToTr>
-                  </a:tcPr>
-                </a:tc>
-                <a:extLst>
-                  <a:ext uri="{0D108BD9-81ED-4DB2-BD59-A6C34878D82A}">
-                    <a16:rowId xmlns:a16="http://schemas.microsoft.com/office/drawing/2014/main" val="3886786603"/>
-                  </a:ext>
-                </a:extLst>
-              </a:tr>
-              <a:tr h="329084">
-                <a:tc>
-                  <a:txBody>
-                    <a:bodyPr/>
-                    <a:lstStyle/>
-                    <a:p>
-                      <a:pPr algn="ctr" latinLnBrk="1"/>
-                      <a:r>
-                        <a:rPr lang="en-US" altLang="ko-KR" sz="1200" dirty="0" smtClean="0">
-                          <a:latin typeface="+mn-ea"/>
-                          <a:ea typeface="+mn-ea"/>
-                        </a:rPr>
-                        <a:t>2</a:t>
-                      </a:r>
-                      <a:endParaRPr lang="ko-KR" altLang="en-US" sz="1200" dirty="0">
-                        <a:latin typeface="+mn-ea"/>
-                        <a:ea typeface="+mn-ea"/>
-                      </a:endParaRPr>
-                    </a:p>
-                  </a:txBody>
-                  <a:tcPr anchor="ctr">
-                    <a:lnL>
-                      <a:noFill/>
-                    </a:lnL>
-                    <a:lnR>
-                      <a:noFill/>
-                    </a:lnR>
-                    <a:lnT w="6350" cap="flat" cmpd="sng" algn="ctr">
-                      <a:solidFill>
-                        <a:schemeClr val="bg1">
-                          <a:lumMod val="85000"/>
-                        </a:schemeClr>
-                      </a:solidFill>
-                      <a:prstDash val="solid"/>
-                      <a:round/>
-                      <a:headEnd type="none" w="med" len="med"/>
-                      <a:tailEnd type="none" w="med" len="med"/>
-                    </a:lnT>
-                    <a:lnB w="6350" cap="flat" cmpd="sng" algn="ctr">
-                      <a:solidFill>
-                        <a:schemeClr val="bg1">
-                          <a:lumMod val="85000"/>
-                        </a:schemeClr>
-                      </a:solidFill>
-                      <a:prstDash val="solid"/>
-                      <a:round/>
-                      <a:headEnd type="none" w="med" len="med"/>
-                      <a:tailEnd type="none" w="med" len="med"/>
-                    </a:lnB>
-                    <a:lnTlToBr w="12700" cmpd="sng">
-                      <a:noFill/>
-                      <a:prstDash val="solid"/>
-                    </a:lnTlToBr>
-                    <a:lnBlToTr w="12700" cmpd="sng">
-                      <a:noFill/>
-                      <a:prstDash val="solid"/>
-                    </a:lnBlToTr>
-                    <a:solidFill>
-                      <a:schemeClr val="bg1">
-                        <a:lumMod val="95000"/>
-                      </a:schemeClr>
-                    </a:solidFill>
-                  </a:tcPr>
-                </a:tc>
-                <a:tc>
-                  <a:txBody>
-                    <a:bodyPr/>
-                    <a:lstStyle/>
-                    <a:p>
-                      <a:pPr latinLnBrk="1"/>
-                      <a:r>
-                        <a:rPr lang="en-US" altLang="ko-KR" sz="1200" dirty="0" smtClean="0">
-                          <a:latin typeface="+mn-ea"/>
-                          <a:ea typeface="+mn-ea"/>
-                        </a:rPr>
-                        <a:t>OOM</a:t>
-                      </a:r>
-                      <a:endParaRPr lang="ko-KR" altLang="en-US" sz="1200" dirty="0">
-                        <a:latin typeface="+mn-ea"/>
-                        <a:ea typeface="+mn-ea"/>
-                      </a:endParaRPr>
-                    </a:p>
-                  </a:txBody>
-                  <a:tcPr anchor="ctr">
-                    <a:lnL>
-                      <a:noFill/>
-                    </a:lnL>
-                    <a:lnR>
-                      <a:noFill/>
-                    </a:lnR>
-                    <a:lnT w="6350" cap="flat" cmpd="sng" algn="ctr">
-                      <a:solidFill>
-                        <a:schemeClr val="bg1">
-                          <a:lumMod val="85000"/>
-                        </a:schemeClr>
-                      </a:solidFill>
-                      <a:prstDash val="solid"/>
-                      <a:round/>
-                      <a:headEnd type="none" w="med" len="med"/>
-                      <a:tailEnd type="none" w="med" len="med"/>
-                    </a:lnT>
-                    <a:lnB w="6350" cap="flat" cmpd="sng" algn="ctr">
-                      <a:solidFill>
-                        <a:schemeClr val="bg1">
-                          <a:lumMod val="85000"/>
-                        </a:schemeClr>
-                      </a:solidFill>
-                      <a:prstDash val="solid"/>
-                      <a:round/>
-                      <a:headEnd type="none" w="med" len="med"/>
-                      <a:tailEnd type="none" w="med" len="med"/>
-                    </a:lnB>
-                    <a:lnTlToBr w="12700" cmpd="sng">
-                      <a:noFill/>
-                      <a:prstDash val="solid"/>
-                    </a:lnTlToBr>
-                    <a:lnBlToTr w="12700" cmpd="sng">
-                      <a:noFill/>
-                      <a:prstDash val="solid"/>
-                    </a:lnBlToTr>
-                  </a:tcPr>
-                </a:tc>
-                <a:tc>
-                  <a:txBody>
-                    <a:bodyPr/>
-                    <a:lstStyle/>
-                    <a:p>
-                      <a:pPr latinLnBrk="1"/>
-                      <a:r>
-                        <a:rPr lang="en-US" altLang="ko-KR" sz="1200" dirty="0" smtClean="0">
-                          <a:latin typeface="+mn-ea"/>
-                          <a:ea typeface="+mn-ea"/>
-                        </a:rPr>
-                        <a:t>Out</a:t>
-                      </a:r>
-                      <a:r>
-                        <a:rPr lang="en-US" altLang="ko-KR" sz="1200" baseline="0" dirty="0" smtClean="0">
-                          <a:latin typeface="+mn-ea"/>
-                          <a:ea typeface="+mn-ea"/>
-                        </a:rPr>
-                        <a:t> Of Memory</a:t>
-                      </a:r>
-                      <a:endParaRPr lang="ko-KR" altLang="en-US" sz="1200" dirty="0">
-                        <a:latin typeface="+mn-ea"/>
-                        <a:ea typeface="+mn-ea"/>
-                      </a:endParaRPr>
-                    </a:p>
-                  </a:txBody>
-                  <a:tcPr anchor="ctr">
-                    <a:lnL>
-                      <a:noFill/>
-                    </a:lnL>
-                    <a:lnR>
-                      <a:noFill/>
-                    </a:lnR>
-                    <a:lnT w="6350" cap="flat" cmpd="sng" algn="ctr">
-                      <a:solidFill>
-                        <a:schemeClr val="bg1">
-                          <a:lumMod val="85000"/>
-                        </a:schemeClr>
-                      </a:solidFill>
-                      <a:prstDash val="solid"/>
-                      <a:round/>
-                      <a:headEnd type="none" w="med" len="med"/>
-                      <a:tailEnd type="none" w="med" len="med"/>
-                    </a:lnT>
-                    <a:lnB w="6350" cap="flat" cmpd="sng" algn="ctr">
-                      <a:solidFill>
-                        <a:schemeClr val="bg1">
-                          <a:lumMod val="85000"/>
-                        </a:schemeClr>
-                      </a:solidFill>
-                      <a:prstDash val="solid"/>
-                      <a:round/>
-                      <a:headEnd type="none" w="med" len="med"/>
-                      <a:tailEnd type="none" w="med" len="med"/>
-                    </a:lnB>
-                    <a:lnTlToBr w="12700" cmpd="sng">
-                      <a:noFill/>
-                      <a:prstDash val="solid"/>
-                    </a:lnTlToBr>
-                    <a:lnBlToTr w="12700" cmpd="sng">
-                      <a:noFill/>
-                      <a:prstDash val="solid"/>
-                    </a:lnBlToTr>
-                  </a:tcPr>
-                </a:tc>
-                <a:tc>
-                  <a:txBody>
-                    <a:bodyPr/>
-                    <a:lstStyle/>
-                    <a:p>
-                      <a:pPr latinLnBrk="1"/>
-                      <a:endParaRPr lang="ko-KR" altLang="en-US" sz="1200" kern="1200" dirty="0">
-                        <a:solidFill>
-                          <a:schemeClr val="tx1"/>
-                        </a:solidFill>
-                        <a:latin typeface="+mn-lt"/>
-                        <a:ea typeface="+mn-ea"/>
-                        <a:cs typeface="+mn-cs"/>
-                      </a:endParaRPr>
-                    </a:p>
-                  </a:txBody>
-                  <a:tcPr anchor="ctr">
-                    <a:lnL>
-                      <a:noFill/>
-                    </a:lnL>
-                    <a:lnR>
-                      <a:noFill/>
-                    </a:lnR>
-                    <a:lnT w="6350" cap="flat" cmpd="sng" algn="ctr">
-                      <a:solidFill>
-                        <a:schemeClr val="bg1">
-                          <a:lumMod val="85000"/>
-                        </a:schemeClr>
-                      </a:solidFill>
-                      <a:prstDash val="solid"/>
-                      <a:round/>
-                      <a:headEnd type="none" w="med" len="med"/>
-                      <a:tailEnd type="none" w="med" len="med"/>
-                    </a:lnT>
-                    <a:lnB w="6350" cap="flat" cmpd="sng" algn="ctr">
-                      <a:solidFill>
-                        <a:schemeClr val="bg1">
-                          <a:lumMod val="85000"/>
-                        </a:schemeClr>
-                      </a:solidFill>
-                      <a:prstDash val="solid"/>
-                      <a:round/>
-                      <a:headEnd type="none" w="med" len="med"/>
-                      <a:tailEnd type="none" w="med" len="med"/>
-                    </a:lnB>
-                    <a:lnTlToBr w="12700" cmpd="sng">
-                      <a:noFill/>
-                      <a:prstDash val="solid"/>
-                    </a:lnTlToBr>
-                    <a:lnBlToTr w="12700" cmpd="sng">
-                      <a:noFill/>
-                      <a:prstDash val="solid"/>
-                    </a:lnBlToTr>
-                  </a:tcPr>
-                </a:tc>
-                <a:extLst>
-                  <a:ext uri="{0D108BD9-81ED-4DB2-BD59-A6C34878D82A}">
-                    <a16:rowId xmlns:a16="http://schemas.microsoft.com/office/drawing/2014/main" val="3262386992"/>
-                  </a:ext>
-                </a:extLst>
-              </a:tr>
-              <a:tr h="329084">
-                <a:tc>
-                  <a:txBody>
-                    <a:bodyPr/>
-                    <a:lstStyle/>
-                    <a:p>
-                      <a:pPr algn="ctr" latinLnBrk="1"/>
-                      <a:r>
-                        <a:rPr lang="en-US" altLang="ko-KR" sz="1200" dirty="0" smtClean="0">
-                          <a:latin typeface="+mn-ea"/>
-                          <a:ea typeface="+mn-ea"/>
-                        </a:rPr>
-                        <a:t>3</a:t>
-                      </a:r>
-                      <a:endParaRPr lang="ko-KR" altLang="en-US" sz="1200" dirty="0">
-                        <a:latin typeface="+mn-ea"/>
-                        <a:ea typeface="+mn-ea"/>
-                      </a:endParaRPr>
-                    </a:p>
-                  </a:txBody>
-                  <a:tcPr anchor="ctr">
-                    <a:lnL>
-                      <a:noFill/>
-                    </a:lnL>
-                    <a:lnR>
-                      <a:noFill/>
-                    </a:lnR>
-                    <a:lnT w="6350" cap="flat" cmpd="sng" algn="ctr">
-                      <a:solidFill>
-                        <a:schemeClr val="bg1">
-                          <a:lumMod val="85000"/>
-                        </a:schemeClr>
-                      </a:solidFill>
-                      <a:prstDash val="solid"/>
-                      <a:round/>
-                      <a:headEnd type="none" w="med" len="med"/>
-                      <a:tailEnd type="none" w="med" len="med"/>
                     </a:lnT>
                     <a:lnB w="6350" cap="flat" cmpd="sng" algn="ctr">
                       <a:solidFill>
@@ -8413,7 +7785,7 @@
                         <a:defRPr/>
                       </a:pPr>
                       <a:r>
-                        <a:rPr lang="en-US" altLang="ko-KR" sz="1200" kern="1200" dirty="0" smtClean="0">
+                        <a:rPr lang="en-US" altLang="ko-KR" sz="1200" kern="1200" dirty="0">
                           <a:solidFill>
                             <a:schemeClr val="tx1"/>
                           </a:solidFill>
@@ -8440,16 +7812,8 @@
                     <a:lnR>
                       <a:noFill/>
                     </a:lnR>
-                    <a:lnT w="6350" cap="flat" cmpd="sng" algn="ctr">
-                      <a:solidFill>
-                        <a:schemeClr val="bg1">
-                          <a:lumMod val="85000"/>
-                        </a:schemeClr>
-                      </a:solidFill>
-                      <a:prstDash val="solid"/>
-                      <a:round/>
-                      <a:headEnd type="none" w="med" len="med"/>
-                      <a:tailEnd type="none" w="med" len="med"/>
+                    <a:lnT>
+                      <a:noFill/>
                     </a:lnT>
                     <a:lnB w="6350" cap="flat" cmpd="sng" algn="ctr">
                       <a:solidFill>
@@ -8495,7 +7859,7 @@
                         <a:defRPr/>
                       </a:pPr>
                       <a:r>
-                        <a:rPr lang="en-US" altLang="ko-KR" sz="1200" kern="1200" dirty="0" smtClean="0">
+                        <a:rPr lang="en-US" altLang="ko-KR" sz="1200" kern="1200" dirty="0">
                           <a:solidFill>
                             <a:schemeClr val="tx1"/>
                           </a:solidFill>
@@ -8506,7 +7870,7 @@
                         <a:t>Line</a:t>
                       </a:r>
                       <a:r>
-                        <a:rPr lang="en-US" altLang="ko-KR" sz="1200" kern="1200" baseline="0" dirty="0" smtClean="0">
+                        <a:rPr lang="en-US" altLang="ko-KR" sz="1200" kern="1200" baseline="0" dirty="0">
                           <a:solidFill>
                             <a:schemeClr val="tx1"/>
                           </a:solidFill>
@@ -8517,7 +7881,7 @@
                         <a:t> of </a:t>
                       </a:r>
                       <a:r>
-                        <a:rPr lang="en-US" altLang="ko-KR" sz="1200" kern="1200" baseline="0" smtClean="0">
+                        <a:rPr lang="en-US" altLang="ko-KR" sz="1200" kern="1200" baseline="0">
                           <a:solidFill>
                             <a:schemeClr val="tx1"/>
                           </a:solidFill>
@@ -8525,18 +7889,7 @@
                           <a:ea typeface="+mn-ea"/>
                           <a:cs typeface="+mn-cs"/>
                         </a:rPr>
-                        <a:t>Sight </a:t>
-                      </a:r>
-                      <a:r>
-                        <a:rPr lang="en-US" altLang="ko-KR" sz="1200" kern="1200" baseline="0" smtClean="0">
-                          <a:solidFill>
-                            <a:schemeClr val="tx1"/>
-                          </a:solidFill>
-                          <a:latin typeface="+mn-ea"/>
-                          <a:ea typeface="+mn-ea"/>
-                          <a:cs typeface="+mn-cs"/>
-                        </a:rPr>
-                        <a:t>Wave</a:t>
+                        <a:t>Sight Wave</a:t>
                       </a:r>
                       <a:endParaRPr lang="ko-KR" altLang="en-US" sz="1200" kern="1200" dirty="0">
                         <a:solidFill>
@@ -8555,16 +7908,8 @@
                     <a:lnR>
                       <a:noFill/>
                     </a:lnR>
-                    <a:lnT w="6350" cap="flat" cmpd="sng" algn="ctr">
-                      <a:solidFill>
-                        <a:schemeClr val="bg1">
-                          <a:lumMod val="85000"/>
-                        </a:schemeClr>
-                      </a:solidFill>
-                      <a:prstDash val="solid"/>
-                      <a:round/>
-                      <a:headEnd type="none" w="med" len="med"/>
-                      <a:tailEnd type="none" w="med" len="med"/>
+                    <a:lnT>
+                      <a:noFill/>
                     </a:lnT>
                     <a:lnB w="6350" cap="flat" cmpd="sng" algn="ctr">
                       <a:solidFill>
@@ -8594,7 +7939,7 @@
                     <a:p>
                       <a:pPr latinLnBrk="1"/>
                       <a:r>
-                        <a:rPr lang="ko-KR" altLang="en-US" sz="1200" kern="1200" dirty="0" smtClean="0">
+                        <a:rPr lang="ko-KR" altLang="en-US" sz="1200" kern="1200" dirty="0">
                           <a:solidFill>
                             <a:schemeClr val="tx1"/>
                           </a:solidFill>
@@ -8605,7 +7950,7 @@
                         <a:t>가시거리에서의 </a:t>
                       </a:r>
                       <a:r>
-                        <a:rPr lang="ko-KR" altLang="en-US" sz="1200" kern="1200" dirty="0" err="1" smtClean="0">
+                        <a:rPr lang="ko-KR" altLang="en-US" sz="1200" kern="1200" dirty="0" err="1">
                           <a:solidFill>
                             <a:schemeClr val="tx1"/>
                           </a:solidFill>
@@ -8616,7 +7961,7 @@
                         <a:t>직진성</a:t>
                       </a:r>
                       <a:r>
-                        <a:rPr lang="ko-KR" altLang="en-US" sz="1200" kern="1200" dirty="0" smtClean="0">
+                        <a:rPr lang="ko-KR" altLang="en-US" sz="1200" kern="1200" dirty="0">
                           <a:solidFill>
                             <a:schemeClr val="tx1"/>
                           </a:solidFill>
@@ -8627,7 +7972,7 @@
                         <a:t> 또는 </a:t>
                       </a:r>
                       <a:r>
-                        <a:rPr lang="ko-KR" altLang="en-US" sz="1200" kern="1200" dirty="0" err="1" smtClean="0">
+                        <a:rPr lang="ko-KR" altLang="en-US" sz="1200" kern="1200" dirty="0" err="1">
                           <a:solidFill>
                             <a:schemeClr val="tx1"/>
                           </a:solidFill>
@@ -8654,16 +7999,8 @@
                     <a:lnR>
                       <a:noFill/>
                     </a:lnR>
-                    <a:lnT w="6350" cap="flat" cmpd="sng" algn="ctr">
-                      <a:solidFill>
-                        <a:schemeClr val="bg1">
-                          <a:lumMod val="85000"/>
-                        </a:schemeClr>
-                      </a:solidFill>
-                      <a:prstDash val="solid"/>
-                      <a:round/>
-                      <a:headEnd type="none" w="med" len="med"/>
-                      <a:tailEnd type="none" w="med" len="med"/>
+                    <a:lnT>
+                      <a:noFill/>
                     </a:lnT>
                     <a:lnB w="6350" cap="flat" cmpd="sng" algn="ctr">
                       <a:solidFill>
@@ -8688,11 +8025,11 @@
                 </a:tc>
                 <a:extLst>
                   <a:ext uri="{0D108BD9-81ED-4DB2-BD59-A6C34878D82A}">
-                    <a16:rowId xmlns:a16="http://schemas.microsoft.com/office/drawing/2014/main" val="3252045861"/>
+                    <a16:rowId xmlns:a16="http://schemas.microsoft.com/office/drawing/2014/main" val="3886786603"/>
                   </a:ext>
                 </a:extLst>
               </a:tr>
-              <a:tr h="0">
+              <a:tr h="329084">
                 <a:tc>
                   <a:txBody>
                     <a:bodyPr/>
@@ -8700,11 +8037,11 @@
                     <a:p>
                       <a:pPr algn="ctr" latinLnBrk="1"/>
                       <a:r>
-                        <a:rPr lang="en-US" altLang="ko-KR" sz="1200" dirty="0" smtClean="0">
+                        <a:rPr lang="en-US" altLang="ko-KR" sz="1200" dirty="0">
                           <a:latin typeface="+mn-ea"/>
                           <a:ea typeface="+mn-ea"/>
                         </a:rPr>
-                        <a:t>4</a:t>
+                        <a:t>2</a:t>
                       </a:r>
                       <a:endParaRPr lang="ko-KR" altLang="en-US" sz="1200" dirty="0">
                         <a:latin typeface="+mn-ea"/>
@@ -8730,8 +8067,16 @@
                       <a:headEnd type="none" w="med" len="med"/>
                       <a:tailEnd type="none" w="med" len="med"/>
                     </a:lnT>
-                    <a:lnB>
-                      <a:noFill/>
+                    <a:lnB w="6350" cap="flat" cmpd="sng" algn="ctr">
+                      <a:solidFill>
+                        <a:schemeClr val="bg1">
+                          <a:lumMod val="85000"/>
+                        </a:schemeClr>
+                      </a:solidFill>
+                      <a:prstDash val="solid"/>
+                      <a:round/>
+                      <a:headEnd type="none" w="med" len="med"/>
+                      <a:tailEnd type="none" w="med" len="med"/>
                     </a:lnB>
                     <a:lnTlToBr w="12700" cmpd="sng">
                       <a:noFill/>
@@ -8771,7 +8116,7 @@
                         <a:defRPr/>
                       </a:pPr>
                       <a:r>
-                        <a:rPr lang="en-US" altLang="ko-KR" sz="1200" kern="1200" dirty="0" smtClean="0">
+                        <a:rPr lang="en-US" altLang="ko-KR" sz="1200" kern="1200" dirty="0">
                           <a:solidFill>
                             <a:schemeClr val="tx1"/>
                           </a:solidFill>
@@ -8809,8 +8154,16 @@
                       <a:headEnd type="none" w="med" len="med"/>
                       <a:tailEnd type="none" w="med" len="med"/>
                     </a:lnT>
-                    <a:lnB>
-                      <a:noFill/>
+                    <a:lnB w="6350" cap="flat" cmpd="sng" algn="ctr">
+                      <a:solidFill>
+                        <a:schemeClr val="bg1">
+                          <a:lumMod val="85000"/>
+                        </a:schemeClr>
+                      </a:solidFill>
+                      <a:prstDash val="solid"/>
+                      <a:round/>
+                      <a:headEnd type="none" w="med" len="med"/>
+                      <a:tailEnd type="none" w="med" len="med"/>
                     </a:lnB>
                     <a:lnTlToBr w="12700" cmpd="sng">
                       <a:noFill/>
@@ -8845,7 +8198,7 @@
                         <a:defRPr/>
                       </a:pPr>
                       <a:r>
-                        <a:rPr lang="en-US" altLang="ko-KR" sz="1200" kern="1200" dirty="0" smtClean="0">
+                        <a:rPr lang="en-US" altLang="ko-KR" sz="1200" kern="1200" dirty="0">
                           <a:solidFill>
                             <a:schemeClr val="tx1"/>
                           </a:solidFill>
@@ -8856,7 +8209,7 @@
                         <a:t>None Line</a:t>
                       </a:r>
                       <a:r>
-                        <a:rPr lang="en-US" altLang="ko-KR" sz="1200" kern="1200" baseline="0" dirty="0" smtClean="0">
+                        <a:rPr lang="en-US" altLang="ko-KR" sz="1200" kern="1200" baseline="0" dirty="0">
                           <a:solidFill>
                             <a:schemeClr val="tx1"/>
                           </a:solidFill>
@@ -8864,29 +8217,7 @@
                           <a:ea typeface="+mn-ea"/>
                           <a:cs typeface="+mn-cs"/>
                         </a:rPr>
-                        <a:t> of </a:t>
-                      </a:r>
-                      <a:r>
-                        <a:rPr lang="en-US" altLang="ko-KR" sz="1200" kern="1200" baseline="0" smtClean="0">
-                          <a:solidFill>
-                            <a:schemeClr val="tx1"/>
-                          </a:solidFill>
-                          <a:latin typeface="+mn-ea"/>
-                          <a:ea typeface="+mn-ea"/>
-                          <a:cs typeface="+mn-cs"/>
-                        </a:rPr>
-                        <a:t>Sight </a:t>
-                      </a:r>
-                      <a:r>
-                        <a:rPr lang="en-US" altLang="ko-KR" sz="1200" kern="1200" baseline="0" smtClean="0">
-                          <a:solidFill>
-                            <a:schemeClr val="tx1"/>
-                          </a:solidFill>
-                          <a:latin typeface="+mn-ea"/>
-                          <a:ea typeface="+mn-ea"/>
-                          <a:cs typeface="+mn-cs"/>
-                        </a:rPr>
-                        <a:t>Wave</a:t>
+                        <a:t> of Sight Wave</a:t>
                       </a:r>
                       <a:endParaRPr lang="ko-KR" altLang="en-US" sz="1200" kern="1200" dirty="0">
                         <a:solidFill>
@@ -8916,8 +8247,16 @@
                       <a:headEnd type="none" w="med" len="med"/>
                       <a:tailEnd type="none" w="med" len="med"/>
                     </a:lnT>
-                    <a:lnB>
-                      <a:noFill/>
+                    <a:lnB w="6350" cap="flat" cmpd="sng" algn="ctr">
+                      <a:solidFill>
+                        <a:schemeClr val="bg1">
+                          <a:lumMod val="85000"/>
+                        </a:schemeClr>
+                      </a:solidFill>
+                      <a:prstDash val="solid"/>
+                      <a:round/>
+                      <a:headEnd type="none" w="med" len="med"/>
+                      <a:tailEnd type="none" w="med" len="med"/>
                     </a:lnB>
                     <a:lnTlToBr w="12700" cmpd="sng">
                       <a:noFill/>
@@ -8952,7 +8291,7 @@
                         <a:defRPr/>
                       </a:pPr>
                       <a:r>
-                        <a:rPr lang="ko-KR" altLang="en-US" sz="1200" kern="1200" dirty="0" smtClean="0">
+                        <a:rPr lang="ko-KR" altLang="en-US" sz="1200" kern="1200" dirty="0">
                           <a:solidFill>
                             <a:schemeClr val="tx1"/>
                           </a:solidFill>
@@ -8964,7 +8303,7 @@
                         <a:t>장애</a:t>
                       </a:r>
                       <a:r>
-                        <a:rPr lang="ko-KR" altLang="en-US" sz="1200" kern="1200" dirty="0" smtClean="0">
+                        <a:rPr lang="ko-KR" altLang="en-US" sz="1200" kern="1200" dirty="0">
                           <a:solidFill>
                             <a:schemeClr val="tx1"/>
                           </a:solidFill>
@@ -8975,7 +8314,7 @@
                         <a:t>물 등에 의해 가려지어 </a:t>
                       </a:r>
                       <a:r>
-                        <a:rPr lang="ko-KR" altLang="en-US" sz="1200" kern="1200" dirty="0" smtClean="0">
+                        <a:rPr lang="ko-KR" altLang="en-US" sz="1200" kern="1200" dirty="0">
                           <a:solidFill>
                             <a:schemeClr val="tx1"/>
                           </a:solidFill>
@@ -8987,7 +8326,7 @@
                         <a:t>회절</a:t>
                       </a:r>
                       <a:r>
-                        <a:rPr lang="en-US" altLang="ko-KR" sz="1200" kern="1200" dirty="0" smtClean="0">
+                        <a:rPr lang="en-US" altLang="ko-KR" sz="1200" kern="1200" dirty="0">
                           <a:solidFill>
                             <a:schemeClr val="tx1"/>
                           </a:solidFill>
@@ -8998,7 +8337,7 @@
                         <a:t>,</a:t>
                       </a:r>
                       <a:r>
-                        <a:rPr lang="ko-KR" altLang="en-US" sz="1200" kern="1200" dirty="0" smtClean="0">
+                        <a:rPr lang="ko-KR" altLang="en-US" sz="1200" kern="1200" dirty="0">
                           <a:solidFill>
                             <a:schemeClr val="tx1"/>
                           </a:solidFill>
@@ -9010,7 +8349,7 @@
                         <a:t>반사</a:t>
                       </a:r>
                       <a:r>
-                        <a:rPr lang="ko-KR" altLang="en-US" sz="1200" kern="1200" dirty="0" smtClean="0">
+                        <a:rPr lang="ko-KR" altLang="en-US" sz="1200" kern="1200" dirty="0">
                           <a:solidFill>
                             <a:schemeClr val="tx1"/>
                           </a:solidFill>
@@ -9021,7 +8360,7 @@
                         <a:t> 등에 의해서 전파되는 </a:t>
                       </a:r>
                       <a:r>
-                        <a:rPr lang="ko-KR" altLang="en-US" sz="1200" kern="1200" dirty="0" err="1" smtClean="0">
+                        <a:rPr lang="ko-KR" altLang="en-US" sz="1200" kern="1200" dirty="0" err="1">
                           <a:solidFill>
                             <a:schemeClr val="tx1"/>
                           </a:solidFill>
@@ -9032,7 +8371,7 @@
                         <a:t>비직진성</a:t>
                       </a:r>
                       <a:r>
-                        <a:rPr lang="ko-KR" altLang="en-US" sz="1200" kern="1200" dirty="0" smtClean="0">
+                        <a:rPr lang="ko-KR" altLang="en-US" sz="1200" kern="1200" dirty="0">
                           <a:solidFill>
                             <a:schemeClr val="tx1"/>
                           </a:solidFill>
@@ -9043,7 +8382,7 @@
                         <a:t> 또는 </a:t>
                       </a:r>
                       <a:r>
-                        <a:rPr lang="ko-KR" altLang="en-US" sz="1200" kern="1200" dirty="0" err="1" smtClean="0">
+                        <a:rPr lang="ko-KR" altLang="en-US" sz="1200" kern="1200" dirty="0" err="1">
                           <a:solidFill>
                             <a:schemeClr val="tx1"/>
                           </a:solidFill>
@@ -9081,8 +8420,16 @@
                       <a:headEnd type="none" w="med" len="med"/>
                       <a:tailEnd type="none" w="med" len="med"/>
                     </a:lnT>
-                    <a:lnB>
-                      <a:noFill/>
+                    <a:lnB w="6350" cap="flat" cmpd="sng" algn="ctr">
+                      <a:solidFill>
+                        <a:schemeClr val="bg1">
+                          <a:lumMod val="85000"/>
+                        </a:schemeClr>
+                      </a:solidFill>
+                      <a:prstDash val="solid"/>
+                      <a:round/>
+                      <a:headEnd type="none" w="med" len="med"/>
+                      <a:tailEnd type="none" w="med" len="med"/>
                     </a:lnB>
                     <a:lnTlToBr w="12700" cmpd="sng">
                       <a:noFill/>
@@ -9096,11 +8443,11 @@
                 </a:tc>
                 <a:extLst>
                   <a:ext uri="{0D108BD9-81ED-4DB2-BD59-A6C34878D82A}">
-                    <a16:rowId xmlns:a16="http://schemas.microsoft.com/office/drawing/2014/main" val="2247042958"/>
+                    <a16:rowId xmlns:a16="http://schemas.microsoft.com/office/drawing/2014/main" val="3262386992"/>
                   </a:ext>
                 </a:extLst>
               </a:tr>
-              <a:tr h="411480">
+              <a:tr h="329084">
                 <a:tc>
                   <a:txBody>
                     <a:bodyPr/>
@@ -9108,11 +8455,11 @@
                     <a:p>
                       <a:pPr algn="ctr" latinLnBrk="1"/>
                       <a:r>
-                        <a:rPr lang="en-US" altLang="ko-KR" sz="1200" dirty="0" smtClean="0">
+                        <a:rPr lang="en-US" altLang="ko-KR" sz="1200" dirty="0">
                           <a:latin typeface="+mn-ea"/>
                           <a:ea typeface="+mn-ea"/>
                         </a:rPr>
-                        <a:t>5</a:t>
+                        <a:t>3</a:t>
                       </a:r>
                       <a:endParaRPr lang="ko-KR" altLang="en-US" sz="1200" dirty="0">
                         <a:latin typeface="+mn-ea"/>
@@ -9128,14 +8475,26 @@
                       <a:noFill/>
                     </a:lnR>
                     <a:lnT w="6350" cap="flat" cmpd="sng" algn="ctr">
-                      <a:noFill/>
+                      <a:solidFill>
+                        <a:schemeClr val="bg1">
+                          <a:lumMod val="85000"/>
+                        </a:schemeClr>
+                      </a:solidFill>
                       <a:prstDash val="solid"/>
                       <a:round/>
                       <a:headEnd type="none" w="med" len="med"/>
                       <a:tailEnd type="none" w="med" len="med"/>
                     </a:lnT>
-                    <a:lnB>
-                      <a:noFill/>
+                    <a:lnB w="6350" cap="flat" cmpd="sng" algn="ctr">
+                      <a:solidFill>
+                        <a:schemeClr val="bg1">
+                          <a:lumMod val="85000"/>
+                        </a:schemeClr>
+                      </a:solidFill>
+                      <a:prstDash val="solid"/>
+                      <a:round/>
+                      <a:headEnd type="none" w="med" len="med"/>
+                      <a:tailEnd type="none" w="med" len="med"/>
                     </a:lnB>
                     <a:lnTlToBr w="12700" cmpd="sng">
                       <a:noFill/>
@@ -9175,7 +8534,7 @@
                         <a:defRPr/>
                       </a:pPr>
                       <a:r>
-                        <a:rPr lang="en-US" altLang="ko-KR" sz="1200" kern="1200" dirty="0" smtClean="0">
+                        <a:rPr lang="en-US" altLang="ko-KR" sz="1200" kern="1200" dirty="0">
                           <a:solidFill>
                             <a:schemeClr val="tx1"/>
                           </a:solidFill>
@@ -9203,14 +8562,26 @@
                       <a:noFill/>
                     </a:lnR>
                     <a:lnT w="6350" cap="flat" cmpd="sng" algn="ctr">
-                      <a:noFill/>
+                      <a:solidFill>
+                        <a:schemeClr val="bg1">
+                          <a:lumMod val="85000"/>
+                        </a:schemeClr>
+                      </a:solidFill>
                       <a:prstDash val="solid"/>
                       <a:round/>
                       <a:headEnd type="none" w="med" len="med"/>
                       <a:tailEnd type="none" w="med" len="med"/>
                     </a:lnT>
-                    <a:lnB>
-                      <a:noFill/>
+                    <a:lnB w="6350" cap="flat" cmpd="sng" algn="ctr">
+                      <a:solidFill>
+                        <a:schemeClr val="bg1">
+                          <a:lumMod val="85000"/>
+                        </a:schemeClr>
+                      </a:solidFill>
+                      <a:prstDash val="solid"/>
+                      <a:round/>
+                      <a:headEnd type="none" w="med" len="med"/>
+                      <a:tailEnd type="none" w="med" len="med"/>
                     </a:lnB>
                     <a:lnTlToBr w="12700" cmpd="sng">
                       <a:noFill/>
@@ -9245,7 +8616,7 @@
                         <a:defRPr/>
                       </a:pPr>
                       <a:r>
-                        <a:rPr lang="en-US" altLang="ko-KR" sz="1200" kern="1200" dirty="0" smtClean="0">
+                        <a:rPr lang="en-US" altLang="ko-KR" sz="1200" kern="1200" dirty="0">
                           <a:solidFill>
                             <a:schemeClr val="tx1"/>
                           </a:solidFill>
@@ -9273,14 +8644,26 @@
                       <a:noFill/>
                     </a:lnR>
                     <a:lnT w="6350" cap="flat" cmpd="sng" algn="ctr">
-                      <a:noFill/>
+                      <a:solidFill>
+                        <a:schemeClr val="bg1">
+                          <a:lumMod val="85000"/>
+                        </a:schemeClr>
+                      </a:solidFill>
                       <a:prstDash val="solid"/>
                       <a:round/>
                       <a:headEnd type="none" w="med" len="med"/>
                       <a:tailEnd type="none" w="med" len="med"/>
                     </a:lnT>
-                    <a:lnB>
-                      <a:noFill/>
+                    <a:lnB w="6350" cap="flat" cmpd="sng" algn="ctr">
+                      <a:solidFill>
+                        <a:schemeClr val="bg1">
+                          <a:lumMod val="85000"/>
+                        </a:schemeClr>
+                      </a:solidFill>
+                      <a:prstDash val="solid"/>
+                      <a:round/>
+                      <a:headEnd type="none" w="med" len="med"/>
+                      <a:tailEnd type="none" w="med" len="med"/>
                     </a:lnB>
                     <a:lnTlToBr w="12700" cmpd="sng">
                       <a:noFill/>
@@ -9315,7 +8698,7 @@
                         <a:defRPr/>
                       </a:pPr>
                       <a:r>
-                        <a:rPr lang="ko-KR" altLang="en-US" sz="1200" kern="1200" dirty="0" smtClean="0">
+                        <a:rPr lang="ko-KR" altLang="en-US" sz="1200" kern="1200" dirty="0">
                           <a:solidFill>
                             <a:schemeClr val="tx1"/>
                           </a:solidFill>
@@ -9325,14 +8708,6 @@
                         </a:rPr>
                         <a:t>수치표고모델</a:t>
                       </a:r>
-                      <a:endParaRPr lang="ko-KR" altLang="en-US" sz="1200" kern="1200" dirty="0">
-                        <a:solidFill>
-                          <a:schemeClr val="tx1"/>
-                        </a:solidFill>
-                        <a:latin typeface="+mn-lt"/>
-                        <a:ea typeface="+mn-ea"/>
-                        <a:cs typeface="+mn-cs"/>
-                      </a:endParaRPr>
                     </a:p>
                   </a:txBody>
                   <a:tcPr anchor="ctr">
@@ -9343,14 +8718,26 @@
                       <a:noFill/>
                     </a:lnR>
                     <a:lnT w="6350" cap="flat" cmpd="sng" algn="ctr">
-                      <a:noFill/>
+                      <a:solidFill>
+                        <a:schemeClr val="bg1">
+                          <a:lumMod val="85000"/>
+                        </a:schemeClr>
+                      </a:solidFill>
                       <a:prstDash val="solid"/>
                       <a:round/>
                       <a:headEnd type="none" w="med" len="med"/>
                       <a:tailEnd type="none" w="med" len="med"/>
                     </a:lnT>
-                    <a:lnB>
-                      <a:noFill/>
+                    <a:lnB w="6350" cap="flat" cmpd="sng" algn="ctr">
+                      <a:solidFill>
+                        <a:schemeClr val="bg1">
+                          <a:lumMod val="85000"/>
+                        </a:schemeClr>
+                      </a:solidFill>
+                      <a:prstDash val="solid"/>
+                      <a:round/>
+                      <a:headEnd type="none" w="med" len="med"/>
+                      <a:tailEnd type="none" w="med" len="med"/>
                     </a:lnB>
                     <a:lnTlToBr w="12700" cmpd="sng">
                       <a:noFill/>
@@ -9364,11 +8751,11 @@
                 </a:tc>
                 <a:extLst>
                   <a:ext uri="{0D108BD9-81ED-4DB2-BD59-A6C34878D82A}">
-                    <a16:rowId xmlns:a16="http://schemas.microsoft.com/office/drawing/2014/main" val="1152151256"/>
+                    <a16:rowId xmlns:a16="http://schemas.microsoft.com/office/drawing/2014/main" val="3252045861"/>
                   </a:ext>
                 </a:extLst>
               </a:tr>
-              <a:tr h="365760">
+              <a:tr h="0">
                 <a:tc>
                   <a:txBody>
                     <a:bodyPr/>
@@ -9376,11 +8763,11 @@
                     <a:p>
                       <a:pPr algn="ctr" latinLnBrk="1"/>
                       <a:r>
-                        <a:rPr lang="en-US" altLang="ko-KR" sz="1200" dirty="0" smtClean="0">
+                        <a:rPr lang="en-US" altLang="ko-KR" sz="1200" dirty="0">
                           <a:latin typeface="+mn-ea"/>
                           <a:ea typeface="+mn-ea"/>
                         </a:rPr>
-                        <a:t>6</a:t>
+                        <a:t>4</a:t>
                       </a:r>
                       <a:endParaRPr lang="ko-KR" altLang="en-US" sz="1200" dirty="0">
                         <a:latin typeface="+mn-ea"/>
@@ -9396,7 +8783,11 @@
                       <a:noFill/>
                     </a:lnR>
                     <a:lnT w="6350" cap="flat" cmpd="sng" algn="ctr">
-                      <a:noFill/>
+                      <a:solidFill>
+                        <a:schemeClr val="bg1">
+                          <a:lumMod val="85000"/>
+                        </a:schemeClr>
+                      </a:solidFill>
                       <a:prstDash val="solid"/>
                       <a:round/>
                       <a:headEnd type="none" w="med" len="med"/>
@@ -9443,7 +8834,7 @@
                         <a:defRPr/>
                       </a:pPr>
                       <a:r>
-                        <a:rPr lang="en-US" altLang="ko-KR" sz="1200" kern="1200" dirty="0" smtClean="0">
+                        <a:rPr lang="en-US" altLang="ko-KR" sz="1200" kern="1200" dirty="0">
                           <a:solidFill>
                             <a:schemeClr val="tx1"/>
                           </a:solidFill>
@@ -9471,7 +8862,11 @@
                       <a:noFill/>
                     </a:lnR>
                     <a:lnT w="6350" cap="flat" cmpd="sng" algn="ctr">
-                      <a:noFill/>
+                      <a:solidFill>
+                        <a:schemeClr val="bg1">
+                          <a:lumMod val="85000"/>
+                        </a:schemeClr>
+                      </a:solidFill>
                       <a:prstDash val="solid"/>
                       <a:round/>
                       <a:headEnd type="none" w="med" len="med"/>
@@ -9513,7 +8908,7 @@
                         <a:defRPr/>
                       </a:pPr>
                       <a:r>
-                        <a:rPr lang="en-US" altLang="ko-KR" sz="1200" kern="1200" dirty="0" smtClean="0">
+                        <a:rPr lang="en-US" altLang="ko-KR" sz="1200" kern="1200" dirty="0">
                           <a:solidFill>
                             <a:schemeClr val="tx1"/>
                           </a:solidFill>
@@ -9541,7 +8936,11 @@
                       <a:noFill/>
                     </a:lnR>
                     <a:lnT w="6350" cap="flat" cmpd="sng" algn="ctr">
-                      <a:noFill/>
+                      <a:solidFill>
+                        <a:schemeClr val="bg1">
+                          <a:lumMod val="85000"/>
+                        </a:schemeClr>
+                      </a:solidFill>
                       <a:prstDash val="solid"/>
                       <a:round/>
                       <a:headEnd type="none" w="med" len="med"/>
@@ -9583,7 +8982,7 @@
                         <a:defRPr/>
                       </a:pPr>
                       <a:r>
-                        <a:rPr lang="ko-KR" altLang="en-US" sz="1200" kern="1200" dirty="0" smtClean="0">
+                        <a:rPr lang="ko-KR" altLang="en-US" sz="1200" kern="1200" dirty="0">
                           <a:solidFill>
                             <a:schemeClr val="tx1"/>
                           </a:solidFill>
@@ -9593,14 +8992,6 @@
                         </a:rPr>
                         <a:t>수치표면모델</a:t>
                       </a:r>
-                      <a:endParaRPr lang="ko-KR" altLang="en-US" sz="1200" kern="1200" dirty="0">
-                        <a:solidFill>
-                          <a:schemeClr val="tx1"/>
-                        </a:solidFill>
-                        <a:latin typeface="+mn-lt"/>
-                        <a:ea typeface="+mn-ea"/>
-                        <a:cs typeface="+mn-cs"/>
-                      </a:endParaRPr>
                     </a:p>
                   </a:txBody>
                   <a:tcPr anchor="ctr">
@@ -9611,7 +9002,11 @@
                       <a:noFill/>
                     </a:lnR>
                     <a:lnT w="6350" cap="flat" cmpd="sng" algn="ctr">
-                      <a:noFill/>
+                      <a:solidFill>
+                        <a:schemeClr val="bg1">
+                          <a:lumMod val="85000"/>
+                        </a:schemeClr>
+                      </a:solidFill>
                       <a:prstDash val="solid"/>
                       <a:round/>
                       <a:headEnd type="none" w="med" len="med"/>
@@ -9632,11 +9027,11 @@
                 </a:tc>
                 <a:extLst>
                   <a:ext uri="{0D108BD9-81ED-4DB2-BD59-A6C34878D82A}">
-                    <a16:rowId xmlns:a16="http://schemas.microsoft.com/office/drawing/2014/main" val="690429648"/>
+                    <a16:rowId xmlns:a16="http://schemas.microsoft.com/office/drawing/2014/main" val="2247042958"/>
                   </a:ext>
                 </a:extLst>
               </a:tr>
-              <a:tr h="320040">
+              <a:tr h="411480">
                 <a:tc>
                   <a:txBody>
                     <a:bodyPr/>
@@ -9644,11 +9039,11 @@
                     <a:p>
                       <a:pPr algn="ctr" latinLnBrk="1"/>
                       <a:r>
-                        <a:rPr lang="en-US" altLang="ko-KR" sz="1200" dirty="0" smtClean="0">
+                        <a:rPr lang="en-US" altLang="ko-KR" sz="1200" dirty="0">
                           <a:latin typeface="+mn-ea"/>
                           <a:ea typeface="+mn-ea"/>
                         </a:rPr>
-                        <a:t>7</a:t>
+                        <a:t>5</a:t>
                       </a:r>
                       <a:endParaRPr lang="ko-KR" altLang="en-US" sz="1200" dirty="0">
                         <a:latin typeface="+mn-ea"/>
@@ -9711,7 +9106,7 @@
                         <a:defRPr/>
                       </a:pPr>
                       <a:r>
-                        <a:rPr lang="en-US" altLang="ko-KR" sz="1200" kern="1200" dirty="0" smtClean="0">
+                        <a:rPr lang="en-US" altLang="ko-KR" sz="1200" kern="1200" dirty="0">
                           <a:solidFill>
                             <a:schemeClr val="tx1"/>
                           </a:solidFill>
@@ -9781,7 +9176,7 @@
                         <a:defRPr/>
                       </a:pPr>
                       <a:r>
-                        <a:rPr lang="en-US" altLang="ko-KR" sz="1200" kern="1200" dirty="0" smtClean="0">
+                        <a:rPr lang="en-US" altLang="ko-KR" sz="1200" kern="1200" dirty="0">
                           <a:solidFill>
                             <a:schemeClr val="tx1"/>
                           </a:solidFill>
@@ -9851,7 +9246,7 @@
                         <a:defRPr/>
                       </a:pPr>
                       <a:r>
-                        <a:rPr lang="ko-KR" altLang="en-US" sz="1200" kern="1200" dirty="0" smtClean="0">
+                        <a:rPr lang="ko-KR" altLang="en-US" sz="1200" kern="1200" dirty="0">
                           <a:solidFill>
                             <a:schemeClr val="tx1"/>
                           </a:solidFill>
@@ -9861,14 +9256,6 @@
                         </a:rPr>
                         <a:t>수치지형모델</a:t>
                       </a:r>
-                      <a:endParaRPr lang="ko-KR" altLang="en-US" sz="1200" kern="1200" dirty="0">
-                        <a:solidFill>
-                          <a:schemeClr val="tx1"/>
-                        </a:solidFill>
-                        <a:latin typeface="+mn-lt"/>
-                        <a:ea typeface="+mn-ea"/>
-                        <a:cs typeface="+mn-cs"/>
-                      </a:endParaRPr>
                     </a:p>
                   </a:txBody>
                   <a:tcPr anchor="ctr">
@@ -9900,11 +9287,11 @@
                 </a:tc>
                 <a:extLst>
                   <a:ext uri="{0D108BD9-81ED-4DB2-BD59-A6C34878D82A}">
-                    <a16:rowId xmlns:a16="http://schemas.microsoft.com/office/drawing/2014/main" val="613762117"/>
+                    <a16:rowId xmlns:a16="http://schemas.microsoft.com/office/drawing/2014/main" val="1152151256"/>
                   </a:ext>
                 </a:extLst>
               </a:tr>
-              <a:tr h="274320">
+              <a:tr h="365760">
                 <a:tc>
                   <a:txBody>
                     <a:bodyPr/>
@@ -9912,11 +9299,11 @@
                     <a:p>
                       <a:pPr algn="ctr" latinLnBrk="1"/>
                       <a:r>
-                        <a:rPr lang="en-US" altLang="ko-KR" sz="1200" dirty="0" smtClean="0">
+                        <a:rPr lang="en-US" altLang="ko-KR" sz="1200" dirty="0">
                           <a:latin typeface="+mn-ea"/>
                           <a:ea typeface="+mn-ea"/>
                         </a:rPr>
-                        <a:t>8</a:t>
+                        <a:t>6</a:t>
                       </a:r>
                       <a:endParaRPr lang="ko-KR" altLang="en-US" sz="1200" dirty="0">
                         <a:latin typeface="+mn-ea"/>
@@ -9979,7 +9366,7 @@
                         <a:defRPr/>
                       </a:pPr>
                       <a:r>
-                        <a:rPr lang="en-US" altLang="ko-KR" sz="1200" kern="1200" dirty="0" smtClean="0">
+                        <a:rPr lang="en-US" altLang="ko-KR" sz="1200" kern="1200" dirty="0">
                           <a:solidFill>
                             <a:schemeClr val="tx1"/>
                           </a:solidFill>
@@ -10049,7 +9436,7 @@
                         <a:defRPr/>
                       </a:pPr>
                       <a:r>
-                        <a:rPr lang="en-US" altLang="ko-KR" sz="1200" kern="1200" dirty="0" smtClean="0">
+                        <a:rPr lang="en-US" altLang="ko-KR" sz="1200" kern="1200" dirty="0">
                           <a:solidFill>
                             <a:schemeClr val="tx1"/>
                           </a:solidFill>
@@ -10119,7 +9506,7 @@
                         <a:defRPr/>
                       </a:pPr>
                       <a:r>
-                        <a:rPr lang="ko-KR" altLang="en-US" sz="1200" kern="1200" dirty="0" smtClean="0">
+                        <a:rPr lang="ko-KR" altLang="en-US" sz="1200" kern="1200" dirty="0">
                           <a:solidFill>
                             <a:schemeClr val="tx1"/>
                           </a:solidFill>
@@ -10129,14 +9516,6 @@
                         </a:rPr>
                         <a:t>불규칙삼각망</a:t>
                       </a:r>
-                      <a:endParaRPr lang="ko-KR" altLang="en-US" sz="1200" kern="1200" dirty="0">
-                        <a:solidFill>
-                          <a:schemeClr val="tx1"/>
-                        </a:solidFill>
-                        <a:latin typeface="+mn-lt"/>
-                        <a:ea typeface="+mn-ea"/>
-                        <a:cs typeface="+mn-cs"/>
-                      </a:endParaRPr>
                     </a:p>
                   </a:txBody>
                   <a:tcPr anchor="ctr">
@@ -10168,11 +9547,11 @@
                 </a:tc>
                 <a:extLst>
                   <a:ext uri="{0D108BD9-81ED-4DB2-BD59-A6C34878D82A}">
-                    <a16:rowId xmlns:a16="http://schemas.microsoft.com/office/drawing/2014/main" val="156131114"/>
+                    <a16:rowId xmlns:a16="http://schemas.microsoft.com/office/drawing/2014/main" val="690429648"/>
                   </a:ext>
                 </a:extLst>
               </a:tr>
-              <a:tr h="228600">
+              <a:tr h="320040">
                 <a:tc>
                   <a:txBody>
                     <a:bodyPr/>
@@ -10180,11 +9559,11 @@
                     <a:p>
                       <a:pPr algn="ctr" latinLnBrk="1"/>
                       <a:r>
-                        <a:rPr lang="en-US" altLang="ko-KR" sz="1200" smtClean="0">
+                        <a:rPr lang="en-US" altLang="ko-KR" sz="1200" dirty="0">
                           <a:latin typeface="+mn-ea"/>
                           <a:ea typeface="+mn-ea"/>
                         </a:rPr>
-                        <a:t>9</a:t>
+                        <a:t>7</a:t>
                       </a:r>
                       <a:endParaRPr lang="ko-KR" altLang="en-US" sz="1200" dirty="0">
                         <a:latin typeface="+mn-ea"/>
@@ -10247,7 +9626,7 @@
                         <a:defRPr/>
                       </a:pPr>
                       <a:r>
-                        <a:rPr lang="en-US" altLang="ko-KR" sz="1200" kern="1200" smtClean="0">
+                        <a:rPr lang="en-US" altLang="ko-KR" sz="1200" kern="1200">
                           <a:solidFill>
                             <a:schemeClr val="tx1"/>
                           </a:solidFill>
@@ -10376,7 +9755,7 @@
                         <a:defRPr/>
                       </a:pPr>
                       <a:r>
-                        <a:rPr lang="ko-KR" altLang="en-US" sz="1200" kern="1200" smtClean="0">
+                        <a:rPr lang="ko-KR" altLang="en-US" sz="1200" kern="1200" dirty="0">
                           <a:solidFill>
                             <a:schemeClr val="tx1"/>
                           </a:solidFill>
@@ -10384,16 +9763,8 @@
                           <a:ea typeface="+mn-ea"/>
                           <a:cs typeface="+mn-cs"/>
                         </a:rPr>
-                        <a:t>경로 손실</a:t>
-                      </a:r>
-                      <a:endParaRPr lang="ko-KR" altLang="en-US" sz="1200" kern="1200" dirty="0">
-                        <a:solidFill>
-                          <a:schemeClr val="tx1"/>
-                        </a:solidFill>
-                        <a:latin typeface="+mn-lt"/>
-                        <a:ea typeface="+mn-ea"/>
-                        <a:cs typeface="+mn-cs"/>
-                      </a:endParaRPr>
+                        <a:t>신호 손실</a:t>
+                      </a:r>
                     </a:p>
                   </a:txBody>
                   <a:tcPr anchor="ctr">
@@ -10425,11 +9796,11 @@
                 </a:tc>
                 <a:extLst>
                   <a:ext uri="{0D108BD9-81ED-4DB2-BD59-A6C34878D82A}">
-                    <a16:rowId xmlns:a16="http://schemas.microsoft.com/office/drawing/2014/main" val="2133136137"/>
+                    <a16:rowId xmlns:a16="http://schemas.microsoft.com/office/drawing/2014/main" val="613762117"/>
                   </a:ext>
                 </a:extLst>
               </a:tr>
-              <a:tr h="182880">
+              <a:tr h="274320">
                 <a:tc>
                   <a:txBody>
                     <a:bodyPr/>
@@ -10437,11 +9808,11 @@
                     <a:p>
                       <a:pPr algn="ctr" latinLnBrk="1"/>
                       <a:r>
-                        <a:rPr lang="en-US" altLang="ko-KR" sz="1200" smtClean="0">
+                        <a:rPr lang="en-US" altLang="ko-KR" sz="1200" dirty="0">
                           <a:latin typeface="+mn-ea"/>
                           <a:ea typeface="+mn-ea"/>
                         </a:rPr>
-                        <a:t>10</a:t>
+                        <a:t>8</a:t>
                       </a:r>
                       <a:endParaRPr lang="ko-KR" altLang="en-US" sz="1200" dirty="0">
                         <a:latin typeface="+mn-ea"/>
@@ -10504,352 +9875,7 @@
                         <a:defRPr/>
                       </a:pPr>
                       <a:r>
-                        <a:rPr lang="en-US" altLang="ko-KR" sz="1200" kern="1200" smtClean="0">
-                          <a:solidFill>
-                            <a:schemeClr val="tx1"/>
-                          </a:solidFill>
-                          <a:latin typeface="+mn-lt"/>
-                          <a:ea typeface="+mn-ea"/>
-                          <a:cs typeface="+mn-cs"/>
-                        </a:rPr>
-                        <a:t>RSRP</a:t>
-                      </a:r>
-                      <a:endParaRPr lang="ko-KR" altLang="en-US" sz="1200" kern="1200" dirty="0">
-                        <a:solidFill>
-                          <a:schemeClr val="tx1"/>
-                        </a:solidFill>
-                        <a:latin typeface="+mn-lt"/>
-                        <a:ea typeface="+mn-ea"/>
-                        <a:cs typeface="+mn-cs"/>
-                      </a:endParaRPr>
-                    </a:p>
-                  </a:txBody>
-                  <a:tcPr anchor="ctr">
-                    <a:lnL>
-                      <a:noFill/>
-                    </a:lnL>
-                    <a:lnR>
-                      <a:noFill/>
-                    </a:lnR>
-                    <a:lnT w="6350" cap="flat" cmpd="sng" algn="ctr">
-                      <a:noFill/>
-                      <a:prstDash val="solid"/>
-                      <a:round/>
-                      <a:headEnd type="none" w="med" len="med"/>
-                      <a:tailEnd type="none" w="med" len="med"/>
-                    </a:lnT>
-                    <a:lnB>
-                      <a:noFill/>
-                    </a:lnB>
-                    <a:lnTlToBr w="12700" cmpd="sng">
-                      <a:noFill/>
-                      <a:prstDash val="solid"/>
-                    </a:lnTlToBr>
-                    <a:lnBlToTr w="12700" cmpd="sng">
-                      <a:noFill/>
-                      <a:prstDash val="solid"/>
-                    </a:lnBlToTr>
-                  </a:tcPr>
-                </a:tc>
-                <a:tc>
-                  <a:txBody>
-                    <a:bodyPr/>
-                    <a:lstStyle/>
-                    <a:p>
-                      <a:pPr marL="0" marR="0" indent="0" algn="l" defTabSz="914400" rtl="0" eaLnBrk="1" fontAlgn="auto" latinLnBrk="1" hangingPunct="1">
-                        <a:lnSpc>
-                          <a:spcPct val="100000"/>
-                        </a:lnSpc>
-                        <a:spcBef>
-                          <a:spcPts val="0"/>
-                        </a:spcBef>
-                        <a:spcAft>
-                          <a:spcPts val="0"/>
-                        </a:spcAft>
-                        <a:buClrTx/>
-                        <a:buSzTx/>
-                        <a:buFontTx/>
-                        <a:buNone/>
-                        <a:tabLst/>
-                        <a:defRPr/>
-                      </a:pPr>
-                      <a:r>
-                        <a:rPr lang="en-US" altLang="ko-KR" sz="1200" kern="1200" smtClean="0">
-                          <a:solidFill>
-                            <a:schemeClr val="tx1"/>
-                          </a:solidFill>
-                          <a:latin typeface="+mn-lt"/>
-                          <a:ea typeface="+mn-ea"/>
-                          <a:cs typeface="+mn-cs"/>
-                        </a:rPr>
-                        <a:t>Reference signal received power</a:t>
-                      </a:r>
-                      <a:endParaRPr lang="ko-KR" altLang="en-US" sz="1200" kern="1200" dirty="0">
-                        <a:solidFill>
-                          <a:schemeClr val="tx1"/>
-                        </a:solidFill>
-                        <a:latin typeface="+mn-lt"/>
-                        <a:ea typeface="+mn-ea"/>
-                        <a:cs typeface="+mn-cs"/>
-                      </a:endParaRPr>
-                    </a:p>
-                  </a:txBody>
-                  <a:tcPr anchor="ctr">
-                    <a:lnL>
-                      <a:noFill/>
-                    </a:lnL>
-                    <a:lnR>
-                      <a:noFill/>
-                    </a:lnR>
-                    <a:lnT w="6350" cap="flat" cmpd="sng" algn="ctr">
-                      <a:noFill/>
-                      <a:prstDash val="solid"/>
-                      <a:round/>
-                      <a:headEnd type="none" w="med" len="med"/>
-                      <a:tailEnd type="none" w="med" len="med"/>
-                    </a:lnT>
-                    <a:lnB>
-                      <a:noFill/>
-                    </a:lnB>
-                    <a:lnTlToBr w="12700" cmpd="sng">
-                      <a:noFill/>
-                      <a:prstDash val="solid"/>
-                    </a:lnTlToBr>
-                    <a:lnBlToTr w="12700" cmpd="sng">
-                      <a:noFill/>
-                      <a:prstDash val="solid"/>
-                    </a:lnBlToTr>
-                  </a:tcPr>
-                </a:tc>
-                <a:tc>
-                  <a:txBody>
-                    <a:bodyPr/>
-                    <a:lstStyle/>
-                    <a:p>
-                      <a:pPr marL="0" marR="0" indent="0" algn="l" defTabSz="914400" rtl="0" eaLnBrk="1" fontAlgn="auto" latinLnBrk="1" hangingPunct="1">
-                        <a:lnSpc>
-                          <a:spcPct val="100000"/>
-                        </a:lnSpc>
-                        <a:spcBef>
-                          <a:spcPts val="0"/>
-                        </a:spcBef>
-                        <a:spcAft>
-                          <a:spcPts val="0"/>
-                        </a:spcAft>
-                        <a:buClrTx/>
-                        <a:buSzTx/>
-                        <a:buFontTx/>
-                        <a:buNone/>
-                        <a:tabLst/>
-                        <a:defRPr/>
-                      </a:pPr>
-                      <a:r>
-                        <a:rPr lang="ko-KR" altLang="en-US" sz="1200" kern="1200" smtClean="0">
-                          <a:solidFill>
-                            <a:schemeClr val="tx1"/>
-                          </a:solidFill>
-                          <a:latin typeface="+mn-lt"/>
-                          <a:ea typeface="+mn-ea"/>
-                          <a:cs typeface="+mn-cs"/>
-                        </a:rPr>
-                        <a:t>측정 대역폭내의 </a:t>
-                      </a:r>
-                      <a:r>
-                        <a:rPr lang="en-US" altLang="ko-KR" sz="1200" kern="1200" smtClean="0">
-                          <a:solidFill>
-                            <a:schemeClr val="tx1"/>
-                          </a:solidFill>
-                          <a:latin typeface="+mn-lt"/>
-                          <a:ea typeface="+mn-ea"/>
-                          <a:cs typeface="+mn-cs"/>
-                        </a:rPr>
-                        <a:t>cell-specific reference signal</a:t>
-                      </a:r>
-                      <a:r>
-                        <a:rPr lang="ko-KR" altLang="en-US" sz="1200" kern="1200" smtClean="0">
-                          <a:solidFill>
-                            <a:schemeClr val="tx1"/>
-                          </a:solidFill>
-                          <a:latin typeface="+mn-lt"/>
-                          <a:ea typeface="+mn-ea"/>
-                          <a:cs typeface="+mn-cs"/>
-                        </a:rPr>
-                        <a:t>을 포함하는 </a:t>
-                      </a:r>
-                      <a:r>
-                        <a:rPr lang="en-US" altLang="ko-KR" sz="1200" kern="1200" smtClean="0">
-                          <a:solidFill>
-                            <a:schemeClr val="tx1"/>
-                          </a:solidFill>
-                          <a:latin typeface="+mn-lt"/>
-                          <a:ea typeface="+mn-ea"/>
-                          <a:cs typeface="+mn-cs"/>
-                        </a:rPr>
-                        <a:t>resource element</a:t>
-                      </a:r>
-                      <a:r>
-                        <a:rPr lang="ko-KR" altLang="en-US" sz="1200" kern="1200" smtClean="0">
-                          <a:solidFill>
-                            <a:schemeClr val="tx1"/>
-                          </a:solidFill>
-                          <a:latin typeface="+mn-lt"/>
-                          <a:ea typeface="+mn-ea"/>
-                          <a:cs typeface="+mn-cs"/>
-                        </a:rPr>
-                        <a:t>의 파워 분포를 </a:t>
-                      </a:r>
-                      <a:r>
-                        <a:rPr lang="en-US" altLang="ko-KR" sz="1200" kern="1200" smtClean="0">
-                          <a:solidFill>
-                            <a:schemeClr val="tx1"/>
-                          </a:solidFill>
-                          <a:latin typeface="+mn-lt"/>
-                          <a:ea typeface="+mn-ea"/>
-                          <a:cs typeface="+mn-cs"/>
-                        </a:rPr>
-                        <a:t>Watt </a:t>
-                      </a:r>
-                      <a:r>
-                        <a:rPr lang="ko-KR" altLang="en-US" sz="1200" kern="1200" smtClean="0">
-                          <a:solidFill>
-                            <a:schemeClr val="tx1"/>
-                          </a:solidFill>
-                          <a:latin typeface="+mn-lt"/>
-                          <a:ea typeface="+mn-ea"/>
-                          <a:cs typeface="+mn-cs"/>
-                        </a:rPr>
-                        <a:t>단위로 선형 평균한 것으로 정의된다</a:t>
-                      </a:r>
-                      <a:r>
-                        <a:rPr lang="en-US" altLang="ko-KR" sz="1200" kern="1200" smtClean="0">
-                          <a:solidFill>
-                            <a:schemeClr val="tx1"/>
-                          </a:solidFill>
-                          <a:latin typeface="+mn-lt"/>
-                          <a:ea typeface="+mn-ea"/>
-                          <a:cs typeface="+mn-cs"/>
-                        </a:rPr>
-                        <a:t>.</a:t>
-                      </a:r>
-                      <a:endParaRPr lang="ko-KR" altLang="en-US" sz="1200" kern="1200" dirty="0">
-                        <a:solidFill>
-                          <a:schemeClr val="tx1"/>
-                        </a:solidFill>
-                        <a:latin typeface="+mn-lt"/>
-                        <a:ea typeface="+mn-ea"/>
-                        <a:cs typeface="+mn-cs"/>
-                      </a:endParaRPr>
-                    </a:p>
-                  </a:txBody>
-                  <a:tcPr anchor="ctr">
-                    <a:lnL>
-                      <a:noFill/>
-                    </a:lnL>
-                    <a:lnR>
-                      <a:noFill/>
-                    </a:lnR>
-                    <a:lnT w="6350" cap="flat" cmpd="sng" algn="ctr">
-                      <a:noFill/>
-                      <a:prstDash val="solid"/>
-                      <a:round/>
-                      <a:headEnd type="none" w="med" len="med"/>
-                      <a:tailEnd type="none" w="med" len="med"/>
-                    </a:lnT>
-                    <a:lnB>
-                      <a:noFill/>
-                    </a:lnB>
-                    <a:lnTlToBr w="12700" cmpd="sng">
-                      <a:noFill/>
-                      <a:prstDash val="solid"/>
-                    </a:lnTlToBr>
-                    <a:lnBlToTr w="12700" cmpd="sng">
-                      <a:noFill/>
-                      <a:prstDash val="solid"/>
-                    </a:lnBlToTr>
-                  </a:tcPr>
-                </a:tc>
-                <a:extLst>
-                  <a:ext uri="{0D108BD9-81ED-4DB2-BD59-A6C34878D82A}">
-                    <a16:rowId xmlns:a16="http://schemas.microsoft.com/office/drawing/2014/main" val="3317388121"/>
-                  </a:ext>
-                </a:extLst>
-              </a:tr>
-              <a:tr h="137160">
-                <a:tc>
-                  <a:txBody>
-                    <a:bodyPr/>
-                    <a:lstStyle/>
-                    <a:p>
-                      <a:pPr algn="ctr" latinLnBrk="1"/>
-                      <a:r>
-                        <a:rPr lang="en-US" altLang="ko-KR" sz="1200" smtClean="0">
-                          <a:latin typeface="+mn-ea"/>
-                          <a:ea typeface="+mn-ea"/>
-                        </a:rPr>
-                        <a:t>11</a:t>
-                      </a:r>
-                      <a:endParaRPr lang="ko-KR" altLang="en-US" sz="1200" dirty="0">
-                        <a:latin typeface="+mn-ea"/>
-                        <a:ea typeface="+mn-ea"/>
-                      </a:endParaRPr>
-                    </a:p>
-                  </a:txBody>
-                  <a:tcPr anchor="ctr">
-                    <a:lnL>
-                      <a:noFill/>
-                    </a:lnL>
-                    <a:lnR>
-                      <a:noFill/>
-                    </a:lnR>
-                    <a:lnT w="6350" cap="flat" cmpd="sng" algn="ctr">
-                      <a:noFill/>
-                      <a:prstDash val="solid"/>
-                      <a:round/>
-                      <a:headEnd type="none" w="med" len="med"/>
-                      <a:tailEnd type="none" w="med" len="med"/>
-                    </a:lnT>
-                    <a:lnB>
-                      <a:noFill/>
-                    </a:lnB>
-                    <a:lnTlToBr w="12700" cmpd="sng">
-                      <a:noFill/>
-                      <a:prstDash val="solid"/>
-                    </a:lnTlToBr>
-                    <a:lnBlToTr w="12700" cmpd="sng">
-                      <a:noFill/>
-                      <a:prstDash val="solid"/>
-                    </a:lnBlToTr>
-                    <a:solidFill>
-                      <a:schemeClr val="bg1">
-                        <a:lumMod val="95000"/>
-                      </a:schemeClr>
-                    </a:solidFill>
-                  </a:tcPr>
-                </a:tc>
-                <a:tc>
-                  <a:txBody>
-                    <a:bodyPr/>
-                    <a:lstStyle/>
-                    <a:p>
-                      <a:pPr marL="0" marR="0" indent="0" algn="l" defTabSz="914400" rtl="0" eaLnBrk="1" fontAlgn="auto" latinLnBrk="1" hangingPunct="1">
-                        <a:lnSpc>
-                          <a:spcPct val="100000"/>
-                        </a:lnSpc>
-                        <a:spcBef>
-                          <a:spcPts val="0"/>
-                        </a:spcBef>
-                        <a:spcAft>
-                          <a:spcPts val="0"/>
-                        </a:spcAft>
-                        <a:buClrTx/>
-                        <a:buSzTx/>
-                        <a:buFontTx/>
-                        <a:buNone/>
-                        <a:tabLst/>
-                        <a:defRPr/>
-                      </a:pPr>
-                      <a:r>
-                        <a:rPr lang="en-US" altLang="ko-KR" sz="1200" kern="1200" smtClean="0">
+                        <a:rPr lang="en-US" altLang="ko-KR" sz="1200" kern="1200" dirty="0">
                           <a:solidFill>
                             <a:schemeClr val="tx1"/>
                           </a:solidFill>
@@ -10978,7 +10004,7 @@
                         <a:defRPr/>
                       </a:pPr>
                       <a:r>
-                        <a:rPr lang="ko-KR" altLang="en-US" sz="1200" b="0" i="0" kern="1200" smtClean="0">
+                        <a:rPr lang="ko-KR" altLang="en-US" sz="1200" b="0" i="0" kern="1200" dirty="0">
                           <a:solidFill>
                             <a:schemeClr val="tx1"/>
                           </a:solidFill>
@@ -10987,7 +10013,7 @@
                           <a:ea typeface="+mn-ea"/>
                           <a:cs typeface="+mn-cs"/>
                         </a:rPr>
-                        <a:t>해당 기지국의 섹터 커버리지를 가지는 장비</a:t>
+                        <a:t>중계기</a:t>
                       </a:r>
                       <a:endParaRPr lang="ko-KR" altLang="en-US" sz="1200" kern="1200" dirty="0">
                         <a:solidFill>
@@ -11028,11 +10054,11 @@
                 </a:tc>
                 <a:extLst>
                   <a:ext uri="{0D108BD9-81ED-4DB2-BD59-A6C34878D82A}">
-                    <a16:rowId xmlns:a16="http://schemas.microsoft.com/office/drawing/2014/main" val="1311052319"/>
+                    <a16:rowId xmlns:a16="http://schemas.microsoft.com/office/drawing/2014/main" val="156131114"/>
                   </a:ext>
                 </a:extLst>
               </a:tr>
-              <a:tr h="0">
+              <a:tr h="228600">
                 <a:tc>
                   <a:txBody>
                     <a:bodyPr/>
@@ -11040,11 +10066,11 @@
                     <a:p>
                       <a:pPr algn="ctr" latinLnBrk="1"/>
                       <a:r>
-                        <a:rPr lang="en-US" altLang="ko-KR" sz="1200" smtClean="0">
+                        <a:rPr lang="en-US" altLang="ko-KR" sz="1200">
                           <a:latin typeface="+mn-ea"/>
                           <a:ea typeface="+mn-ea"/>
                         </a:rPr>
-                        <a:t>12</a:t>
+                        <a:t>9</a:t>
                       </a:r>
                       <a:endParaRPr lang="ko-KR" altLang="en-US" sz="1200" dirty="0">
                         <a:latin typeface="+mn-ea"/>
@@ -11089,17 +10115,33 @@
                     <a:bodyPr/>
                     <a:lstStyle/>
                     <a:p>
-                      <a:r>
-                        <a:rPr lang="en-US" altLang="ko-KR" sz="1200" b="0" i="0" kern="1200" smtClean="0">
+                      <a:pPr marL="0" marR="0" indent="0" algn="l" defTabSz="914400" rtl="0" eaLnBrk="1" fontAlgn="auto" latinLnBrk="1" hangingPunct="1">
+                        <a:lnSpc>
+                          <a:spcPct val="100000"/>
+                        </a:lnSpc>
+                        <a:spcBef>
+                          <a:spcPts val="0"/>
+                        </a:spcBef>
+                        <a:spcAft>
+                          <a:spcPts val="0"/>
+                        </a:spcAft>
+                        <a:buClrTx/>
+                        <a:buSzTx/>
+                        <a:buFontTx/>
+                        <a:buNone/>
+                        <a:tabLst/>
+                        <a:defRPr/>
+                      </a:pPr>
+                      <a:r>
+                        <a:rPr lang="en-US" altLang="ko-KR" sz="1200" kern="1200" dirty="0">
                           <a:solidFill>
                             <a:schemeClr val="tx1"/>
                           </a:solidFill>
-                          <a:effectLst/>
-                          <a:latin typeface="+mn-lt"/>
+                          <a:latin typeface="+mn-ea"/>
                           <a:ea typeface="+mn-ea"/>
                           <a:cs typeface="+mn-cs"/>
                         </a:rPr>
-                        <a:t>RRU</a:t>
+                        <a:t>DU</a:t>
                       </a:r>
                       <a:endParaRPr lang="ko-KR" altLang="en-US" sz="1200" kern="1200" dirty="0">
                         <a:solidFill>
@@ -11220,7 +10262,7 @@
                         <a:defRPr/>
                       </a:pPr>
                       <a:r>
-                        <a:rPr lang="ko-KR" altLang="en-US" sz="1200" b="0" i="0" kern="1200" smtClean="0">
+                        <a:rPr lang="ko-KR" altLang="en-US" sz="1200" b="0" i="0" kern="1200" dirty="0">
                           <a:solidFill>
                             <a:schemeClr val="tx1"/>
                           </a:solidFill>
@@ -11229,7 +10271,7 @@
                           <a:ea typeface="+mn-ea"/>
                           <a:cs typeface="+mn-cs"/>
                         </a:rPr>
-                        <a:t>해당 기지국의 중계기 커버리지를 가지는 장비</a:t>
+                        <a:t>기지국</a:t>
                       </a:r>
                       <a:endParaRPr lang="ko-KR" altLang="en-US" sz="1200" kern="1200" dirty="0">
                         <a:solidFill>
@@ -11270,11 +10312,11 @@
                 </a:tc>
                 <a:extLst>
                   <a:ext uri="{0D108BD9-81ED-4DB2-BD59-A6C34878D82A}">
-                    <a16:rowId xmlns:a16="http://schemas.microsoft.com/office/drawing/2014/main" val="1665863411"/>
+                    <a16:rowId xmlns:a16="http://schemas.microsoft.com/office/drawing/2014/main" val="2133136137"/>
                   </a:ext>
                 </a:extLst>
               </a:tr>
-              <a:tr h="0">
+              <a:tr h="182880">
                 <a:tc>
                   <a:txBody>
                     <a:bodyPr/>
@@ -11282,11 +10324,11 @@
                     <a:p>
                       <a:pPr algn="ctr" latinLnBrk="1"/>
                       <a:r>
-                        <a:rPr lang="en-US" altLang="ko-KR" sz="1200" smtClean="0">
+                        <a:rPr lang="en-US" altLang="ko-KR" sz="1200">
                           <a:latin typeface="+mn-ea"/>
                           <a:ea typeface="+mn-ea"/>
                         </a:rPr>
-                        <a:t>13</a:t>
+                        <a:t>10</a:t>
                       </a:r>
                       <a:endParaRPr lang="ko-KR" altLang="en-US" sz="1200" dirty="0">
                         <a:latin typeface="+mn-ea"/>
@@ -11349,7 +10391,7 @@
                         <a:defRPr/>
                       </a:pPr>
                       <a:r>
-                        <a:rPr lang="en-US" altLang="ko-KR" sz="1200" kern="1200" smtClean="0">
+                        <a:rPr lang="en-US" altLang="ko-KR" sz="1200" kern="1200" dirty="0">
                           <a:solidFill>
                             <a:schemeClr val="tx1"/>
                           </a:solidFill>
@@ -11357,7 +10399,7 @@
                           <a:ea typeface="+mn-ea"/>
                           <a:cs typeface="+mn-cs"/>
                         </a:rPr>
-                        <a:t>SINR</a:t>
+                        <a:t>RSRP</a:t>
                       </a:r>
                       <a:endParaRPr lang="ko-KR" altLang="en-US" sz="1200" kern="1200" dirty="0">
                         <a:solidFill>
@@ -11419,7 +10461,7 @@
                         <a:defRPr/>
                       </a:pPr>
                       <a:r>
-                        <a:rPr lang="en-US" altLang="ko-KR" sz="1200" kern="1200" smtClean="0">
+                        <a:rPr lang="en-US" altLang="ko-KR" sz="1200" kern="1200" dirty="0">
                           <a:solidFill>
                             <a:schemeClr val="tx1"/>
                           </a:solidFill>
@@ -11427,8 +10469,1002 @@
                           <a:ea typeface="+mn-ea"/>
                           <a:cs typeface="+mn-cs"/>
                         </a:rPr>
+                        <a:t>Reference signal received power</a:t>
+                      </a:r>
+                      <a:endParaRPr lang="ko-KR" altLang="en-US" sz="1200" kern="1200" dirty="0">
+                        <a:solidFill>
+                          <a:schemeClr val="tx1"/>
+                        </a:solidFill>
+                        <a:latin typeface="+mn-lt"/>
+                        <a:ea typeface="+mn-ea"/>
+                        <a:cs typeface="+mn-cs"/>
+                      </a:endParaRPr>
+                    </a:p>
+                  </a:txBody>
+                  <a:tcPr anchor="ctr">
+                    <a:lnL>
+                      <a:noFill/>
+                    </a:lnL>
+                    <a:lnR>
+                      <a:noFill/>
+                    </a:lnR>
+                    <a:lnT w="6350" cap="flat" cmpd="sng" algn="ctr">
+                      <a:noFill/>
+                      <a:prstDash val="solid"/>
+                      <a:round/>
+                      <a:headEnd type="none" w="med" len="med"/>
+                      <a:tailEnd type="none" w="med" len="med"/>
+                    </a:lnT>
+                    <a:lnB>
+                      <a:noFill/>
+                    </a:lnB>
+                    <a:lnTlToBr w="12700" cmpd="sng">
+                      <a:noFill/>
+                      <a:prstDash val="solid"/>
+                    </a:lnTlToBr>
+                    <a:lnBlToTr w="12700" cmpd="sng">
+                      <a:noFill/>
+                      <a:prstDash val="solid"/>
+                    </a:lnBlToTr>
+                  </a:tcPr>
+                </a:tc>
+                <a:tc>
+                  <a:txBody>
+                    <a:bodyPr/>
+                    <a:lstStyle/>
+                    <a:p>
+                      <a:pPr marL="0" marR="0" indent="0" algn="l" defTabSz="914400" rtl="0" eaLnBrk="1" fontAlgn="auto" latinLnBrk="1" hangingPunct="1">
+                        <a:lnSpc>
+                          <a:spcPct val="100000"/>
+                        </a:lnSpc>
+                        <a:spcBef>
+                          <a:spcPts val="0"/>
+                        </a:spcBef>
+                        <a:spcAft>
+                          <a:spcPts val="0"/>
+                        </a:spcAft>
+                        <a:buClrTx/>
+                        <a:buSzTx/>
+                        <a:buFontTx/>
+                        <a:buNone/>
+                        <a:tabLst/>
+                        <a:defRPr/>
+                      </a:pPr>
+                      <a:r>
+                        <a:rPr lang="ko-KR" altLang="en-US" sz="1200" kern="1200" dirty="0">
+                          <a:solidFill>
+                            <a:schemeClr val="tx1"/>
+                          </a:solidFill>
+                          <a:latin typeface="+mn-lt"/>
+                          <a:ea typeface="+mn-ea"/>
+                          <a:cs typeface="+mn-cs"/>
+                        </a:rPr>
+                        <a:t>단말기의 </a:t>
+                      </a:r>
+                      <a:r>
+                        <a:rPr lang="ko-KR" altLang="en-US" sz="1200" kern="1200" dirty="0" err="1">
+                          <a:solidFill>
+                            <a:schemeClr val="tx1"/>
+                          </a:solidFill>
+                          <a:latin typeface="+mn-lt"/>
+                          <a:ea typeface="+mn-ea"/>
+                          <a:cs typeface="+mn-cs"/>
+                        </a:rPr>
+                        <a:t>신호값</a:t>
+                      </a:r>
+                      <a:r>
+                        <a:rPr lang="en-US" altLang="ko-KR" sz="1200" kern="1200" dirty="0">
+                          <a:solidFill>
+                            <a:schemeClr val="tx1"/>
+                          </a:solidFill>
+                          <a:latin typeface="+mn-lt"/>
+                          <a:ea typeface="+mn-ea"/>
+                          <a:cs typeface="+mn-cs"/>
+                        </a:rPr>
+                        <a:t>(-0:</a:t>
+                      </a:r>
+                      <a:r>
+                        <a:rPr lang="ko-KR" altLang="en-US" sz="1200" kern="1200" dirty="0">
+                          <a:solidFill>
+                            <a:schemeClr val="tx1"/>
+                          </a:solidFill>
+                          <a:latin typeface="+mn-lt"/>
+                          <a:ea typeface="+mn-ea"/>
+                          <a:cs typeface="+mn-cs"/>
+                        </a:rPr>
+                        <a:t>가장 좋음</a:t>
+                      </a:r>
+                      <a:r>
+                        <a:rPr lang="en-US" altLang="ko-KR" sz="1200" kern="1200" dirty="0">
+                          <a:solidFill>
+                            <a:schemeClr val="tx1"/>
+                          </a:solidFill>
+                          <a:latin typeface="+mn-lt"/>
+                          <a:ea typeface="+mn-ea"/>
+                          <a:cs typeface="+mn-cs"/>
+                        </a:rPr>
+                        <a:t>, -106</a:t>
+                      </a:r>
+                      <a:r>
+                        <a:rPr lang="ko-KR" altLang="en-US" sz="1200" kern="1200" dirty="0">
+                          <a:solidFill>
+                            <a:schemeClr val="tx1"/>
+                          </a:solidFill>
+                          <a:latin typeface="+mn-lt"/>
+                          <a:ea typeface="+mn-ea"/>
+                          <a:cs typeface="+mn-cs"/>
+                        </a:rPr>
+                        <a:t>이상</a:t>
+                      </a:r>
+                      <a:r>
+                        <a:rPr lang="en-US" altLang="ko-KR" sz="1200" kern="1200" dirty="0">
+                          <a:solidFill>
+                            <a:schemeClr val="tx1"/>
+                          </a:solidFill>
+                          <a:latin typeface="+mn-lt"/>
+                          <a:ea typeface="+mn-ea"/>
+                          <a:cs typeface="+mn-cs"/>
+                        </a:rPr>
+                        <a:t>:</a:t>
+                      </a:r>
+                      <a:r>
+                        <a:rPr lang="ko-KR" altLang="en-US" sz="1200" kern="1200" dirty="0">
+                          <a:solidFill>
+                            <a:schemeClr val="tx1"/>
+                          </a:solidFill>
+                          <a:latin typeface="+mn-lt"/>
+                          <a:ea typeface="+mn-ea"/>
+                          <a:cs typeface="+mn-cs"/>
+                        </a:rPr>
+                        <a:t>불량</a:t>
+                      </a:r>
+                      <a:r>
+                        <a:rPr lang="en-US" altLang="ko-KR" sz="1200" kern="1200" dirty="0">
+                          <a:solidFill>
+                            <a:schemeClr val="tx1"/>
+                          </a:solidFill>
+                          <a:latin typeface="+mn-lt"/>
+                          <a:ea typeface="+mn-ea"/>
+                          <a:cs typeface="+mn-cs"/>
+                        </a:rPr>
+                        <a:t>, -70~-100:</a:t>
+                      </a:r>
+                      <a:r>
+                        <a:rPr lang="ko-KR" altLang="en-US" sz="1200" kern="1200" dirty="0">
+                          <a:solidFill>
+                            <a:schemeClr val="tx1"/>
+                          </a:solidFill>
+                          <a:latin typeface="+mn-lt"/>
+                          <a:ea typeface="+mn-ea"/>
+                          <a:cs typeface="+mn-cs"/>
+                        </a:rPr>
+                        <a:t>보통</a:t>
+                      </a:r>
+                      <a:r>
+                        <a:rPr lang="en-US" altLang="ko-KR" sz="1200" kern="1200" dirty="0">
+                          <a:solidFill>
+                            <a:schemeClr val="tx1"/>
+                          </a:solidFill>
+                          <a:latin typeface="+mn-lt"/>
+                          <a:ea typeface="+mn-ea"/>
+                          <a:cs typeface="+mn-cs"/>
+                        </a:rPr>
+                        <a:t>)</a:t>
+                      </a:r>
+                      <a:endParaRPr lang="ko-KR" altLang="en-US" sz="1200" kern="1200" dirty="0">
+                        <a:solidFill>
+                          <a:schemeClr val="tx1"/>
+                        </a:solidFill>
+                        <a:latin typeface="+mn-lt"/>
+                        <a:ea typeface="+mn-ea"/>
+                        <a:cs typeface="+mn-cs"/>
+                      </a:endParaRPr>
+                    </a:p>
+                  </a:txBody>
+                  <a:tcPr anchor="ctr">
+                    <a:lnL>
+                      <a:noFill/>
+                    </a:lnL>
+                    <a:lnR>
+                      <a:noFill/>
+                    </a:lnR>
+                    <a:lnT w="6350" cap="flat" cmpd="sng" algn="ctr">
+                      <a:noFill/>
+                      <a:prstDash val="solid"/>
+                      <a:round/>
+                      <a:headEnd type="none" w="med" len="med"/>
+                      <a:tailEnd type="none" w="med" len="med"/>
+                    </a:lnT>
+                    <a:lnB>
+                      <a:noFill/>
+                    </a:lnB>
+                    <a:lnTlToBr w="12700" cmpd="sng">
+                      <a:noFill/>
+                      <a:prstDash val="solid"/>
+                    </a:lnTlToBr>
+                    <a:lnBlToTr w="12700" cmpd="sng">
+                      <a:noFill/>
+                      <a:prstDash val="solid"/>
+                    </a:lnBlToTr>
+                  </a:tcPr>
+                </a:tc>
+                <a:extLst>
+                  <a:ext uri="{0D108BD9-81ED-4DB2-BD59-A6C34878D82A}">
+                    <a16:rowId xmlns:a16="http://schemas.microsoft.com/office/drawing/2014/main" val="3317388121"/>
+                  </a:ext>
+                </a:extLst>
+              </a:tr>
+              <a:tr h="137160">
+                <a:tc>
+                  <a:txBody>
+                    <a:bodyPr/>
+                    <a:lstStyle/>
+                    <a:p>
+                      <a:pPr algn="ctr" latinLnBrk="1"/>
+                      <a:r>
+                        <a:rPr lang="en-US" altLang="ko-KR" sz="1200">
+                          <a:latin typeface="+mn-ea"/>
+                          <a:ea typeface="+mn-ea"/>
+                        </a:rPr>
+                        <a:t>11</a:t>
+                      </a:r>
+                      <a:endParaRPr lang="ko-KR" altLang="en-US" sz="1200" dirty="0">
+                        <a:latin typeface="+mn-ea"/>
+                        <a:ea typeface="+mn-ea"/>
+                      </a:endParaRPr>
+                    </a:p>
+                  </a:txBody>
+                  <a:tcPr anchor="ctr">
+                    <a:lnL>
+                      <a:noFill/>
+                    </a:lnL>
+                    <a:lnR>
+                      <a:noFill/>
+                    </a:lnR>
+                    <a:lnT w="6350" cap="flat" cmpd="sng" algn="ctr">
+                      <a:noFill/>
+                      <a:prstDash val="solid"/>
+                      <a:round/>
+                      <a:headEnd type="none" w="med" len="med"/>
+                      <a:tailEnd type="none" w="med" len="med"/>
+                    </a:lnT>
+                    <a:lnB>
+                      <a:noFill/>
+                    </a:lnB>
+                    <a:lnTlToBr w="12700" cmpd="sng">
+                      <a:noFill/>
+                      <a:prstDash val="solid"/>
+                    </a:lnTlToBr>
+                    <a:lnBlToTr w="12700" cmpd="sng">
+                      <a:noFill/>
+                      <a:prstDash val="solid"/>
+                    </a:lnBlToTr>
+                    <a:solidFill>
+                      <a:schemeClr val="bg1">
+                        <a:lumMod val="95000"/>
+                      </a:schemeClr>
+                    </a:solidFill>
+                  </a:tcPr>
+                </a:tc>
+                <a:tc>
+                  <a:txBody>
+                    <a:bodyPr/>
+                    <a:lstStyle/>
+                    <a:p>
+                      <a:pPr marL="0" marR="0" indent="0" algn="l" defTabSz="914400" rtl="0" eaLnBrk="1" fontAlgn="auto" latinLnBrk="1" hangingPunct="1">
+                        <a:lnSpc>
+                          <a:spcPct val="100000"/>
+                        </a:lnSpc>
+                        <a:spcBef>
+                          <a:spcPts val="0"/>
+                        </a:spcBef>
+                        <a:spcAft>
+                          <a:spcPts val="0"/>
+                        </a:spcAft>
+                        <a:buClrTx/>
+                        <a:buSzTx/>
+                        <a:buFontTx/>
+                        <a:buNone/>
+                        <a:tabLst/>
+                        <a:defRPr/>
+                      </a:pPr>
+                      <a:r>
+                        <a:rPr lang="en-US" altLang="ko-KR" sz="1200" kern="1200" dirty="0">
+                          <a:solidFill>
+                            <a:schemeClr val="tx1"/>
+                          </a:solidFill>
+                          <a:latin typeface="+mn-lt"/>
+                          <a:ea typeface="+mn-ea"/>
+                          <a:cs typeface="+mn-cs"/>
+                        </a:rPr>
+                        <a:t>RSRQ</a:t>
+                      </a:r>
+                      <a:endParaRPr lang="ko-KR" altLang="en-US" sz="1200" kern="1200" dirty="0">
+                        <a:solidFill>
+                          <a:schemeClr val="tx1"/>
+                        </a:solidFill>
+                        <a:latin typeface="+mn-lt"/>
+                        <a:ea typeface="+mn-ea"/>
+                        <a:cs typeface="+mn-cs"/>
+                      </a:endParaRPr>
+                    </a:p>
+                  </a:txBody>
+                  <a:tcPr anchor="ctr">
+                    <a:lnL>
+                      <a:noFill/>
+                    </a:lnL>
+                    <a:lnR>
+                      <a:noFill/>
+                    </a:lnR>
+                    <a:lnT w="6350" cap="flat" cmpd="sng" algn="ctr">
+                      <a:noFill/>
+                      <a:prstDash val="solid"/>
+                      <a:round/>
+                      <a:headEnd type="none" w="med" len="med"/>
+                      <a:tailEnd type="none" w="med" len="med"/>
+                    </a:lnT>
+                    <a:lnB>
+                      <a:noFill/>
+                    </a:lnB>
+                    <a:lnTlToBr w="12700" cmpd="sng">
+                      <a:noFill/>
+                      <a:prstDash val="solid"/>
+                    </a:lnTlToBr>
+                    <a:lnBlToTr w="12700" cmpd="sng">
+                      <a:noFill/>
+                      <a:prstDash val="solid"/>
+                    </a:lnBlToTr>
+                  </a:tcPr>
+                </a:tc>
+                <a:tc>
+                  <a:txBody>
+                    <a:bodyPr/>
+                    <a:lstStyle/>
+                    <a:p>
+                      <a:pPr marL="0" marR="0" indent="0" algn="l" defTabSz="914400" rtl="0" eaLnBrk="1" fontAlgn="auto" latinLnBrk="1" hangingPunct="1">
+                        <a:lnSpc>
+                          <a:spcPct val="100000"/>
+                        </a:lnSpc>
+                        <a:spcBef>
+                          <a:spcPts val="0"/>
+                        </a:spcBef>
+                        <a:spcAft>
+                          <a:spcPts val="0"/>
+                        </a:spcAft>
+                        <a:buClrTx/>
+                        <a:buSzTx/>
+                        <a:buFontTx/>
+                        <a:buNone/>
+                        <a:tabLst/>
+                        <a:defRPr/>
+                      </a:pPr>
+                      <a:r>
+                        <a:rPr lang="en-US" altLang="ko-KR" sz="1200" kern="1200" dirty="0">
+                          <a:solidFill>
+                            <a:schemeClr val="tx1"/>
+                          </a:solidFill>
+                          <a:latin typeface="+mn-lt"/>
+                          <a:ea typeface="+mn-ea"/>
+                          <a:cs typeface="+mn-cs"/>
+                        </a:rPr>
+                        <a:t>Reference signal </a:t>
+                      </a:r>
+                      <a:r>
+                        <a:rPr lang="en-US" altLang="ko-KR" sz="1200" kern="1200">
+                          <a:solidFill>
+                            <a:schemeClr val="tx1"/>
+                          </a:solidFill>
+                          <a:latin typeface="+mn-lt"/>
+                          <a:ea typeface="+mn-ea"/>
+                          <a:cs typeface="+mn-cs"/>
+                        </a:rPr>
+                        <a:t>received Quality</a:t>
+                      </a:r>
+                      <a:endParaRPr lang="ko-KR" altLang="en-US" sz="1200" kern="1200" dirty="0">
+                        <a:solidFill>
+                          <a:schemeClr val="tx1"/>
+                        </a:solidFill>
+                        <a:latin typeface="+mn-lt"/>
+                        <a:ea typeface="+mn-ea"/>
+                        <a:cs typeface="+mn-cs"/>
+                      </a:endParaRPr>
+                    </a:p>
+                  </a:txBody>
+                  <a:tcPr anchor="ctr">
+                    <a:lnL>
+                      <a:noFill/>
+                    </a:lnL>
+                    <a:lnR>
+                      <a:noFill/>
+                    </a:lnR>
+                    <a:lnT w="6350" cap="flat" cmpd="sng" algn="ctr">
+                      <a:noFill/>
+                      <a:prstDash val="solid"/>
+                      <a:round/>
+                      <a:headEnd type="none" w="med" len="med"/>
+                      <a:tailEnd type="none" w="med" len="med"/>
+                    </a:lnT>
+                    <a:lnB>
+                      <a:noFill/>
+                    </a:lnB>
+                    <a:lnTlToBr w="12700" cmpd="sng">
+                      <a:noFill/>
+                      <a:prstDash val="solid"/>
+                    </a:lnTlToBr>
+                    <a:lnBlToTr w="12700" cmpd="sng">
+                      <a:noFill/>
+                      <a:prstDash val="solid"/>
+                    </a:lnBlToTr>
+                  </a:tcPr>
+                </a:tc>
+                <a:tc>
+                  <a:txBody>
+                    <a:bodyPr/>
+                    <a:lstStyle/>
+                    <a:p>
+                      <a:pPr marL="0" marR="0" indent="0" algn="l" defTabSz="914400" rtl="0" eaLnBrk="1" fontAlgn="auto" latinLnBrk="1" hangingPunct="1">
+                        <a:lnSpc>
+                          <a:spcPct val="100000"/>
+                        </a:lnSpc>
+                        <a:spcBef>
+                          <a:spcPts val="0"/>
+                        </a:spcBef>
+                        <a:spcAft>
+                          <a:spcPts val="0"/>
+                        </a:spcAft>
+                        <a:buClrTx/>
+                        <a:buSzTx/>
+                        <a:buFontTx/>
+                        <a:buNone/>
+                        <a:tabLst/>
+                        <a:defRPr/>
+                      </a:pPr>
+                      <a:r>
+                        <a:rPr lang="ko-KR" altLang="en-US" sz="1200" kern="1200" dirty="0">
+                          <a:solidFill>
+                            <a:schemeClr val="tx1"/>
+                          </a:solidFill>
+                          <a:latin typeface="+mn-lt"/>
+                          <a:ea typeface="+mn-ea"/>
+                          <a:cs typeface="+mn-cs"/>
+                        </a:rPr>
+                        <a:t>단말기에서 기지국까지의 거리</a:t>
+                      </a:r>
+                    </a:p>
+                  </a:txBody>
+                  <a:tcPr anchor="ctr">
+                    <a:lnL>
+                      <a:noFill/>
+                    </a:lnL>
+                    <a:lnR>
+                      <a:noFill/>
+                    </a:lnR>
+                    <a:lnT w="6350" cap="flat" cmpd="sng" algn="ctr">
+                      <a:noFill/>
+                      <a:prstDash val="solid"/>
+                      <a:round/>
+                      <a:headEnd type="none" w="med" len="med"/>
+                      <a:tailEnd type="none" w="med" len="med"/>
+                    </a:lnT>
+                    <a:lnB>
+                      <a:noFill/>
+                    </a:lnB>
+                    <a:lnTlToBr w="12700" cmpd="sng">
+                      <a:noFill/>
+                      <a:prstDash val="solid"/>
+                    </a:lnTlToBr>
+                    <a:lnBlToTr w="12700" cmpd="sng">
+                      <a:noFill/>
+                      <a:prstDash val="solid"/>
+                    </a:lnBlToTr>
+                  </a:tcPr>
+                </a:tc>
+                <a:extLst>
+                  <a:ext uri="{0D108BD9-81ED-4DB2-BD59-A6C34878D82A}">
+                    <a16:rowId xmlns:a16="http://schemas.microsoft.com/office/drawing/2014/main" val="1311052319"/>
+                  </a:ext>
+                </a:extLst>
+              </a:tr>
+              <a:tr h="0">
+                <a:tc>
+                  <a:txBody>
+                    <a:bodyPr/>
+                    <a:lstStyle/>
+                    <a:p>
+                      <a:pPr algn="ctr" latinLnBrk="1"/>
+                      <a:r>
+                        <a:rPr lang="en-US" altLang="ko-KR" sz="1200">
+                          <a:latin typeface="+mn-ea"/>
+                          <a:ea typeface="+mn-ea"/>
+                        </a:rPr>
+                        <a:t>12</a:t>
+                      </a:r>
+                      <a:endParaRPr lang="ko-KR" altLang="en-US" sz="1200" dirty="0">
+                        <a:latin typeface="+mn-ea"/>
+                        <a:ea typeface="+mn-ea"/>
+                      </a:endParaRPr>
+                    </a:p>
+                  </a:txBody>
+                  <a:tcPr anchor="ctr">
+                    <a:lnL>
+                      <a:noFill/>
+                    </a:lnL>
+                    <a:lnR>
+                      <a:noFill/>
+                    </a:lnR>
+                    <a:lnT w="6350" cap="flat" cmpd="sng" algn="ctr">
+                      <a:noFill/>
+                      <a:prstDash val="solid"/>
+                      <a:round/>
+                      <a:headEnd type="none" w="med" len="med"/>
+                      <a:tailEnd type="none" w="med" len="med"/>
+                    </a:lnT>
+                    <a:lnB>
+                      <a:noFill/>
+                    </a:lnB>
+                    <a:lnTlToBr w="12700" cmpd="sng">
+                      <a:noFill/>
+                      <a:prstDash val="solid"/>
+                    </a:lnTlToBr>
+                    <a:lnBlToTr w="12700" cmpd="sng">
+                      <a:noFill/>
+                      <a:prstDash val="solid"/>
+                    </a:lnBlToTr>
+                    <a:solidFill>
+                      <a:schemeClr val="bg1">
+                        <a:lumMod val="95000"/>
+                      </a:schemeClr>
+                    </a:solidFill>
+                  </a:tcPr>
+                </a:tc>
+                <a:tc>
+                  <a:txBody>
+                    <a:bodyPr/>
+                    <a:lstStyle/>
+                    <a:p>
+                      <a:pPr marL="0" marR="0" indent="0" algn="l" defTabSz="914400" rtl="0" eaLnBrk="1" fontAlgn="auto" latinLnBrk="1" hangingPunct="1">
+                        <a:lnSpc>
+                          <a:spcPct val="100000"/>
+                        </a:lnSpc>
+                        <a:spcBef>
+                          <a:spcPts val="0"/>
+                        </a:spcBef>
+                        <a:spcAft>
+                          <a:spcPts val="0"/>
+                        </a:spcAft>
+                        <a:buClrTx/>
+                        <a:buSzTx/>
+                        <a:buFontTx/>
+                        <a:buNone/>
+                        <a:tabLst/>
+                        <a:defRPr/>
+                      </a:pPr>
+                      <a:r>
+                        <a:rPr lang="en-US" altLang="ko-KR" sz="1200" kern="1200" dirty="0">
+                          <a:solidFill>
+                            <a:schemeClr val="tx1"/>
+                          </a:solidFill>
+                          <a:latin typeface="+mn-lt"/>
+                          <a:ea typeface="+mn-ea"/>
+                          <a:cs typeface="+mn-cs"/>
+                        </a:rPr>
+                        <a:t>SINR</a:t>
+                      </a:r>
+                      <a:endParaRPr lang="ko-KR" altLang="en-US" sz="1200" kern="1200" dirty="0">
+                        <a:solidFill>
+                          <a:schemeClr val="tx1"/>
+                        </a:solidFill>
+                        <a:latin typeface="+mn-lt"/>
+                        <a:ea typeface="+mn-ea"/>
+                        <a:cs typeface="+mn-cs"/>
+                      </a:endParaRPr>
+                    </a:p>
+                  </a:txBody>
+                  <a:tcPr anchor="ctr">
+                    <a:lnL>
+                      <a:noFill/>
+                    </a:lnL>
+                    <a:lnR>
+                      <a:noFill/>
+                    </a:lnR>
+                    <a:lnT w="6350" cap="flat" cmpd="sng" algn="ctr">
+                      <a:noFill/>
+                      <a:prstDash val="solid"/>
+                      <a:round/>
+                      <a:headEnd type="none" w="med" len="med"/>
+                      <a:tailEnd type="none" w="med" len="med"/>
+                    </a:lnT>
+                    <a:lnB>
+                      <a:noFill/>
+                    </a:lnB>
+                    <a:lnTlToBr w="12700" cmpd="sng">
+                      <a:noFill/>
+                      <a:prstDash val="solid"/>
+                    </a:lnTlToBr>
+                    <a:lnBlToTr w="12700" cmpd="sng">
+                      <a:noFill/>
+                      <a:prstDash val="solid"/>
+                    </a:lnBlToTr>
+                  </a:tcPr>
+                </a:tc>
+                <a:tc>
+                  <a:txBody>
+                    <a:bodyPr/>
+                    <a:lstStyle/>
+                    <a:p>
+                      <a:pPr marL="0" marR="0" indent="0" algn="l" defTabSz="914400" rtl="0" eaLnBrk="1" fontAlgn="auto" latinLnBrk="1" hangingPunct="1">
+                        <a:lnSpc>
+                          <a:spcPct val="100000"/>
+                        </a:lnSpc>
+                        <a:spcBef>
+                          <a:spcPts val="0"/>
+                        </a:spcBef>
+                        <a:spcAft>
+                          <a:spcPts val="0"/>
+                        </a:spcAft>
+                        <a:buClrTx/>
+                        <a:buSzTx/>
+                        <a:buFontTx/>
+                        <a:buNone/>
+                        <a:tabLst/>
+                        <a:defRPr/>
+                      </a:pPr>
+                      <a:r>
+                        <a:rPr lang="en-US" altLang="ko-KR" sz="1200" kern="1200" dirty="0">
+                          <a:solidFill>
+                            <a:schemeClr val="tx1"/>
+                          </a:solidFill>
+                          <a:latin typeface="+mn-lt"/>
+                          <a:ea typeface="+mn-ea"/>
+                          <a:cs typeface="+mn-cs"/>
+                        </a:rPr>
                         <a:t>Signal to Interference &amp; Noise Ratio</a:t>
                       </a:r>
+                      <a:endParaRPr lang="ko-KR" altLang="en-US" sz="1200" kern="1200" dirty="0">
+                        <a:solidFill>
+                          <a:schemeClr val="tx1"/>
+                        </a:solidFill>
+                        <a:latin typeface="+mn-lt"/>
+                        <a:ea typeface="+mn-ea"/>
+                        <a:cs typeface="+mn-cs"/>
+                      </a:endParaRPr>
+                    </a:p>
+                  </a:txBody>
+                  <a:tcPr anchor="ctr">
+                    <a:lnL>
+                      <a:noFill/>
+                    </a:lnL>
+                    <a:lnR>
+                      <a:noFill/>
+                    </a:lnR>
+                    <a:lnT w="6350" cap="flat" cmpd="sng" algn="ctr">
+                      <a:noFill/>
+                      <a:prstDash val="solid"/>
+                      <a:round/>
+                      <a:headEnd type="none" w="med" len="med"/>
+                      <a:tailEnd type="none" w="med" len="med"/>
+                    </a:lnT>
+                    <a:lnB>
+                      <a:noFill/>
+                    </a:lnB>
+                    <a:lnTlToBr w="12700" cmpd="sng">
+                      <a:noFill/>
+                      <a:prstDash val="solid"/>
+                    </a:lnTlToBr>
+                    <a:lnBlToTr w="12700" cmpd="sng">
+                      <a:noFill/>
+                      <a:prstDash val="solid"/>
+                    </a:lnBlToTr>
+                  </a:tcPr>
+                </a:tc>
+                <a:tc>
+                  <a:txBody>
+                    <a:bodyPr/>
+                    <a:lstStyle/>
+                    <a:p>
+                      <a:pPr marL="0" marR="0" indent="0" algn="l" defTabSz="914400" rtl="0" eaLnBrk="1" fontAlgn="auto" latinLnBrk="1" hangingPunct="1">
+                        <a:lnSpc>
+                          <a:spcPct val="100000"/>
+                        </a:lnSpc>
+                        <a:spcBef>
+                          <a:spcPts val="0"/>
+                        </a:spcBef>
+                        <a:spcAft>
+                          <a:spcPts val="0"/>
+                        </a:spcAft>
+                        <a:buClrTx/>
+                        <a:buSzTx/>
+                        <a:buFontTx/>
+                        <a:buNone/>
+                        <a:tabLst/>
+                        <a:defRPr/>
+                      </a:pPr>
+                      <a:r>
+                        <a:rPr lang="ko-KR" altLang="en-US" sz="1200" kern="1200" dirty="0">
+                          <a:solidFill>
+                            <a:schemeClr val="tx1"/>
+                          </a:solidFill>
+                          <a:latin typeface="+mn-lt"/>
+                          <a:ea typeface="+mn-ea"/>
+                          <a:cs typeface="+mn-cs"/>
+                        </a:rPr>
+                        <a:t>값은 </a:t>
+                      </a:r>
+                      <a:r>
+                        <a:rPr lang="ko-KR" altLang="en-US" sz="1200" kern="1200" dirty="0" err="1">
+                          <a:solidFill>
+                            <a:schemeClr val="tx1"/>
+                          </a:solidFill>
+                          <a:latin typeface="+mn-lt"/>
+                          <a:ea typeface="+mn-ea"/>
+                          <a:cs typeface="+mn-cs"/>
+                        </a:rPr>
+                        <a:t>신호값에서</a:t>
+                      </a:r>
+                      <a:r>
+                        <a:rPr lang="ko-KR" altLang="en-US" sz="1200" kern="1200" dirty="0">
+                          <a:solidFill>
+                            <a:schemeClr val="tx1"/>
+                          </a:solidFill>
+                          <a:latin typeface="+mn-lt"/>
+                          <a:ea typeface="+mn-ea"/>
+                          <a:cs typeface="+mn-cs"/>
+                        </a:rPr>
+                        <a:t> 속도</a:t>
+                      </a:r>
+                      <a:r>
+                        <a:rPr lang="en-US" altLang="ko-KR" sz="1200" kern="1200" dirty="0">
+                          <a:solidFill>
+                            <a:schemeClr val="tx1"/>
+                          </a:solidFill>
+                          <a:latin typeface="+mn-lt"/>
+                          <a:ea typeface="+mn-ea"/>
+                          <a:cs typeface="+mn-cs"/>
+                        </a:rPr>
+                        <a:t>(</a:t>
+                      </a:r>
+                      <a:r>
+                        <a:rPr lang="ko-KR" altLang="en-US" sz="1200" kern="1200" dirty="0">
+                          <a:solidFill>
+                            <a:schemeClr val="tx1"/>
+                          </a:solidFill>
+                          <a:latin typeface="+mn-lt"/>
+                          <a:ea typeface="+mn-ea"/>
+                          <a:cs typeface="+mn-cs"/>
+                        </a:rPr>
+                        <a:t>양수</a:t>
+                      </a:r>
+                      <a:r>
+                        <a:rPr lang="en-US" altLang="ko-KR" sz="1200" kern="1200" dirty="0">
+                          <a:solidFill>
+                            <a:schemeClr val="tx1"/>
+                          </a:solidFill>
+                          <a:latin typeface="+mn-lt"/>
+                          <a:ea typeface="+mn-ea"/>
+                          <a:cs typeface="+mn-cs"/>
+                        </a:rPr>
+                        <a:t>:</a:t>
+                      </a:r>
+                      <a:r>
+                        <a:rPr lang="ko-KR" altLang="en-US" sz="1200" kern="1200" dirty="0">
+                          <a:solidFill>
+                            <a:schemeClr val="tx1"/>
+                          </a:solidFill>
+                          <a:latin typeface="+mn-lt"/>
+                          <a:ea typeface="+mn-ea"/>
+                          <a:cs typeface="+mn-cs"/>
+                        </a:rPr>
+                        <a:t>잘 터진다 음수</a:t>
+                      </a:r>
+                      <a:r>
+                        <a:rPr lang="en-US" altLang="ko-KR" sz="1200" kern="1200" dirty="0">
+                          <a:solidFill>
+                            <a:schemeClr val="tx1"/>
+                          </a:solidFill>
+                          <a:latin typeface="+mn-lt"/>
+                          <a:ea typeface="+mn-ea"/>
+                          <a:cs typeface="+mn-cs"/>
+                        </a:rPr>
+                        <a:t>:</a:t>
+                      </a:r>
+                      <a:r>
+                        <a:rPr lang="ko-KR" altLang="en-US" sz="1200" kern="1200" dirty="0">
+                          <a:solidFill>
+                            <a:schemeClr val="tx1"/>
+                          </a:solidFill>
+                          <a:latin typeface="+mn-lt"/>
+                          <a:ea typeface="+mn-ea"/>
+                          <a:cs typeface="+mn-cs"/>
+                        </a:rPr>
+                        <a:t>안 터진다</a:t>
+                      </a:r>
+                      <a:r>
+                        <a:rPr lang="en-US" altLang="ko-KR" sz="1200" kern="1200" dirty="0">
+                          <a:solidFill>
+                            <a:schemeClr val="tx1"/>
+                          </a:solidFill>
+                          <a:latin typeface="+mn-lt"/>
+                          <a:ea typeface="+mn-ea"/>
+                          <a:cs typeface="+mn-cs"/>
+                        </a:rPr>
+                        <a:t>)</a:t>
+                      </a:r>
+                      <a:endParaRPr lang="ko-KR" altLang="en-US" sz="1200" kern="1200" dirty="0">
+                        <a:solidFill>
+                          <a:schemeClr val="tx1"/>
+                        </a:solidFill>
+                        <a:latin typeface="+mn-lt"/>
+                        <a:ea typeface="+mn-ea"/>
+                        <a:cs typeface="+mn-cs"/>
+                      </a:endParaRPr>
+                    </a:p>
+                  </a:txBody>
+                  <a:tcPr anchor="ctr">
+                    <a:lnL>
+                      <a:noFill/>
+                    </a:lnL>
+                    <a:lnR>
+                      <a:noFill/>
+                    </a:lnR>
+                    <a:lnT w="6350" cap="flat" cmpd="sng" algn="ctr">
+                      <a:noFill/>
+                      <a:prstDash val="solid"/>
+                      <a:round/>
+                      <a:headEnd type="none" w="med" len="med"/>
+                      <a:tailEnd type="none" w="med" len="med"/>
+                    </a:lnT>
+                    <a:lnB>
+                      <a:noFill/>
+                    </a:lnB>
+                    <a:lnTlToBr w="12700" cmpd="sng">
+                      <a:noFill/>
+                      <a:prstDash val="solid"/>
+                    </a:lnTlToBr>
+                    <a:lnBlToTr w="12700" cmpd="sng">
+                      <a:noFill/>
+                      <a:prstDash val="solid"/>
+                    </a:lnBlToTr>
+                  </a:tcPr>
+                </a:tc>
+                <a:extLst>
+                  <a:ext uri="{0D108BD9-81ED-4DB2-BD59-A6C34878D82A}">
+                    <a16:rowId xmlns:a16="http://schemas.microsoft.com/office/drawing/2014/main" val="1665863411"/>
+                  </a:ext>
+                </a:extLst>
+              </a:tr>
+              <a:tr h="0">
+                <a:tc>
+                  <a:txBody>
+                    <a:bodyPr/>
+                    <a:lstStyle/>
+                    <a:p>
+                      <a:pPr algn="ctr" latinLnBrk="1"/>
+                      <a:r>
+                        <a:rPr lang="en-US" altLang="ko-KR" sz="1200" dirty="0">
+                          <a:latin typeface="+mn-ea"/>
+                          <a:ea typeface="+mn-ea"/>
+                        </a:rPr>
+                        <a:t>13</a:t>
+                      </a:r>
+                      <a:endParaRPr lang="ko-KR" altLang="en-US" sz="1200" dirty="0">
+                        <a:latin typeface="+mn-ea"/>
+                        <a:ea typeface="+mn-ea"/>
+                      </a:endParaRPr>
+                    </a:p>
+                  </a:txBody>
+                  <a:tcPr anchor="ctr">
+                    <a:lnL>
+                      <a:noFill/>
+                    </a:lnL>
+                    <a:lnR>
+                      <a:noFill/>
+                    </a:lnR>
+                    <a:lnT w="6350" cap="flat" cmpd="sng" algn="ctr">
+                      <a:noFill/>
+                      <a:prstDash val="solid"/>
+                      <a:round/>
+                      <a:headEnd type="none" w="med" len="med"/>
+                      <a:tailEnd type="none" w="med" len="med"/>
+                    </a:lnT>
+                    <a:lnB>
+                      <a:noFill/>
+                    </a:lnB>
+                    <a:lnTlToBr w="12700" cmpd="sng">
+                      <a:noFill/>
+                      <a:prstDash val="solid"/>
+                    </a:lnTlToBr>
+                    <a:lnBlToTr w="12700" cmpd="sng">
+                      <a:noFill/>
+                      <a:prstDash val="solid"/>
+                    </a:lnBlToTr>
+                    <a:solidFill>
+                      <a:schemeClr val="bg1">
+                        <a:lumMod val="95000"/>
+                      </a:schemeClr>
+                    </a:solidFill>
+                  </a:tcPr>
+                </a:tc>
+                <a:tc>
+                  <a:txBody>
+                    <a:bodyPr/>
+                    <a:lstStyle/>
+                    <a:p>
+                      <a:pPr marL="0" marR="0" indent="0" algn="l" defTabSz="914400" rtl="0" eaLnBrk="1" fontAlgn="auto" latinLnBrk="1" hangingPunct="1">
+                        <a:lnSpc>
+                          <a:spcPct val="100000"/>
+                        </a:lnSpc>
+                        <a:spcBef>
+                          <a:spcPts val="0"/>
+                        </a:spcBef>
+                        <a:spcAft>
+                          <a:spcPts val="0"/>
+                        </a:spcAft>
+                        <a:buClrTx/>
+                        <a:buSzTx/>
+                        <a:buFontTx/>
+                        <a:buNone/>
+                        <a:tabLst/>
+                        <a:defRPr/>
+                      </a:pPr>
+                      <a:endParaRPr lang="ko-KR" altLang="en-US" sz="1200" kern="1200" dirty="0">
+                        <a:solidFill>
+                          <a:schemeClr val="tx1"/>
+                        </a:solidFill>
+                        <a:latin typeface="+mn-lt"/>
+                        <a:ea typeface="+mn-ea"/>
+                        <a:cs typeface="+mn-cs"/>
+                      </a:endParaRPr>
+                    </a:p>
+                  </a:txBody>
+                  <a:tcPr anchor="ctr">
+                    <a:lnL>
+                      <a:noFill/>
+                    </a:lnL>
+                    <a:lnR>
+                      <a:noFill/>
+                    </a:lnR>
+                    <a:lnT w="6350" cap="flat" cmpd="sng" algn="ctr">
+                      <a:noFill/>
+                      <a:prstDash val="solid"/>
+                      <a:round/>
+                      <a:headEnd type="none" w="med" len="med"/>
+                      <a:tailEnd type="none" w="med" len="med"/>
+                    </a:lnT>
+                    <a:lnB>
+                      <a:noFill/>
+                    </a:lnB>
+                    <a:lnTlToBr w="12700" cmpd="sng">
+                      <a:noFill/>
+                      <a:prstDash val="solid"/>
+                    </a:lnTlToBr>
+                    <a:lnBlToTr w="12700" cmpd="sng">
+                      <a:noFill/>
+                      <a:prstDash val="solid"/>
+                    </a:lnBlToTr>
+                  </a:tcPr>
+                </a:tc>
+                <a:tc>
+                  <a:txBody>
+                    <a:bodyPr/>
+                    <a:lstStyle/>
+                    <a:p>
+                      <a:pPr marL="0" marR="0" indent="0" algn="l" defTabSz="914400" rtl="0" eaLnBrk="1" fontAlgn="auto" latinLnBrk="1" hangingPunct="1">
+                        <a:lnSpc>
+                          <a:spcPct val="100000"/>
+                        </a:lnSpc>
+                        <a:spcBef>
+                          <a:spcPts val="0"/>
+                        </a:spcBef>
+                        <a:spcAft>
+                          <a:spcPts val="0"/>
+                        </a:spcAft>
+                        <a:buClrTx/>
+                        <a:buSzTx/>
+                        <a:buFontTx/>
+                        <a:buNone/>
+                        <a:tabLst/>
+                        <a:defRPr/>
+                      </a:pPr>
                       <a:endParaRPr lang="ko-KR" altLang="en-US" sz="1200" kern="1200" dirty="0">
                         <a:solidFill>
                           <a:schemeClr val="tx1"/>
@@ -11557,13 +11593,6 @@
       </p:transition>
     </mc:Fallback>
   </mc:AlternateContent>
-  <p:timing>
-    <p:tnLst>
-      <p:par>
-        <p:cTn id="1" dur="indefinite" restart="never" nodeType="tmRoot"/>
-      </p:par>
-    </p:tnLst>
-  </p:timing>
 </p:sld>
 </file>
 
@@ -11638,7 +11667,7 @@
           <a:lstStyle/>
           <a:p>
             <a:r>
-              <a:rPr lang="ko-KR" altLang="en-US" dirty="0" smtClean="0">
+              <a:rPr lang="ko-KR" altLang="en-US" dirty="0">
                 <a:solidFill>
                   <a:schemeClr val="accent1">
                     <a:lumMod val="75000"/>
@@ -11647,13 +11676,6 @@
               </a:rPr>
               <a:t>용어 정리</a:t>
             </a:r>
-            <a:endParaRPr lang="ko-KR" altLang="en-US" dirty="0">
-              <a:solidFill>
-                <a:schemeClr val="accent1">
-                  <a:lumMod val="75000"/>
-                </a:schemeClr>
-              </a:solidFill>
-            </a:endParaRPr>
           </a:p>
         </p:txBody>
       </p:sp>
@@ -11712,7 +11734,7 @@
           <a:p>
             <a:pPr algn="ctr"/>
             <a:r>
-              <a:rPr lang="ko-KR" altLang="en-US" sz="1200" smtClean="0">
+              <a:rPr lang="ko-KR" altLang="en-US" sz="1200">
                 <a:solidFill>
                   <a:schemeClr val="accent1">
                     <a:lumMod val="75000"/>
@@ -11779,14 +11801,14 @@
           <p:nvPr>
             <p:extLst>
               <p:ext uri="{D42A27DB-BD31-4B8C-83A1-F6EECF244321}">
-                <p14:modId xmlns:p14="http://schemas.microsoft.com/office/powerpoint/2010/main" val="3158390076"/>
+                <p14:modId xmlns:p14="http://schemas.microsoft.com/office/powerpoint/2010/main" val="1087891153"/>
               </p:ext>
             </p:extLst>
           </p:nvPr>
         </p:nvGraphicFramePr>
         <p:xfrm>
           <a:off x="475811" y="1135189"/>
-          <a:ext cx="8730712" cy="4919172"/>
+          <a:ext cx="8730712" cy="4553412"/>
         </p:xfrm>
         <a:graphic>
           <a:graphicData uri="http://schemas.openxmlformats.org/drawingml/2006/table">
@@ -11832,7 +11854,7 @@
                     <a:p>
                       <a:pPr algn="ctr" latinLnBrk="1"/>
                       <a:r>
-                        <a:rPr lang="ko-KR" altLang="en-US" sz="1200" dirty="0" smtClean="0">
+                        <a:rPr lang="ko-KR" altLang="en-US" sz="1200" dirty="0">
                           <a:solidFill>
                             <a:schemeClr val="bg1"/>
                           </a:solidFill>
@@ -11841,13 +11863,6 @@
                         </a:rPr>
                         <a:t>번호</a:t>
                       </a:r>
-                      <a:endParaRPr lang="ko-KR" altLang="en-US" sz="1200" dirty="0">
-                        <a:solidFill>
-                          <a:schemeClr val="bg1"/>
-                        </a:solidFill>
-                        <a:latin typeface="+mn-ea"/>
-                        <a:ea typeface="+mn-ea"/>
-                      </a:endParaRPr>
                     </a:p>
                   </a:txBody>
                   <a:tcPr anchor="ctr">
@@ -11875,7 +11890,7 @@
                     <a:p>
                       <a:pPr algn="ctr" latinLnBrk="1"/>
                       <a:r>
-                        <a:rPr lang="ko-KR" altLang="en-US" sz="1200" dirty="0" smtClean="0">
+                        <a:rPr lang="ko-KR" altLang="en-US" sz="1200" dirty="0">
                           <a:solidFill>
                             <a:schemeClr val="bg1"/>
                           </a:solidFill>
@@ -11884,13 +11899,6 @@
                         </a:rPr>
                         <a:t>약어</a:t>
                       </a:r>
-                      <a:endParaRPr lang="ko-KR" altLang="en-US" sz="1200" dirty="0">
-                        <a:solidFill>
-                          <a:schemeClr val="bg1"/>
-                        </a:solidFill>
-                        <a:latin typeface="+mn-ea"/>
-                        <a:ea typeface="+mn-ea"/>
-                      </a:endParaRPr>
                     </a:p>
                   </a:txBody>
                   <a:tcPr anchor="ctr">
@@ -11927,7 +11935,7 @@
                     <a:p>
                       <a:pPr algn="ctr" latinLnBrk="1"/>
                       <a:r>
-                        <a:rPr lang="ko-KR" altLang="en-US" sz="1200" dirty="0" err="1" smtClean="0">
+                        <a:rPr lang="ko-KR" altLang="en-US" sz="1200" dirty="0" err="1">
                           <a:solidFill>
                             <a:schemeClr val="bg1"/>
                           </a:solidFill>
@@ -11970,7 +11978,7 @@
                     <a:p>
                       <a:pPr algn="ctr" latinLnBrk="1"/>
                       <a:r>
-                        <a:rPr lang="ko-KR" altLang="en-US" sz="1200" dirty="0" smtClean="0">
+                        <a:rPr lang="ko-KR" altLang="en-US" sz="1200" dirty="0">
                           <a:solidFill>
                             <a:schemeClr val="bg1"/>
                           </a:solidFill>
@@ -11979,13 +11987,6 @@
                         </a:rPr>
                         <a:t>비고</a:t>
                       </a:r>
-                      <a:endParaRPr lang="ko-KR" altLang="en-US" sz="1200" dirty="0">
-                        <a:solidFill>
-                          <a:schemeClr val="bg1"/>
-                        </a:solidFill>
-                        <a:latin typeface="+mn-ea"/>
-                        <a:ea typeface="+mn-ea"/>
-                      </a:endParaRPr>
                     </a:p>
                   </a:txBody>
                   <a:tcPr anchor="ctr">
@@ -12011,7 +12012,7 @@
                     <a:p>
                       <a:pPr algn="ctr" latinLnBrk="1"/>
                       <a:r>
-                        <a:rPr lang="en-US" altLang="ko-KR" sz="1200" smtClean="0">
+                        <a:rPr lang="en-US" altLang="ko-KR" sz="1200">
                           <a:latin typeface="+mn-ea"/>
                           <a:ea typeface="+mn-ea"/>
                         </a:rPr>
@@ -12066,7 +12067,7 @@
                     <a:p>
                       <a:pPr latinLnBrk="1"/>
                       <a:r>
-                        <a:rPr lang="en-US" altLang="ko-KR" sz="1200" smtClean="0">
+                        <a:rPr lang="en-US" altLang="ko-KR" sz="1200">
                           <a:latin typeface="+mn-ea"/>
                           <a:ea typeface="+mn-ea"/>
                         </a:rPr>
@@ -12159,7 +12160,7 @@
                     <a:p>
                       <a:pPr latinLnBrk="1"/>
                       <a:r>
-                        <a:rPr lang="ko-KR" altLang="en-US" sz="1200" smtClean="0">
+                        <a:rPr lang="ko-KR" altLang="en-US" sz="1200">
                           <a:latin typeface="+mn-ea"/>
                           <a:ea typeface="+mn-ea"/>
                         </a:rPr>
@@ -12216,7 +12217,7 @@
                     <a:p>
                       <a:pPr algn="ctr" latinLnBrk="1"/>
                       <a:r>
-                        <a:rPr lang="en-US" altLang="ko-KR" sz="1200" smtClean="0">
+                        <a:rPr lang="en-US" altLang="ko-KR" sz="1200">
                           <a:latin typeface="+mn-ea"/>
                           <a:ea typeface="+mn-ea"/>
                         </a:rPr>
@@ -12279,7 +12280,7 @@
                     <a:p>
                       <a:pPr latinLnBrk="1"/>
                       <a:r>
-                        <a:rPr lang="en-US" altLang="ko-KR" sz="1200" smtClean="0">
+                        <a:rPr lang="en-US" altLang="ko-KR" sz="1200">
                           <a:latin typeface="+mn-ea"/>
                           <a:ea typeface="+mn-ea"/>
                         </a:rPr>
@@ -12388,7 +12389,7 @@
                     <a:p>
                       <a:pPr latinLnBrk="1"/>
                       <a:r>
-                        <a:rPr lang="ko-KR" altLang="en-US" sz="1200" kern="1200" smtClean="0">
+                        <a:rPr lang="ko-KR" altLang="en-US" sz="1200" kern="1200">
                           <a:solidFill>
                             <a:schemeClr val="tx1"/>
                           </a:solidFill>
@@ -12533,7 +12534,7 @@
                         <a:defRPr/>
                       </a:pPr>
                       <a:r>
-                        <a:rPr lang="en-US" altLang="ko-KR" sz="1200" kern="1200" smtClean="0">
+                        <a:rPr lang="en-US" altLang="ko-KR" sz="1200" kern="1200">
                           <a:solidFill>
                             <a:schemeClr val="tx1"/>
                           </a:solidFill>
@@ -12615,7 +12616,7 @@
                         <a:defRPr/>
                       </a:pPr>
                       <a:r>
-                        <a:rPr lang="en-US" altLang="ko-KR" sz="1200" kern="1200" smtClean="0">
+                        <a:rPr lang="en-US" altLang="ko-KR" sz="1200" kern="1200">
                           <a:solidFill>
                             <a:schemeClr val="tx1"/>
                           </a:solidFill>
@@ -12626,7 +12627,7 @@
                         <a:t>Received </a:t>
                       </a:r>
                       <a:r>
-                        <a:rPr lang="en-US" altLang="ko-KR" sz="1200" kern="1200" smtClean="0">
+                        <a:rPr lang="en-US" altLang="ko-KR" sz="1200" kern="1200">
                           <a:solidFill>
                             <a:schemeClr val="tx1"/>
                           </a:solidFill>
@@ -12638,7 +12639,7 @@
                         <a:t>Signal</a:t>
                       </a:r>
                       <a:r>
-                        <a:rPr lang="en-US" altLang="ko-KR" sz="1200" kern="1200" smtClean="0">
+                        <a:rPr lang="en-US" altLang="ko-KR" sz="1200" kern="1200">
                           <a:solidFill>
                             <a:schemeClr val="tx1"/>
                           </a:solidFill>
@@ -12649,7 +12650,7 @@
                         <a:t> Strength </a:t>
                       </a:r>
                       <a:r>
-                        <a:rPr lang="en-US" altLang="ko-KR" sz="1200" kern="1200" smtClean="0">
+                        <a:rPr lang="en-US" altLang="ko-KR" sz="1200" kern="1200">
                           <a:solidFill>
                             <a:schemeClr val="tx1"/>
                           </a:solidFill>
@@ -12732,7 +12733,7 @@
                         <a:defRPr/>
                       </a:pPr>
                       <a:r>
-                        <a:rPr lang="ko-KR" altLang="en-US" sz="1200" kern="1200" smtClean="0">
+                        <a:rPr lang="ko-KR" altLang="en-US" sz="1200" kern="1200">
                           <a:solidFill>
                             <a:schemeClr val="tx1"/>
                           </a:solidFill>
@@ -12744,7 +12745,7 @@
                         <a:t>잡음</a:t>
                       </a:r>
                       <a:r>
-                        <a:rPr lang="ko-KR" altLang="en-US" sz="1200" kern="1200" smtClean="0">
+                        <a:rPr lang="ko-KR" altLang="en-US" sz="1200" kern="1200">
                           <a:solidFill>
                             <a:schemeClr val="tx1"/>
                           </a:solidFill>
@@ -12755,7 +12756,7 @@
                         <a:t>이 포함된 무선</a:t>
                       </a:r>
                       <a:r>
-                        <a:rPr lang="en-US" altLang="ko-KR" sz="1200" kern="1200" smtClean="0">
+                        <a:rPr lang="en-US" altLang="ko-KR" sz="1200" kern="1200">
                           <a:solidFill>
                             <a:schemeClr val="tx1"/>
                           </a:solidFill>
@@ -12766,7 +12767,7 @@
                         <a:t>/</a:t>
                       </a:r>
                       <a:r>
-                        <a:rPr lang="en-US" altLang="ko-KR" sz="1200" kern="1200" smtClean="0">
+                        <a:rPr lang="en-US" altLang="ko-KR" sz="1200" kern="1200">
                           <a:solidFill>
                             <a:schemeClr val="tx1"/>
                           </a:solidFill>
@@ -12778,7 +12779,7 @@
                         <a:t>RF</a:t>
                       </a:r>
                       <a:r>
-                        <a:rPr lang="ko-KR" altLang="en-US" sz="1200" kern="1200" smtClean="0">
+                        <a:rPr lang="ko-KR" altLang="en-US" sz="1200" kern="1200">
                           <a:solidFill>
                             <a:schemeClr val="tx1"/>
                           </a:solidFill>
@@ -12789,7 +12790,7 @@
                         <a:t> </a:t>
                       </a:r>
                       <a:r>
-                        <a:rPr lang="en-US" altLang="ko-KR" sz="1200" kern="1200" smtClean="0">
+                        <a:rPr lang="en-US" altLang="ko-KR" sz="1200" kern="1200">
                           <a:solidFill>
                             <a:schemeClr val="tx1"/>
                           </a:solidFill>
@@ -12800,7 +12801,7 @@
                         <a:t>`</a:t>
                       </a:r>
                       <a:r>
-                        <a:rPr lang="ko-KR" altLang="en-US" sz="1200" kern="1200" smtClean="0">
+                        <a:rPr lang="ko-KR" altLang="en-US" sz="1200" kern="1200">
                           <a:solidFill>
                             <a:schemeClr val="tx1"/>
                           </a:solidFill>
@@ -12811,7 +12812,7 @@
                         <a:t>수신 </a:t>
                       </a:r>
                       <a:r>
-                        <a:rPr lang="ko-KR" altLang="en-US" sz="1200" kern="1200" smtClean="0">
+                        <a:rPr lang="ko-KR" altLang="en-US" sz="1200" kern="1200">
                           <a:solidFill>
                             <a:schemeClr val="tx1"/>
                           </a:solidFill>
@@ -12823,7 +12824,7 @@
                         <a:t>신호</a:t>
                       </a:r>
                       <a:r>
-                        <a:rPr lang="ko-KR" altLang="en-US" sz="1200" kern="1200" smtClean="0">
+                        <a:rPr lang="ko-KR" altLang="en-US" sz="1200" kern="1200">
                           <a:solidFill>
                             <a:schemeClr val="tx1"/>
                           </a:solidFill>
@@ -12834,7 +12835,7 @@
                         <a:t> 세기</a:t>
                       </a:r>
                       <a:r>
-                        <a:rPr lang="en-US" altLang="ko-KR" sz="1200" kern="1200" smtClean="0">
+                        <a:rPr lang="en-US" altLang="ko-KR" sz="1200" kern="1200">
                           <a:solidFill>
                             <a:schemeClr val="tx1"/>
                           </a:solidFill>
@@ -12845,7 +12846,7 @@
                         <a:t>`</a:t>
                       </a:r>
                       <a:r>
-                        <a:rPr lang="ko-KR" altLang="en-US" sz="1200" kern="1200" smtClean="0">
+                        <a:rPr lang="ko-KR" altLang="en-US" sz="1200" kern="1200">
                           <a:solidFill>
                             <a:schemeClr val="tx1"/>
                           </a:solidFill>
@@ -12965,17 +12966,6 @@
                     <a:lstStyle/>
                     <a:p>
                       <a:pPr marL="0" algn="l" defTabSz="914400" rtl="0" eaLnBrk="1" latinLnBrk="1" hangingPunct="1"/>
-                      <a:r>
-                        <a:rPr lang="en-US" altLang="ko-KR" sz="1200" kern="1200" smtClean="0">
-                          <a:solidFill>
-                            <a:schemeClr val="tx1"/>
-                          </a:solidFill>
-                          <a:latin typeface="+mn-lt"/>
-                          <a:ea typeface="+mn-ea"/>
-                          <a:cs typeface="+mn-cs"/>
-                        </a:rPr>
-                        <a:t>Carrier RSSI</a:t>
-                      </a:r>
                       <a:endParaRPr lang="ko-KR" altLang="en-US" sz="1200" kern="1200" dirty="0">
                         <a:solidFill>
                           <a:schemeClr val="tx1"/>
@@ -13086,116 +13076,6 @@
                     <a:lstStyle/>
                     <a:p>
                       <a:pPr marL="0" algn="l" defTabSz="914400" rtl="0" eaLnBrk="1" latinLnBrk="1" hangingPunct="1"/>
-                      <a:r>
-                        <a:rPr lang="ko-KR" altLang="en-US" sz="1200" kern="1200" smtClean="0">
-                          <a:solidFill>
-                            <a:schemeClr val="tx1"/>
-                          </a:solidFill>
-                          <a:latin typeface="+mn-lt"/>
-                          <a:ea typeface="+mn-ea"/>
-                          <a:cs typeface="+mn-cs"/>
-                        </a:rPr>
-                        <a:t>동일 채널</a:t>
-                      </a:r>
-                      <a:r>
-                        <a:rPr lang="en-US" altLang="ko-KR" sz="1200" kern="1200" smtClean="0">
-                          <a:solidFill>
-                            <a:schemeClr val="tx1"/>
-                          </a:solidFill>
-                          <a:latin typeface="+mn-lt"/>
-                          <a:ea typeface="+mn-ea"/>
-                          <a:cs typeface="+mn-cs"/>
-                        </a:rPr>
-                        <a:t>(</a:t>
-                      </a:r>
-                      <a:r>
-                        <a:rPr lang="ko-KR" altLang="en-US" sz="1200" kern="1200" smtClean="0">
-                          <a:solidFill>
-                            <a:schemeClr val="tx1"/>
-                          </a:solidFill>
-                          <a:latin typeface="+mn-lt"/>
-                          <a:ea typeface="+mn-ea"/>
-                          <a:cs typeface="+mn-cs"/>
-                        </a:rPr>
-                        <a:t>주파수</a:t>
-                      </a:r>
-                      <a:r>
-                        <a:rPr lang="en-US" altLang="ko-KR" sz="1200" kern="1200" smtClean="0">
-                          <a:solidFill>
-                            <a:schemeClr val="tx1"/>
-                          </a:solidFill>
-                          <a:latin typeface="+mn-lt"/>
-                          <a:ea typeface="+mn-ea"/>
-                          <a:cs typeface="+mn-cs"/>
-                        </a:rPr>
-                        <a:t>)</a:t>
-                      </a:r>
-                      <a:r>
-                        <a:rPr lang="ko-KR" altLang="en-US" sz="1200" kern="1200" smtClean="0">
-                          <a:solidFill>
-                            <a:schemeClr val="tx1"/>
-                          </a:solidFill>
-                          <a:latin typeface="+mn-lt"/>
-                          <a:ea typeface="+mn-ea"/>
-                          <a:cs typeface="+mn-cs"/>
-                        </a:rPr>
-                        <a:t>에 있는 </a:t>
-                      </a:r>
-                      <a:r>
-                        <a:rPr lang="en-US" altLang="ko-KR" sz="1200" kern="1200" smtClean="0">
-                          <a:solidFill>
-                            <a:schemeClr val="tx1"/>
-                          </a:solidFill>
-                          <a:latin typeface="+mn-lt"/>
-                          <a:ea typeface="+mn-ea"/>
-                          <a:cs typeface="+mn-cs"/>
-                        </a:rPr>
-                        <a:t>serving &amp; non-serving cell</a:t>
-                      </a:r>
-                      <a:r>
-                        <a:rPr lang="ko-KR" altLang="en-US" sz="1200" kern="1200" smtClean="0">
-                          <a:solidFill>
-                            <a:schemeClr val="tx1"/>
-                          </a:solidFill>
-                          <a:latin typeface="+mn-lt"/>
-                          <a:ea typeface="+mn-ea"/>
-                          <a:cs typeface="+mn-cs"/>
-                        </a:rPr>
-                        <a:t>의 신호 세기와 인접 채널 간섭</a:t>
-                      </a:r>
-                      <a:r>
-                        <a:rPr lang="en-US" altLang="ko-KR" sz="1200" kern="1200" smtClean="0">
-                          <a:solidFill>
-                            <a:schemeClr val="tx1"/>
-                          </a:solidFill>
-                          <a:latin typeface="+mn-lt"/>
-                          <a:ea typeface="+mn-ea"/>
-                          <a:cs typeface="+mn-cs"/>
-                        </a:rPr>
-                        <a:t>, </a:t>
-                      </a:r>
-                      <a:r>
-                        <a:rPr lang="ko-KR" altLang="en-US" sz="1200" kern="1200" smtClean="0">
-                          <a:solidFill>
-                            <a:schemeClr val="tx1"/>
-                          </a:solidFill>
-                          <a:latin typeface="+mn-lt"/>
-                          <a:ea typeface="+mn-ea"/>
-                          <a:cs typeface="+mn-cs"/>
-                        </a:rPr>
-                        <a:t>열잡음 등을 포함한다</a:t>
-                      </a:r>
-                      <a:r>
-                        <a:rPr lang="en-US" altLang="ko-KR" sz="1200" kern="1200" smtClean="0">
-                          <a:solidFill>
-                            <a:schemeClr val="tx1"/>
-                          </a:solidFill>
-                          <a:latin typeface="+mn-lt"/>
-                          <a:ea typeface="+mn-ea"/>
-                          <a:cs typeface="+mn-cs"/>
-                        </a:rPr>
-                        <a:t>.</a:t>
-                      </a:r>
                       <a:endParaRPr lang="ko-KR" altLang="en-US" sz="1200" kern="1200" dirty="0">
                         <a:solidFill>
                           <a:schemeClr val="tx1"/>
@@ -13311,7 +13191,7 @@
                         <a:defRPr/>
                       </a:pPr>
                       <a:r>
-                        <a:rPr lang="en-US" altLang="ko-KR" sz="1200" kern="1200" smtClean="0">
+                        <a:rPr lang="en-US" altLang="ko-KR" sz="1200" kern="1200">
                           <a:solidFill>
                             <a:schemeClr val="tx1"/>
                           </a:solidFill>
@@ -13440,7 +13320,7 @@
                         <a:defRPr/>
                       </a:pPr>
                       <a:r>
-                        <a:rPr lang="ko-KR" altLang="en-US" sz="1200" kern="1200" smtClean="0">
+                        <a:rPr lang="ko-KR" altLang="en-US" sz="1200" kern="1200">
                           <a:solidFill>
                             <a:schemeClr val="tx1"/>
                           </a:solidFill>
@@ -13451,7 +13331,7 @@
                         <a:t>지상에서 위성으로 보내는 통신 링크를 뜻한다</a:t>
                       </a:r>
                       <a:r>
-                        <a:rPr lang="en-US" altLang="ko-KR" sz="1200" kern="1200" smtClean="0">
+                        <a:rPr lang="en-US" altLang="ko-KR" sz="1200" kern="1200">
                           <a:solidFill>
                             <a:schemeClr val="tx1"/>
                           </a:solidFill>
@@ -13572,7 +13452,7 @@
                         <a:defRPr/>
                       </a:pPr>
                       <a:r>
-                        <a:rPr lang="en-US" altLang="ko-KR" sz="1200" kern="1200" smtClean="0">
+                        <a:rPr lang="en-US" altLang="ko-KR" sz="1200" kern="1200">
                           <a:solidFill>
                             <a:schemeClr val="tx1"/>
                           </a:solidFill>
@@ -13642,7 +13522,7 @@
                         <a:defRPr/>
                       </a:pPr>
                       <a:r>
-                        <a:rPr lang="en-US" altLang="ko-KR" sz="1200" kern="1200" smtClean="0">
+                        <a:rPr lang="en-US" altLang="ko-KR" sz="1200" kern="1200">
                           <a:solidFill>
                             <a:schemeClr val="tx1"/>
                           </a:solidFill>
@@ -13712,7 +13592,7 @@
                         <a:defRPr/>
                       </a:pPr>
                       <a:r>
-                        <a:rPr lang="ko-KR" altLang="en-US" sz="1200" kern="1200" smtClean="0">
+                        <a:rPr lang="ko-KR" altLang="en-US" sz="1200" kern="1200">
                           <a:solidFill>
                             <a:schemeClr val="tx1"/>
                           </a:solidFill>
@@ -13833,7 +13713,7 @@
                         <a:defRPr/>
                       </a:pPr>
                       <a:r>
-                        <a:rPr lang="en-US" altLang="ko-KR" sz="1200" kern="1200" smtClean="0">
+                        <a:rPr lang="en-US" altLang="ko-KR" sz="1200" kern="1200">
                           <a:solidFill>
                             <a:schemeClr val="tx1"/>
                           </a:solidFill>
@@ -13903,7 +13783,7 @@
                         <a:defRPr/>
                       </a:pPr>
                       <a:r>
-                        <a:rPr lang="en-US" altLang="ko-KR" sz="1200" kern="1200" smtClean="0">
+                        <a:rPr lang="en-US" altLang="ko-KR" sz="1200" kern="1200">
                           <a:solidFill>
                             <a:schemeClr val="tx1"/>
                           </a:solidFill>
@@ -13973,7 +13853,7 @@
                         <a:defRPr/>
                       </a:pPr>
                       <a:r>
-                        <a:rPr lang="ko-KR" altLang="en-US" sz="1200" kern="1200" smtClean="0">
+                        <a:rPr lang="ko-KR" altLang="en-US" sz="1200" kern="1200">
                           <a:solidFill>
                             <a:schemeClr val="tx1"/>
                           </a:solidFill>
@@ -14094,7 +13974,7 @@
                         <a:defRPr/>
                       </a:pPr>
                       <a:r>
-                        <a:rPr lang="en-US" altLang="ko-KR" sz="1200" kern="1200" smtClean="0">
+                        <a:rPr lang="en-US" altLang="ko-KR" sz="1200" kern="1200">
                           <a:solidFill>
                             <a:schemeClr val="tx1"/>
                           </a:solidFill>
@@ -14164,7 +14044,7 @@
                         <a:defRPr/>
                       </a:pPr>
                       <a:r>
-                        <a:rPr lang="en-US" altLang="ko-KR" sz="1200" kern="1200" smtClean="0">
+                        <a:rPr lang="en-US" altLang="ko-KR" sz="1200" kern="1200">
                           <a:solidFill>
                             <a:schemeClr val="tx1"/>
                           </a:solidFill>
@@ -14234,7 +14114,7 @@
                         <a:defRPr/>
                       </a:pPr>
                       <a:r>
-                        <a:rPr lang="ko-KR" altLang="en-US" sz="1200" kern="1200" smtClean="0">
+                        <a:rPr lang="ko-KR" altLang="en-US" sz="1200" kern="1200">
                           <a:solidFill>
                             <a:schemeClr val="tx1"/>
                           </a:solidFill>
@@ -14473,7 +14353,7 @@
                         <a:defRPr/>
                       </a:pPr>
                       <a:r>
-                        <a:rPr lang="en-US" altLang="ko-KR" sz="1800" b="0" i="0" u="none" strike="noStrike" kern="1200" smtClean="0">
+                        <a:rPr lang="en-US" altLang="ko-KR" sz="1800" b="0" i="0" u="none" strike="noStrike" kern="1200">
                           <a:solidFill>
                             <a:schemeClr val="tx1"/>
                           </a:solidFill>
@@ -15449,13 +15329,314 @@
       </p:transition>
     </mc:Fallback>
   </mc:AlternateContent>
-  <p:timing>
-    <p:tnLst>
-      <p:par>
-        <p:cTn id="1" dur="indefinite" restart="never" nodeType="tmRoot"/>
-      </p:par>
-    </p:tnLst>
-  </p:timing>
+</p:sld>
+</file>
+
+<file path=ppt/slides/slide9.xml><?xml version="1.0" encoding="utf-8"?>
+<p:sld xmlns:a="http://schemas.openxmlformats.org/drawingml/2006/main" xmlns:r="http://schemas.openxmlformats.org/officeDocument/2006/relationships" xmlns:p="http://schemas.openxmlformats.org/presentationml/2006/main">
+  <p:cSld>
+    <p:spTree>
+      <p:nvGrpSpPr>
+        <p:cNvPr id="1" name=""/>
+        <p:cNvGrpSpPr/>
+        <p:nvPr/>
+      </p:nvGrpSpPr>
+      <p:grpSpPr>
+        <a:xfrm>
+          <a:off x="0" y="0"/>
+          <a:ext cx="0" cy="0"/>
+          <a:chOff x="0" y="0"/>
+          <a:chExt cx="0" cy="0"/>
+        </a:xfrm>
+      </p:grpSpPr>
+      <p:cxnSp>
+        <p:nvCxnSpPr>
+          <p:cNvPr id="6" name="직선 연결선 5"/>
+          <p:cNvCxnSpPr/>
+          <p:nvPr/>
+        </p:nvCxnSpPr>
+        <p:spPr>
+          <a:xfrm>
+            <a:off x="74815" y="723206"/>
+            <a:ext cx="11995265" cy="0"/>
+          </a:xfrm>
+          <a:prstGeom prst="line">
+            <a:avLst/>
+          </a:prstGeom>
+          <a:ln w="38100"/>
+        </p:spPr>
+        <p:style>
+          <a:lnRef idx="1">
+            <a:schemeClr val="accent1"/>
+          </a:lnRef>
+          <a:fillRef idx="0">
+            <a:schemeClr val="accent1"/>
+          </a:fillRef>
+          <a:effectRef idx="0">
+            <a:schemeClr val="accent1"/>
+          </a:effectRef>
+          <a:fontRef idx="minor">
+            <a:schemeClr val="tx1"/>
+          </a:fontRef>
+        </p:style>
+      </p:cxnSp>
+      <p:sp>
+        <p:nvSpPr>
+          <p:cNvPr id="7" name="TextBox 6"/>
+          <p:cNvSpPr txBox="1"/>
+          <p:nvPr/>
+        </p:nvSpPr>
+        <p:spPr>
+          <a:xfrm>
+            <a:off x="389544" y="233219"/>
+            <a:ext cx="3108960" cy="369332"/>
+          </a:xfrm>
+          <a:prstGeom prst="rect">
+            <a:avLst/>
+          </a:prstGeom>
+          <a:noFill/>
+        </p:spPr>
+        <p:txBody>
+          <a:bodyPr wrap="square" rtlCol="0">
+            <a:spAutoFit/>
+          </a:bodyPr>
+          <a:lstStyle/>
+          <a:p>
+            <a:r>
+              <a:rPr lang="ko-KR" altLang="en-US" dirty="0">
+                <a:solidFill>
+                  <a:schemeClr val="accent1">
+                    <a:lumMod val="75000"/>
+                  </a:schemeClr>
+                </a:solidFill>
+              </a:rPr>
+              <a:t>용어 정리</a:t>
+            </a:r>
+          </a:p>
+        </p:txBody>
+      </p:sp>
+      <p:cxnSp>
+        <p:nvCxnSpPr>
+          <p:cNvPr id="13" name="직선 연결선 12"/>
+          <p:cNvCxnSpPr/>
+          <p:nvPr/>
+        </p:nvCxnSpPr>
+        <p:spPr>
+          <a:xfrm>
+            <a:off x="74815" y="6349306"/>
+            <a:ext cx="11995265" cy="0"/>
+          </a:xfrm>
+          <a:prstGeom prst="line">
+            <a:avLst/>
+          </a:prstGeom>
+          <a:ln w="12700"/>
+        </p:spPr>
+        <p:style>
+          <a:lnRef idx="1">
+            <a:schemeClr val="accent1"/>
+          </a:lnRef>
+          <a:fillRef idx="0">
+            <a:schemeClr val="accent1"/>
+          </a:fillRef>
+          <a:effectRef idx="0">
+            <a:schemeClr val="accent1"/>
+          </a:effectRef>
+          <a:fontRef idx="minor">
+            <a:schemeClr val="tx1"/>
+          </a:fontRef>
+        </p:style>
+      </p:cxnSp>
+      <p:sp>
+        <p:nvSpPr>
+          <p:cNvPr id="15" name="TextBox 14"/>
+          <p:cNvSpPr txBox="1"/>
+          <p:nvPr/>
+        </p:nvSpPr>
+        <p:spPr>
+          <a:xfrm>
+            <a:off x="10148215" y="6461880"/>
+            <a:ext cx="1930419" cy="276999"/>
+          </a:xfrm>
+          <a:prstGeom prst="rect">
+            <a:avLst/>
+          </a:prstGeom>
+          <a:noFill/>
+        </p:spPr>
+        <p:txBody>
+          <a:bodyPr wrap="square" rtlCol="0">
+            <a:spAutoFit/>
+          </a:bodyPr>
+          <a:lstStyle/>
+          <a:p>
+            <a:pPr algn="ctr"/>
+            <a:r>
+              <a:rPr lang="ko-KR" altLang="en-US" sz="1200">
+                <a:solidFill>
+                  <a:schemeClr val="accent1">
+                    <a:lumMod val="75000"/>
+                  </a:schemeClr>
+                </a:solidFill>
+              </a:rPr>
+              <a:t>누리꿈소프트</a:t>
+            </a:r>
+            <a:endParaRPr lang="ko-KR" altLang="en-US" sz="1200" dirty="0">
+              <a:solidFill>
+                <a:schemeClr val="accent1">
+                  <a:lumMod val="75000"/>
+                </a:schemeClr>
+              </a:solidFill>
+            </a:endParaRPr>
+          </a:p>
+        </p:txBody>
+      </p:sp>
+      <p:sp>
+        <p:nvSpPr>
+          <p:cNvPr id="3" name="AutoShape 2" descr="spatial dataì ëí ì´ë¯¸ì§ ê²ìê²°ê³¼"/>
+          <p:cNvSpPr>
+            <a:spLocks noChangeAspect="1" noChangeArrowheads="1"/>
+          </p:cNvSpPr>
+          <p:nvPr/>
+        </p:nvSpPr>
+        <p:spPr bwMode="auto">
+          <a:xfrm>
+            <a:off x="155575" y="-144463"/>
+            <a:ext cx="304800" cy="304801"/>
+          </a:xfrm>
+          <a:prstGeom prst="rect">
+            <a:avLst/>
+          </a:prstGeom>
+          <a:noFill/>
+          <a:extLst>
+            <a:ext uri="{909E8E84-426E-40DD-AFC4-6F175D3DCCD1}">
+              <a14:hiddenFill xmlns:a14="http://schemas.microsoft.com/office/drawing/2010/main">
+                <a:solidFill>
+                  <a:srgbClr val="FFFFFF"/>
+                </a:solidFill>
+              </a14:hiddenFill>
+            </a:ext>
+          </a:extLst>
+        </p:spPr>
+        <p:txBody>
+          <a:bodyPr vert="horz" wrap="square" lIns="91440" tIns="45720" rIns="91440" bIns="45720" numCol="1" anchor="t" anchorCtr="0" compatLnSpc="1">
+            <a:prstTxWarp prst="textNoShape">
+              <a:avLst/>
+            </a:prstTxWarp>
+          </a:bodyPr>
+          <a:lstStyle/>
+          <a:p>
+            <a:endParaRPr lang="ko-KR" altLang="en-US"/>
+          </a:p>
+        </p:txBody>
+      </p:sp>
+      <p:sp>
+        <p:nvSpPr>
+          <p:cNvPr id="2" name="직사각형 1">
+            <a:extLst>
+              <a:ext uri="{FF2B5EF4-FFF2-40B4-BE49-F238E27FC236}">
+                <a16:creationId xmlns:a16="http://schemas.microsoft.com/office/drawing/2014/main" id="{C0C1E6C3-EDEC-4D18-B5A3-994769B82C15}"/>
+              </a:ext>
+            </a:extLst>
+          </p:cNvPr>
+          <p:cNvSpPr/>
+          <p:nvPr/>
+        </p:nvSpPr>
+        <p:spPr>
+          <a:xfrm>
+            <a:off x="672859" y="1354350"/>
+            <a:ext cx="9074989" cy="923330"/>
+          </a:xfrm>
+          <a:prstGeom prst="rect">
+            <a:avLst/>
+          </a:prstGeom>
+        </p:spPr>
+        <p:txBody>
+          <a:bodyPr wrap="square">
+            <a:spAutoFit/>
+          </a:bodyPr>
+          <a:lstStyle/>
+          <a:p>
+            <a:r>
+              <a:rPr lang="ko-KR" altLang="en-US" dirty="0" err="1"/>
+              <a:t>rsrp</a:t>
+            </a:r>
+            <a:r>
+              <a:rPr lang="ko-KR" altLang="en-US" dirty="0"/>
+              <a:t> : 단말기의 </a:t>
+            </a:r>
+            <a:r>
+              <a:rPr lang="ko-KR" altLang="en-US" dirty="0" err="1"/>
+              <a:t>신호값</a:t>
+            </a:r>
+            <a:endParaRPr lang="ko-KR" altLang="en-US" dirty="0"/>
+          </a:p>
+          <a:p>
+            <a:r>
+              <a:rPr lang="ko-KR" altLang="en-US" dirty="0" err="1"/>
+              <a:t>rsrq</a:t>
+            </a:r>
+            <a:r>
+              <a:rPr lang="ko-KR" altLang="en-US" dirty="0"/>
+              <a:t> : 단말기에서 기지국까지의 거리(-0:가장 좋음, -106이상:불량, -70~-100:보통)</a:t>
+            </a:r>
+          </a:p>
+          <a:p>
+            <a:r>
+              <a:rPr lang="ko-KR" altLang="en-US" dirty="0" err="1"/>
+              <a:t>sinr</a:t>
+            </a:r>
+            <a:r>
+              <a:rPr lang="ko-KR" altLang="en-US" dirty="0"/>
+              <a:t> : 값은 </a:t>
+            </a:r>
+            <a:r>
+              <a:rPr lang="ko-KR" altLang="en-US" dirty="0" err="1"/>
+              <a:t>신호값에서</a:t>
+            </a:r>
+            <a:r>
+              <a:rPr lang="ko-KR" altLang="en-US" dirty="0"/>
+              <a:t> 속도(</a:t>
+            </a:r>
+            <a:r>
+              <a:rPr lang="ko-KR" altLang="en-US" dirty="0" err="1"/>
+              <a:t>양수:잘</a:t>
+            </a:r>
+            <a:r>
+              <a:rPr lang="ko-KR" altLang="en-US" dirty="0"/>
+              <a:t> 터진다 </a:t>
+            </a:r>
+            <a:r>
+              <a:rPr lang="ko-KR" altLang="en-US" dirty="0" err="1"/>
+              <a:t>음수:안</a:t>
+            </a:r>
+            <a:r>
+              <a:rPr lang="ko-KR" altLang="en-US" dirty="0"/>
+              <a:t> 터진다)</a:t>
+            </a:r>
+          </a:p>
+        </p:txBody>
+      </p:sp>
+    </p:spTree>
+    <p:extLst>
+      <p:ext uri="{BB962C8B-B14F-4D97-AF65-F5344CB8AC3E}">
+        <p14:creationId xmlns:p14="http://schemas.microsoft.com/office/powerpoint/2010/main" val="3910080277"/>
+      </p:ext>
+    </p:extLst>
+  </p:cSld>
+  <p:clrMapOvr>
+    <a:masterClrMapping/>
+  </p:clrMapOvr>
+  <mc:AlternateContent xmlns:mc="http://schemas.openxmlformats.org/markup-compatibility/2006" xmlns:p14="http://schemas.microsoft.com/office/powerpoint/2010/main">
+    <mc:Choice Requires="p14">
+      <p:transition spd="med" p14:dur="700">
+        <p:fade/>
+      </p:transition>
+    </mc:Choice>
+    <mc:Fallback xmlns="">
+      <p:transition spd="med">
+        <p:fade/>
+      </p:transition>
+    </mc:Fallback>
+  </mc:AlternateContent>
 </p:sld>
 </file>
 

--- a/eos/01.분석/지도데이터분석.pptx
+++ b/eos/01.분석/지도데이터분석.pptx
@@ -13,7 +13,6 @@
     <p:sldId id="260" r:id="rId7"/>
     <p:sldId id="262" r:id="rId8"/>
     <p:sldId id="263" r:id="rId9"/>
-    <p:sldId id="264" r:id="rId10"/>
   </p:sldIdLst>
   <p:sldSz cx="12192000" cy="6858000"/>
   <p:notesSz cx="6858000" cy="9144000"/>
@@ -249,7 +248,7 @@
           <a:p>
             <a:fld id="{B8436654-B38F-40F5-B0F2-A206AD6CFCA5}" type="datetimeFigureOut">
               <a:rPr lang="ko-KR" altLang="en-US" smtClean="0"/>
-              <a:t>2019-10-21</a:t>
+              <a:t>2019-10-24</a:t>
             </a:fld>
             <a:endParaRPr lang="ko-KR" altLang="en-US"/>
           </a:p>
@@ -417,7 +416,7 @@
           <a:p>
             <a:fld id="{B8436654-B38F-40F5-B0F2-A206AD6CFCA5}" type="datetimeFigureOut">
               <a:rPr lang="ko-KR" altLang="en-US" smtClean="0"/>
-              <a:t>2019-10-21</a:t>
+              <a:t>2019-10-24</a:t>
             </a:fld>
             <a:endParaRPr lang="ko-KR" altLang="en-US"/>
           </a:p>
@@ -595,7 +594,7 @@
           <a:p>
             <a:fld id="{B8436654-B38F-40F5-B0F2-A206AD6CFCA5}" type="datetimeFigureOut">
               <a:rPr lang="ko-KR" altLang="en-US" smtClean="0"/>
-              <a:t>2019-10-21</a:t>
+              <a:t>2019-10-24</a:t>
             </a:fld>
             <a:endParaRPr lang="ko-KR" altLang="en-US"/>
           </a:p>
@@ -763,7 +762,7 @@
           <a:p>
             <a:fld id="{B8436654-B38F-40F5-B0F2-A206AD6CFCA5}" type="datetimeFigureOut">
               <a:rPr lang="ko-KR" altLang="en-US" smtClean="0"/>
-              <a:t>2019-10-21</a:t>
+              <a:t>2019-10-24</a:t>
             </a:fld>
             <a:endParaRPr lang="ko-KR" altLang="en-US"/>
           </a:p>
@@ -1008,7 +1007,7 @@
           <a:p>
             <a:fld id="{B8436654-B38F-40F5-B0F2-A206AD6CFCA5}" type="datetimeFigureOut">
               <a:rPr lang="ko-KR" altLang="en-US" smtClean="0"/>
-              <a:t>2019-10-21</a:t>
+              <a:t>2019-10-24</a:t>
             </a:fld>
             <a:endParaRPr lang="ko-KR" altLang="en-US"/>
           </a:p>
@@ -1237,7 +1236,7 @@
           <a:p>
             <a:fld id="{B8436654-B38F-40F5-B0F2-A206AD6CFCA5}" type="datetimeFigureOut">
               <a:rPr lang="ko-KR" altLang="en-US" smtClean="0"/>
-              <a:t>2019-10-21</a:t>
+              <a:t>2019-10-24</a:t>
             </a:fld>
             <a:endParaRPr lang="ko-KR" altLang="en-US"/>
           </a:p>
@@ -1601,7 +1600,7 @@
           <a:p>
             <a:fld id="{B8436654-B38F-40F5-B0F2-A206AD6CFCA5}" type="datetimeFigureOut">
               <a:rPr lang="ko-KR" altLang="en-US" smtClean="0"/>
-              <a:t>2019-10-21</a:t>
+              <a:t>2019-10-24</a:t>
             </a:fld>
             <a:endParaRPr lang="ko-KR" altLang="en-US"/>
           </a:p>
@@ -1718,7 +1717,7 @@
           <a:p>
             <a:fld id="{B8436654-B38F-40F5-B0F2-A206AD6CFCA5}" type="datetimeFigureOut">
               <a:rPr lang="ko-KR" altLang="en-US" smtClean="0"/>
-              <a:t>2019-10-21</a:t>
+              <a:t>2019-10-24</a:t>
             </a:fld>
             <a:endParaRPr lang="ko-KR" altLang="en-US"/>
           </a:p>
@@ -1813,7 +1812,7 @@
           <a:p>
             <a:fld id="{B8436654-B38F-40F5-B0F2-A206AD6CFCA5}" type="datetimeFigureOut">
               <a:rPr lang="ko-KR" altLang="en-US" smtClean="0"/>
-              <a:t>2019-10-21</a:t>
+              <a:t>2019-10-24</a:t>
             </a:fld>
             <a:endParaRPr lang="ko-KR" altLang="en-US"/>
           </a:p>
@@ -2088,7 +2087,7 @@
           <a:p>
             <a:fld id="{B8436654-B38F-40F5-B0F2-A206AD6CFCA5}" type="datetimeFigureOut">
               <a:rPr lang="ko-KR" altLang="en-US" smtClean="0"/>
-              <a:t>2019-10-21</a:t>
+              <a:t>2019-10-24</a:t>
             </a:fld>
             <a:endParaRPr lang="ko-KR" altLang="en-US"/>
           </a:p>
@@ -2340,7 +2339,7 @@
           <a:p>
             <a:fld id="{B8436654-B38F-40F5-B0F2-A206AD6CFCA5}" type="datetimeFigureOut">
               <a:rPr lang="ko-KR" altLang="en-US" smtClean="0"/>
-              <a:t>2019-10-21</a:t>
+              <a:t>2019-10-24</a:t>
             </a:fld>
             <a:endParaRPr lang="ko-KR" altLang="en-US"/>
           </a:p>
@@ -2551,7 +2550,7 @@
           <a:p>
             <a:fld id="{B8436654-B38F-40F5-B0F2-A206AD6CFCA5}" type="datetimeFigureOut">
               <a:rPr lang="ko-KR" altLang="en-US" smtClean="0"/>
-              <a:t>2019-10-21</a:t>
+              <a:t>2019-10-24</a:t>
             </a:fld>
             <a:endParaRPr lang="ko-KR" altLang="en-US"/>
           </a:p>
@@ -7503,7 +7502,7 @@
           <p:nvPr>
             <p:extLst>
               <p:ext uri="{D42A27DB-BD31-4B8C-83A1-F6EECF244321}">
-                <p14:modId xmlns:p14="http://schemas.microsoft.com/office/powerpoint/2010/main" val="16459141"/>
+                <p14:modId xmlns:p14="http://schemas.microsoft.com/office/powerpoint/2010/main" val="16551005"/>
               </p:ext>
             </p:extLst>
           </p:nvPr>
@@ -9944,6 +9943,17 @@
                         <a:tabLst/>
                         <a:defRPr/>
                       </a:pPr>
+                      <a:r>
+                        <a:rPr lang="en-US" altLang="ko-KR" sz="1200" kern="1200">
+                          <a:solidFill>
+                            <a:schemeClr val="tx1"/>
+                          </a:solidFill>
+                          <a:latin typeface="+mn-ea"/>
+                          <a:ea typeface="+mn-ea"/>
+                          <a:cs typeface="+mn-cs"/>
+                        </a:rPr>
+                        <a:t>Radio Unit</a:t>
+                      </a:r>
                       <a:endParaRPr lang="ko-KR" altLang="en-US" sz="1200" kern="1200" dirty="0">
                         <a:solidFill>
                           <a:schemeClr val="tx1"/>
@@ -10202,6 +10212,17 @@
                         <a:tabLst/>
                         <a:defRPr/>
                       </a:pPr>
+                      <a:r>
+                        <a:rPr lang="en-US" altLang="ko-KR" sz="1200" kern="1200">
+                          <a:solidFill>
+                            <a:schemeClr val="tx1"/>
+                          </a:solidFill>
+                          <a:latin typeface="+mn-ea"/>
+                          <a:ea typeface="+mn-ea"/>
+                          <a:cs typeface="+mn-cs"/>
+                        </a:rPr>
+                        <a:t>Digital Unit</a:t>
+                      </a:r>
                       <a:endParaRPr lang="ko-KR" altLang="en-US" sz="1200" kern="1200" dirty="0">
                         <a:solidFill>
                           <a:schemeClr val="tx1"/>
@@ -11801,14 +11822,14 @@
           <p:nvPr>
             <p:extLst>
               <p:ext uri="{D42A27DB-BD31-4B8C-83A1-F6EECF244321}">
-                <p14:modId xmlns:p14="http://schemas.microsoft.com/office/powerpoint/2010/main" val="1087891153"/>
+                <p14:modId xmlns:p14="http://schemas.microsoft.com/office/powerpoint/2010/main" val="2086291349"/>
               </p:ext>
             </p:extLst>
           </p:nvPr>
         </p:nvGraphicFramePr>
         <p:xfrm>
           <a:off x="475811" y="1135189"/>
-          <a:ext cx="8730712" cy="4553412"/>
+          <a:ext cx="8730712" cy="4425296"/>
         </p:xfrm>
         <a:graphic>
           <a:graphicData uri="http://schemas.openxmlformats.org/drawingml/2006/table">
@@ -12740,121 +12761,8 @@
                           <a:latin typeface="+mn-ea"/>
                           <a:ea typeface="+mn-ea"/>
                           <a:cs typeface="+mn-cs"/>
-                          <a:hlinkClick r:id="rId4" tooltip=" 잡음/소음 (Noise) ㅇ 원하는 신호의 전송 및 처리를 방해하는 `원치않는 파형/소리`   - 정보를 포함하고 있지 않는 신호   - 유용한 정보 신호에 더해져서(부가되어,additive) 나타남   - "/>
                         </a:rPr>
-                        <a:t>잡음</a:t>
-                      </a:r>
-                      <a:r>
-                        <a:rPr lang="ko-KR" altLang="en-US" sz="1200" kern="1200">
-                          <a:solidFill>
-                            <a:schemeClr val="tx1"/>
-                          </a:solidFill>
-                          <a:latin typeface="+mn-ea"/>
-                          <a:ea typeface="+mn-ea"/>
-                          <a:cs typeface="+mn-cs"/>
-                        </a:rPr>
-                        <a:t>이 포함된 무선</a:t>
-                      </a:r>
-                      <a:r>
-                        <a:rPr lang="en-US" altLang="ko-KR" sz="1200" kern="1200">
-                          <a:solidFill>
-                            <a:schemeClr val="tx1"/>
-                          </a:solidFill>
-                          <a:latin typeface="+mn-ea"/>
-                          <a:ea typeface="+mn-ea"/>
-                          <a:cs typeface="+mn-cs"/>
-                        </a:rPr>
-                        <a:t>/</a:t>
-                      </a:r>
-                      <a:r>
-                        <a:rPr lang="en-US" altLang="ko-KR" sz="1200" kern="1200">
-                          <a:solidFill>
-                            <a:schemeClr val="tx1"/>
-                          </a:solidFill>
-                          <a:latin typeface="+mn-ea"/>
-                          <a:ea typeface="+mn-ea"/>
-                          <a:cs typeface="+mn-cs"/>
-                          <a:hlinkClick r:id="rId5" tooltip=" 무선 주파수 ㅇ 전파(電波)에 의한 무선통신 응용에 사용하는 주파수대역 ㅇ 통상, 3 ㎑ ~ 3x10&lt;sup&gt;5&lt;/sup&gt; ㎒(300 ㎓)까지 사용하지만,   - 법규상 10 ㎑ ~ 3x10&lt;sup&gt;6&lt;/sup&gt; ㎒(3000 ㎓)로 되어있음 "/>
-                        </a:rPr>
-                        <a:t>RF</a:t>
-                      </a:r>
-                      <a:r>
-                        <a:rPr lang="ko-KR" altLang="en-US" sz="1200" kern="1200">
-                          <a:solidFill>
-                            <a:schemeClr val="tx1"/>
-                          </a:solidFill>
-                          <a:latin typeface="+mn-ea"/>
-                          <a:ea typeface="+mn-ea"/>
-                          <a:cs typeface="+mn-cs"/>
-                        </a:rPr>
-                        <a:t> </a:t>
-                      </a:r>
-                      <a:r>
-                        <a:rPr lang="en-US" altLang="ko-KR" sz="1200" kern="1200">
-                          <a:solidFill>
-                            <a:schemeClr val="tx1"/>
-                          </a:solidFill>
-                          <a:latin typeface="+mn-ea"/>
-                          <a:ea typeface="+mn-ea"/>
-                          <a:cs typeface="+mn-cs"/>
-                        </a:rPr>
-                        <a:t>`</a:t>
-                      </a:r>
-                      <a:r>
-                        <a:rPr lang="ko-KR" altLang="en-US" sz="1200" kern="1200">
-                          <a:solidFill>
-                            <a:schemeClr val="tx1"/>
-                          </a:solidFill>
-                          <a:latin typeface="+mn-ea"/>
-                          <a:ea typeface="+mn-ea"/>
-                          <a:cs typeface="+mn-cs"/>
-                        </a:rPr>
-                        <a:t>수신 </a:t>
-                      </a:r>
-                      <a:r>
-                        <a:rPr lang="ko-KR" altLang="en-US" sz="1200" kern="1200">
-                          <a:solidFill>
-                            <a:schemeClr val="tx1"/>
-                          </a:solidFill>
-                          <a:latin typeface="+mn-ea"/>
-                          <a:ea typeface="+mn-ea"/>
-                          <a:cs typeface="+mn-cs"/>
-                          <a:hlinkClick r:id="rId2" tooltip=" 신호 (Signal) ㅇ 정보를 갖는 것은 모두 신호로 볼 수 있음   - 어떤 현상을 시간,공간에 따라 변화하는 물리량으로 표시한 `함수`   * 주로, `시간`과 관련된 물리량의 수학적 표현을 "/>
-                        </a:rPr>
-                        <a:t>신호</a:t>
-                      </a:r>
-                      <a:r>
-                        <a:rPr lang="ko-KR" altLang="en-US" sz="1200" kern="1200">
-                          <a:solidFill>
-                            <a:schemeClr val="tx1"/>
-                          </a:solidFill>
-                          <a:latin typeface="+mn-ea"/>
-                          <a:ea typeface="+mn-ea"/>
-                          <a:cs typeface="+mn-cs"/>
-                        </a:rPr>
-                        <a:t> 세기</a:t>
-                      </a:r>
-                      <a:r>
-                        <a:rPr lang="en-US" altLang="ko-KR" sz="1200" kern="1200">
-                          <a:solidFill>
-                            <a:schemeClr val="tx1"/>
-                          </a:solidFill>
-                          <a:latin typeface="+mn-ea"/>
-                          <a:ea typeface="+mn-ea"/>
-                          <a:cs typeface="+mn-cs"/>
-                        </a:rPr>
-                        <a:t>`</a:t>
-                      </a:r>
-                      <a:r>
-                        <a:rPr lang="ko-KR" altLang="en-US" sz="1200" kern="1200">
-                          <a:solidFill>
-                            <a:schemeClr val="tx1"/>
-                          </a:solidFill>
-                          <a:latin typeface="+mn-ea"/>
-                          <a:ea typeface="+mn-ea"/>
-                          <a:cs typeface="+mn-cs"/>
-                        </a:rPr>
-                        <a:t>에 대한 매우 일반적인 명칭</a:t>
+                        <a:t>수신신호강도</a:t>
                       </a:r>
                       <a:endParaRPr lang="ko-KR" altLang="en-US" sz="1200" kern="1200" dirty="0">
                         <a:solidFill>
@@ -14361,7 +14269,7 @@
                           <a:latin typeface="+mn-lt"/>
                           <a:ea typeface="+mn-ea"/>
                           <a:cs typeface="+mn-cs"/>
-                          <a:hlinkClick r:id="rId6"/>
+                          <a:hlinkClick r:id="rId4"/>
                         </a:rPr>
                         <a:t>antenna tilt optimization</a:t>
                       </a:r>
@@ -15311,314 +15219,6 @@
     <p:extLst>
       <p:ext uri="{BB962C8B-B14F-4D97-AF65-F5344CB8AC3E}">
         <p14:creationId xmlns:p14="http://schemas.microsoft.com/office/powerpoint/2010/main" val="2930076302"/>
-      </p:ext>
-    </p:extLst>
-  </p:cSld>
-  <p:clrMapOvr>
-    <a:masterClrMapping/>
-  </p:clrMapOvr>
-  <mc:AlternateContent xmlns:mc="http://schemas.openxmlformats.org/markup-compatibility/2006" xmlns:p14="http://schemas.microsoft.com/office/powerpoint/2010/main">
-    <mc:Choice Requires="p14">
-      <p:transition spd="med" p14:dur="700">
-        <p:fade/>
-      </p:transition>
-    </mc:Choice>
-    <mc:Fallback xmlns="">
-      <p:transition spd="med">
-        <p:fade/>
-      </p:transition>
-    </mc:Fallback>
-  </mc:AlternateContent>
-</p:sld>
-</file>
-
-<file path=ppt/slides/slide9.xml><?xml version="1.0" encoding="utf-8"?>
-<p:sld xmlns:a="http://schemas.openxmlformats.org/drawingml/2006/main" xmlns:r="http://schemas.openxmlformats.org/officeDocument/2006/relationships" xmlns:p="http://schemas.openxmlformats.org/presentationml/2006/main">
-  <p:cSld>
-    <p:spTree>
-      <p:nvGrpSpPr>
-        <p:cNvPr id="1" name=""/>
-        <p:cNvGrpSpPr/>
-        <p:nvPr/>
-      </p:nvGrpSpPr>
-      <p:grpSpPr>
-        <a:xfrm>
-          <a:off x="0" y="0"/>
-          <a:ext cx="0" cy="0"/>
-          <a:chOff x="0" y="0"/>
-          <a:chExt cx="0" cy="0"/>
-        </a:xfrm>
-      </p:grpSpPr>
-      <p:cxnSp>
-        <p:nvCxnSpPr>
-          <p:cNvPr id="6" name="직선 연결선 5"/>
-          <p:cNvCxnSpPr/>
-          <p:nvPr/>
-        </p:nvCxnSpPr>
-        <p:spPr>
-          <a:xfrm>
-            <a:off x="74815" y="723206"/>
-            <a:ext cx="11995265" cy="0"/>
-          </a:xfrm>
-          <a:prstGeom prst="line">
-            <a:avLst/>
-          </a:prstGeom>
-          <a:ln w="38100"/>
-        </p:spPr>
-        <p:style>
-          <a:lnRef idx="1">
-            <a:schemeClr val="accent1"/>
-          </a:lnRef>
-          <a:fillRef idx="0">
-            <a:schemeClr val="accent1"/>
-          </a:fillRef>
-          <a:effectRef idx="0">
-            <a:schemeClr val="accent1"/>
-          </a:effectRef>
-          <a:fontRef idx="minor">
-            <a:schemeClr val="tx1"/>
-          </a:fontRef>
-        </p:style>
-      </p:cxnSp>
-      <p:sp>
-        <p:nvSpPr>
-          <p:cNvPr id="7" name="TextBox 6"/>
-          <p:cNvSpPr txBox="1"/>
-          <p:nvPr/>
-        </p:nvSpPr>
-        <p:spPr>
-          <a:xfrm>
-            <a:off x="389544" y="233219"/>
-            <a:ext cx="3108960" cy="369332"/>
-          </a:xfrm>
-          <a:prstGeom prst="rect">
-            <a:avLst/>
-          </a:prstGeom>
-          <a:noFill/>
-        </p:spPr>
-        <p:txBody>
-          <a:bodyPr wrap="square" rtlCol="0">
-            <a:spAutoFit/>
-          </a:bodyPr>
-          <a:lstStyle/>
-          <a:p>
-            <a:r>
-              <a:rPr lang="ko-KR" altLang="en-US" dirty="0">
-                <a:solidFill>
-                  <a:schemeClr val="accent1">
-                    <a:lumMod val="75000"/>
-                  </a:schemeClr>
-                </a:solidFill>
-              </a:rPr>
-              <a:t>용어 정리</a:t>
-            </a:r>
-          </a:p>
-        </p:txBody>
-      </p:sp>
-      <p:cxnSp>
-        <p:nvCxnSpPr>
-          <p:cNvPr id="13" name="직선 연결선 12"/>
-          <p:cNvCxnSpPr/>
-          <p:nvPr/>
-        </p:nvCxnSpPr>
-        <p:spPr>
-          <a:xfrm>
-            <a:off x="74815" y="6349306"/>
-            <a:ext cx="11995265" cy="0"/>
-          </a:xfrm>
-          <a:prstGeom prst="line">
-            <a:avLst/>
-          </a:prstGeom>
-          <a:ln w="12700"/>
-        </p:spPr>
-        <p:style>
-          <a:lnRef idx="1">
-            <a:schemeClr val="accent1"/>
-          </a:lnRef>
-          <a:fillRef idx="0">
-            <a:schemeClr val="accent1"/>
-          </a:fillRef>
-          <a:effectRef idx="0">
-            <a:schemeClr val="accent1"/>
-          </a:effectRef>
-          <a:fontRef idx="minor">
-            <a:schemeClr val="tx1"/>
-          </a:fontRef>
-        </p:style>
-      </p:cxnSp>
-      <p:sp>
-        <p:nvSpPr>
-          <p:cNvPr id="15" name="TextBox 14"/>
-          <p:cNvSpPr txBox="1"/>
-          <p:nvPr/>
-        </p:nvSpPr>
-        <p:spPr>
-          <a:xfrm>
-            <a:off x="10148215" y="6461880"/>
-            <a:ext cx="1930419" cy="276999"/>
-          </a:xfrm>
-          <a:prstGeom prst="rect">
-            <a:avLst/>
-          </a:prstGeom>
-          <a:noFill/>
-        </p:spPr>
-        <p:txBody>
-          <a:bodyPr wrap="square" rtlCol="0">
-            <a:spAutoFit/>
-          </a:bodyPr>
-          <a:lstStyle/>
-          <a:p>
-            <a:pPr algn="ctr"/>
-            <a:r>
-              <a:rPr lang="ko-KR" altLang="en-US" sz="1200">
-                <a:solidFill>
-                  <a:schemeClr val="accent1">
-                    <a:lumMod val="75000"/>
-                  </a:schemeClr>
-                </a:solidFill>
-              </a:rPr>
-              <a:t>누리꿈소프트</a:t>
-            </a:r>
-            <a:endParaRPr lang="ko-KR" altLang="en-US" sz="1200" dirty="0">
-              <a:solidFill>
-                <a:schemeClr val="accent1">
-                  <a:lumMod val="75000"/>
-                </a:schemeClr>
-              </a:solidFill>
-            </a:endParaRPr>
-          </a:p>
-        </p:txBody>
-      </p:sp>
-      <p:sp>
-        <p:nvSpPr>
-          <p:cNvPr id="3" name="AutoShape 2" descr="spatial dataì ëí ì´ë¯¸ì§ ê²ìê²°ê³¼"/>
-          <p:cNvSpPr>
-            <a:spLocks noChangeAspect="1" noChangeArrowheads="1"/>
-          </p:cNvSpPr>
-          <p:nvPr/>
-        </p:nvSpPr>
-        <p:spPr bwMode="auto">
-          <a:xfrm>
-            <a:off x="155575" y="-144463"/>
-            <a:ext cx="304800" cy="304801"/>
-          </a:xfrm>
-          <a:prstGeom prst="rect">
-            <a:avLst/>
-          </a:prstGeom>
-          <a:noFill/>
-          <a:extLst>
-            <a:ext uri="{909E8E84-426E-40DD-AFC4-6F175D3DCCD1}">
-              <a14:hiddenFill xmlns:a14="http://schemas.microsoft.com/office/drawing/2010/main">
-                <a:solidFill>
-                  <a:srgbClr val="FFFFFF"/>
-                </a:solidFill>
-              </a14:hiddenFill>
-            </a:ext>
-          </a:extLst>
-        </p:spPr>
-        <p:txBody>
-          <a:bodyPr vert="horz" wrap="square" lIns="91440" tIns="45720" rIns="91440" bIns="45720" numCol="1" anchor="t" anchorCtr="0" compatLnSpc="1">
-            <a:prstTxWarp prst="textNoShape">
-              <a:avLst/>
-            </a:prstTxWarp>
-          </a:bodyPr>
-          <a:lstStyle/>
-          <a:p>
-            <a:endParaRPr lang="ko-KR" altLang="en-US"/>
-          </a:p>
-        </p:txBody>
-      </p:sp>
-      <p:sp>
-        <p:nvSpPr>
-          <p:cNvPr id="2" name="직사각형 1">
-            <a:extLst>
-              <a:ext uri="{FF2B5EF4-FFF2-40B4-BE49-F238E27FC236}">
-                <a16:creationId xmlns:a16="http://schemas.microsoft.com/office/drawing/2014/main" id="{C0C1E6C3-EDEC-4D18-B5A3-994769B82C15}"/>
-              </a:ext>
-            </a:extLst>
-          </p:cNvPr>
-          <p:cNvSpPr/>
-          <p:nvPr/>
-        </p:nvSpPr>
-        <p:spPr>
-          <a:xfrm>
-            <a:off x="672859" y="1354350"/>
-            <a:ext cx="9074989" cy="923330"/>
-          </a:xfrm>
-          <a:prstGeom prst="rect">
-            <a:avLst/>
-          </a:prstGeom>
-        </p:spPr>
-        <p:txBody>
-          <a:bodyPr wrap="square">
-            <a:spAutoFit/>
-          </a:bodyPr>
-          <a:lstStyle/>
-          <a:p>
-            <a:r>
-              <a:rPr lang="ko-KR" altLang="en-US" dirty="0" err="1"/>
-              <a:t>rsrp</a:t>
-            </a:r>
-            <a:r>
-              <a:rPr lang="ko-KR" altLang="en-US" dirty="0"/>
-              <a:t> : 단말기의 </a:t>
-            </a:r>
-            <a:r>
-              <a:rPr lang="ko-KR" altLang="en-US" dirty="0" err="1"/>
-              <a:t>신호값</a:t>
-            </a:r>
-            <a:endParaRPr lang="ko-KR" altLang="en-US" dirty="0"/>
-          </a:p>
-          <a:p>
-            <a:r>
-              <a:rPr lang="ko-KR" altLang="en-US" dirty="0" err="1"/>
-              <a:t>rsrq</a:t>
-            </a:r>
-            <a:r>
-              <a:rPr lang="ko-KR" altLang="en-US" dirty="0"/>
-              <a:t> : 단말기에서 기지국까지의 거리(-0:가장 좋음, -106이상:불량, -70~-100:보통)</a:t>
-            </a:r>
-          </a:p>
-          <a:p>
-            <a:r>
-              <a:rPr lang="ko-KR" altLang="en-US" dirty="0" err="1"/>
-              <a:t>sinr</a:t>
-            </a:r>
-            <a:r>
-              <a:rPr lang="ko-KR" altLang="en-US" dirty="0"/>
-              <a:t> : 값은 </a:t>
-            </a:r>
-            <a:r>
-              <a:rPr lang="ko-KR" altLang="en-US" dirty="0" err="1"/>
-              <a:t>신호값에서</a:t>
-            </a:r>
-            <a:r>
-              <a:rPr lang="ko-KR" altLang="en-US" dirty="0"/>
-              <a:t> 속도(</a:t>
-            </a:r>
-            <a:r>
-              <a:rPr lang="ko-KR" altLang="en-US" dirty="0" err="1"/>
-              <a:t>양수:잘</a:t>
-            </a:r>
-            <a:r>
-              <a:rPr lang="ko-KR" altLang="en-US" dirty="0"/>
-              <a:t> 터진다 </a:t>
-            </a:r>
-            <a:r>
-              <a:rPr lang="ko-KR" altLang="en-US" dirty="0" err="1"/>
-              <a:t>음수:안</a:t>
-            </a:r>
-            <a:r>
-              <a:rPr lang="ko-KR" altLang="en-US" dirty="0"/>
-              <a:t> 터진다)</a:t>
-            </a:r>
-          </a:p>
-        </p:txBody>
-      </p:sp>
-    </p:spTree>
-    <p:extLst>
-      <p:ext uri="{BB962C8B-B14F-4D97-AF65-F5344CB8AC3E}">
-        <p14:creationId xmlns:p14="http://schemas.microsoft.com/office/powerpoint/2010/main" val="3910080277"/>
       </p:ext>
     </p:extLst>
   </p:cSld>
